--- a/Meetings & Official Documents/20180213_Meeting07.pptx
+++ b/Meetings & Official Documents/20180213_Meeting07.pptx
@@ -5,23 +5,30 @@
     <p:sldMasterId id="2147483648" r:id="rId1"/>
   </p:sldMasterIdLst>
   <p:notesMasterIdLst>
-    <p:notesMasterId r:id="rId16"/>
+    <p:notesMasterId r:id="rId23"/>
   </p:notesMasterIdLst>
   <p:sldIdLst>
     <p:sldId id="256" r:id="rId2"/>
     <p:sldId id="258" r:id="rId3"/>
     <p:sldId id="262" r:id="rId4"/>
-    <p:sldId id="263" r:id="rId5"/>
-    <p:sldId id="264" r:id="rId6"/>
-    <p:sldId id="265" r:id="rId7"/>
-    <p:sldId id="268" r:id="rId8"/>
-    <p:sldId id="269" r:id="rId9"/>
-    <p:sldId id="266" r:id="rId10"/>
-    <p:sldId id="267" r:id="rId11"/>
-    <p:sldId id="260" r:id="rId12"/>
-    <p:sldId id="261" r:id="rId13"/>
-    <p:sldId id="259" r:id="rId14"/>
-    <p:sldId id="270" r:id="rId15"/>
+    <p:sldId id="272" r:id="rId5"/>
+    <p:sldId id="263" r:id="rId6"/>
+    <p:sldId id="264" r:id="rId7"/>
+    <p:sldId id="271" r:id="rId8"/>
+    <p:sldId id="277" r:id="rId9"/>
+    <p:sldId id="268" r:id="rId10"/>
+    <p:sldId id="269" r:id="rId11"/>
+    <p:sldId id="266" r:id="rId12"/>
+    <p:sldId id="267" r:id="rId13"/>
+    <p:sldId id="260" r:id="rId14"/>
+    <p:sldId id="273" r:id="rId15"/>
+    <p:sldId id="278" r:id="rId16"/>
+    <p:sldId id="261" r:id="rId17"/>
+    <p:sldId id="259" r:id="rId18"/>
+    <p:sldId id="276" r:id="rId19"/>
+    <p:sldId id="275" r:id="rId20"/>
+    <p:sldId id="274" r:id="rId21"/>
+    <p:sldId id="270" r:id="rId22"/>
   </p:sldIdLst>
   <p:sldSz cx="12192000" cy="6858000"/>
   <p:notesSz cx="6858000" cy="9144000"/>
@@ -210,7 +217,7 @@
           <a:p>
             <a:fld id="{E15A76BE-B627-4104-B529-7E2316BD4BF6}" type="datetimeFigureOut">
               <a:rPr lang="nl-BE" smtClean="0"/>
-              <a:t>12/02/2018</a:t>
+              <a:t>13/02/2018</a:t>
             </a:fld>
             <a:endParaRPr lang="nl-BE"/>
           </a:p>
@@ -574,7 +581,7 @@
           <a:p>
             <a:fld id="{0314BBEE-5E29-4250-9049-210AE98E6ACE}" type="slidenum">
               <a:rPr lang="nl-BE" smtClean="0"/>
-              <a:t>4</a:t>
+              <a:t>5</a:t>
             </a:fld>
             <a:endParaRPr lang="nl-BE"/>
           </a:p>
@@ -740,9 +747,9 @@
           <a:bodyPr/>
           <a:lstStyle/>
           <a:p>
-            <a:fld id="{FADF804B-84D1-4343-8B19-EB85A72DD6EC}" type="datetime1">
+            <a:fld id="{BAF5357C-391B-4D09-904D-D86C0A53B58E}" type="datetime1">
               <a:rPr lang="nl-BE" smtClean="0"/>
-              <a:t>12/02/2018</a:t>
+              <a:t>13/02/2018</a:t>
             </a:fld>
             <a:endParaRPr lang="nl-BE"/>
           </a:p>
@@ -940,9 +947,9 @@
           <a:bodyPr/>
           <a:lstStyle/>
           <a:p>
-            <a:fld id="{0F1C7783-F113-4FF4-B776-DC5286F8290B}" type="datetime1">
+            <a:fld id="{6AA09ED5-7C2D-4F28-844A-52EEDC2BF49D}" type="datetime1">
               <a:rPr lang="nl-BE" smtClean="0"/>
-              <a:t>12/02/2018</a:t>
+              <a:t>13/02/2018</a:t>
             </a:fld>
             <a:endParaRPr lang="nl-BE"/>
           </a:p>
@@ -1150,9 +1157,9 @@
           <a:bodyPr/>
           <a:lstStyle/>
           <a:p>
-            <a:fld id="{02890800-17FB-44ED-9B20-4D665492B94C}" type="datetime1">
+            <a:fld id="{84B8BE1D-0D79-4534-93F4-C1B67B8EE574}" type="datetime1">
               <a:rPr lang="nl-BE" smtClean="0"/>
-              <a:t>12/02/2018</a:t>
+              <a:t>13/02/2018</a:t>
             </a:fld>
             <a:endParaRPr lang="nl-BE"/>
           </a:p>
@@ -1350,9 +1357,9 @@
           <a:bodyPr/>
           <a:lstStyle/>
           <a:p>
-            <a:fld id="{F3C85560-A8A3-4791-9266-65F91604CD27}" type="datetime1">
+            <a:fld id="{9FA642FF-A4F9-484B-9D4F-56AB13C8CD41}" type="datetime1">
               <a:rPr lang="nl-BE" smtClean="0"/>
-              <a:t>12/02/2018</a:t>
+              <a:t>13/02/2018</a:t>
             </a:fld>
             <a:endParaRPr lang="nl-BE"/>
           </a:p>
@@ -1626,9 +1633,9 @@
           <a:bodyPr/>
           <a:lstStyle/>
           <a:p>
-            <a:fld id="{2290950C-0E4E-4231-9944-F7887DE2DF82}" type="datetime1">
+            <a:fld id="{E8483601-E52A-454F-ABDD-5B114E8D2DD0}" type="datetime1">
               <a:rPr lang="nl-BE" smtClean="0"/>
-              <a:t>12/02/2018</a:t>
+              <a:t>13/02/2018</a:t>
             </a:fld>
             <a:endParaRPr lang="nl-BE"/>
           </a:p>
@@ -1894,9 +1901,9 @@
           <a:bodyPr/>
           <a:lstStyle/>
           <a:p>
-            <a:fld id="{E74CC67D-EE8A-491F-9585-62B2394EA5C0}" type="datetime1">
+            <a:fld id="{FA9F725F-26ED-4748-B342-B09FAD491EB2}" type="datetime1">
               <a:rPr lang="nl-BE" smtClean="0"/>
-              <a:t>12/02/2018</a:t>
+              <a:t>13/02/2018</a:t>
             </a:fld>
             <a:endParaRPr lang="nl-BE"/>
           </a:p>
@@ -2309,9 +2316,9 @@
           <a:bodyPr/>
           <a:lstStyle/>
           <a:p>
-            <a:fld id="{DAA25FC8-EFC2-4A6F-961E-1B0E0F716679}" type="datetime1">
+            <a:fld id="{F57E9562-D7EB-405F-BD5B-A07B63803EBE}" type="datetime1">
               <a:rPr lang="nl-BE" smtClean="0"/>
-              <a:t>12/02/2018</a:t>
+              <a:t>13/02/2018</a:t>
             </a:fld>
             <a:endParaRPr lang="nl-BE"/>
           </a:p>
@@ -2451,9 +2458,9 @@
           <a:bodyPr/>
           <a:lstStyle/>
           <a:p>
-            <a:fld id="{ABB917D3-BF96-4879-B1ED-D0037EF25307}" type="datetime1">
+            <a:fld id="{85582CCE-5637-4EF1-B4E2-4BEAA49CE4C7}" type="datetime1">
               <a:rPr lang="nl-BE" smtClean="0"/>
-              <a:t>12/02/2018</a:t>
+              <a:t>13/02/2018</a:t>
             </a:fld>
             <a:endParaRPr lang="nl-BE"/>
           </a:p>
@@ -2564,9 +2571,9 @@
           <a:bodyPr/>
           <a:lstStyle/>
           <a:p>
-            <a:fld id="{45E606F4-FEA2-45DC-942F-D6083A2C759E}" type="datetime1">
+            <a:fld id="{F313704F-020B-4613-9856-CE04A603FCB8}" type="datetime1">
               <a:rPr lang="nl-BE" smtClean="0"/>
-              <a:t>12/02/2018</a:t>
+              <a:t>13/02/2018</a:t>
             </a:fld>
             <a:endParaRPr lang="nl-BE"/>
           </a:p>
@@ -2877,9 +2884,9 @@
           <a:bodyPr/>
           <a:lstStyle/>
           <a:p>
-            <a:fld id="{5D67CE95-7C1B-4A5B-B82E-ECF846DA3152}" type="datetime1">
+            <a:fld id="{ADA96E6E-1475-44D1-84AE-E6FC991A66A4}" type="datetime1">
               <a:rPr lang="nl-BE" smtClean="0"/>
-              <a:t>12/02/2018</a:t>
+              <a:t>13/02/2018</a:t>
             </a:fld>
             <a:endParaRPr lang="nl-BE"/>
           </a:p>
@@ -3166,9 +3173,9 @@
           <a:bodyPr/>
           <a:lstStyle/>
           <a:p>
-            <a:fld id="{856EED48-E03E-4D07-AAFD-73230693C039}" type="datetime1">
+            <a:fld id="{3ED4EDA2-F3D3-449A-95CC-E6FCAFE10579}" type="datetime1">
               <a:rPr lang="nl-BE" smtClean="0"/>
-              <a:t>12/02/2018</a:t>
+              <a:t>13/02/2018</a:t>
             </a:fld>
             <a:endParaRPr lang="nl-BE"/>
           </a:p>
@@ -3409,9 +3416,9 @@
             </a:lvl1pPr>
           </a:lstStyle>
           <a:p>
-            <a:fld id="{21C54B96-3F3F-472B-B2D5-C6033140C34E}" type="datetime1">
+            <a:fld id="{5D48EC90-ADA5-4A8B-9503-B3F9EABCF989}" type="datetime1">
               <a:rPr lang="nl-BE" smtClean="0"/>
-              <a:t>12/02/2018</a:t>
+              <a:t>13/02/2018</a:t>
             </a:fld>
             <a:endParaRPr lang="nl-BE"/>
           </a:p>
@@ -3953,7 +3960,7 @@
           <p:cNvPr id="2" name="Titel 1">
             <a:extLst>
               <a:ext uri="{FF2B5EF4-FFF2-40B4-BE49-F238E27FC236}">
-                <a16:creationId xmlns:a16="http://schemas.microsoft.com/office/drawing/2014/main" id="{E9BEACBB-AD0B-4756-9BBD-7D82BD89FB18}"/>
+                <a16:creationId xmlns:a16="http://schemas.microsoft.com/office/drawing/2014/main" id="{8626FDD3-14AE-4AA4-A813-983F56B5C40C}"/>
               </a:ext>
             </a:extLst>
           </p:cNvPr>
@@ -3969,279 +3976,54 @@
           <a:bodyPr/>
           <a:lstStyle/>
           <a:p>
-            <a:endParaRPr lang="nl-BE"/>
-          </a:p>
-        </p:txBody>
-      </p:sp>
-      <p:graphicFrame>
-        <p:nvGraphicFramePr>
-          <p:cNvPr id="5" name="Tijdelijke aanduiding voor inhoud 4">
-            <a:extLst>
-              <a:ext uri="{FF2B5EF4-FFF2-40B4-BE49-F238E27FC236}">
-                <a16:creationId xmlns:a16="http://schemas.microsoft.com/office/drawing/2014/main" id="{53343993-CE37-45BA-8DB7-CA6985F63862}"/>
-              </a:ext>
-            </a:extLst>
-          </p:cNvPr>
-          <p:cNvGraphicFramePr>
-            <a:graphicFrameLocks noGrp="1"/>
-          </p:cNvGraphicFramePr>
+            <a:r>
+              <a:rPr lang="nl-BE" dirty="0"/>
+              <a:t>1b. Test Case</a:t>
+            </a:r>
+          </a:p>
+        </p:txBody>
+      </p:sp>
+      <p:pic>
+        <p:nvPicPr>
+          <p:cNvPr id="6" name="Tijdelijke aanduiding voor inhoud 5">
+            <a:extLst>
+              <a:ext uri="{FF2B5EF4-FFF2-40B4-BE49-F238E27FC236}">
+                <a16:creationId xmlns:a16="http://schemas.microsoft.com/office/drawing/2014/main" id="{767C7D18-D432-47A8-B88D-63703E9563DA}"/>
+              </a:ext>
+            </a:extLst>
+          </p:cNvPr>
+          <p:cNvPicPr>
+            <a:picLocks noGrp="1" noChangeAspect="1"/>
+          </p:cNvPicPr>
           <p:nvPr>
             <p:ph idx="1"/>
-            <p:extLst>
-              <p:ext uri="{D42A27DB-BD31-4B8C-83A1-F6EECF244321}">
-                <p14:modId xmlns:p14="http://schemas.microsoft.com/office/powerpoint/2010/main" val="3503610103"/>
-              </p:ext>
-            </p:extLst>
-          </p:nvPr>
-        </p:nvGraphicFramePr>
-        <p:xfrm>
-          <a:off x="838200" y="1825625"/>
-          <a:ext cx="10515600" cy="1483360"/>
-        </p:xfrm>
-        <a:graphic>
-          <a:graphicData uri="http://schemas.openxmlformats.org/drawingml/2006/table">
-            <a:tbl>
-              <a:tblPr firstRow="1" bandRow="1">
-                <a:tableStyleId>{5C22544A-7EE6-4342-B048-85BDC9FD1C3A}</a:tableStyleId>
-              </a:tblPr>
-              <a:tblGrid>
-                <a:gridCol w="3505200">
-                  <a:extLst>
-                    <a:ext uri="{9D8B030D-6E8A-4147-A177-3AD203B41FA5}">
-                      <a16:colId xmlns:a16="http://schemas.microsoft.com/office/drawing/2014/main" val="1505284924"/>
-                    </a:ext>
-                  </a:extLst>
-                </a:gridCol>
-                <a:gridCol w="3505200">
-                  <a:extLst>
-                    <a:ext uri="{9D8B030D-6E8A-4147-A177-3AD203B41FA5}">
-                      <a16:colId xmlns:a16="http://schemas.microsoft.com/office/drawing/2014/main" val="407542756"/>
-                    </a:ext>
-                  </a:extLst>
-                </a:gridCol>
-                <a:gridCol w="3505200">
-                  <a:extLst>
-                    <a:ext uri="{9D8B030D-6E8A-4147-A177-3AD203B41FA5}">
-                      <a16:colId xmlns:a16="http://schemas.microsoft.com/office/drawing/2014/main" val="1522702350"/>
-                    </a:ext>
-                  </a:extLst>
-                </a:gridCol>
-              </a:tblGrid>
-              <a:tr h="370840">
-                <a:tc>
-                  <a:txBody>
-                    <a:bodyPr/>
-                    <a:lstStyle/>
-                    <a:p>
-                      <a:r>
-                        <a:rPr lang="nl-BE" dirty="0"/>
-                        <a:t>U/U0</a:t>
-                      </a:r>
-                    </a:p>
-                  </a:txBody>
-                  <a:tcPr/>
-                </a:tc>
-                <a:tc>
-                  <a:txBody>
-                    <a:bodyPr/>
-                    <a:lstStyle/>
-                    <a:p>
-                      <a:r>
-                        <a:rPr lang="nl-BE" dirty="0"/>
-                        <a:t>CT curve </a:t>
-                      </a:r>
-                      <a:r>
-                        <a:rPr lang="nl-BE" dirty="0" err="1"/>
-                        <a:t>from</a:t>
-                      </a:r>
-                      <a:r>
-                        <a:rPr lang="nl-BE" dirty="0"/>
-                        <a:t> LES </a:t>
-                      </a:r>
-                      <a:r>
-                        <a:rPr lang="nl-BE" dirty="0" err="1"/>
-                        <a:t>simulations</a:t>
-                      </a:r>
-                      <a:endParaRPr lang="nl-BE" dirty="0"/>
-                    </a:p>
-                  </a:txBody>
-                  <a:tcPr/>
-                </a:tc>
-                <a:tc>
-                  <a:txBody>
-                    <a:bodyPr/>
-                    <a:lstStyle/>
-                    <a:p>
-                      <a:r>
-                        <a:rPr lang="nl-BE" dirty="0"/>
-                        <a:t>CT curve </a:t>
-                      </a:r>
-                      <a:r>
-                        <a:rPr lang="nl-BE" dirty="0" err="1"/>
-                        <a:t>from</a:t>
-                      </a:r>
-                      <a:r>
-                        <a:rPr lang="nl-BE" dirty="0"/>
-                        <a:t> WMR turbine</a:t>
-                      </a:r>
-                    </a:p>
-                  </a:txBody>
-                  <a:tcPr/>
-                </a:tc>
-                <a:extLst>
-                  <a:ext uri="{0D108BD9-81ED-4DB2-BD59-A6C34878D82A}">
-                    <a16:rowId xmlns:a16="http://schemas.microsoft.com/office/drawing/2014/main" val="713421067"/>
-                  </a:ext>
-                </a:extLst>
-              </a:tr>
-              <a:tr h="370840">
-                <a:tc>
-                  <a:txBody>
-                    <a:bodyPr/>
-                    <a:lstStyle/>
-                    <a:p>
-                      <a:r>
-                        <a:rPr lang="nl-BE" dirty="0"/>
-                        <a:t>Turbine 1</a:t>
-                      </a:r>
-                    </a:p>
-                  </a:txBody>
-                  <a:tcPr/>
-                </a:tc>
-                <a:tc>
-                  <a:txBody>
-                    <a:bodyPr/>
-                    <a:lstStyle/>
-                    <a:p>
-                      <a:r>
-                        <a:rPr lang="nl-BE" dirty="0"/>
-                        <a:t>1</a:t>
-                      </a:r>
-                    </a:p>
-                  </a:txBody>
-                  <a:tcPr/>
-                </a:tc>
-                <a:tc>
-                  <a:txBody>
-                    <a:bodyPr/>
-                    <a:lstStyle/>
-                    <a:p>
-                      <a:r>
-                        <a:rPr lang="nl-BE" dirty="0"/>
-                        <a:t>1</a:t>
-                      </a:r>
-                    </a:p>
-                  </a:txBody>
-                  <a:tcPr/>
-                </a:tc>
-                <a:extLst>
-                  <a:ext uri="{0D108BD9-81ED-4DB2-BD59-A6C34878D82A}">
-                    <a16:rowId xmlns:a16="http://schemas.microsoft.com/office/drawing/2014/main" val="4073572789"/>
-                  </a:ext>
-                </a:extLst>
-              </a:tr>
-              <a:tr h="370840">
-                <a:tc>
-                  <a:txBody>
-                    <a:bodyPr/>
-                    <a:lstStyle/>
-                    <a:p>
-                      <a:r>
-                        <a:rPr lang="nl-BE" dirty="0"/>
-                        <a:t>Turbine 2</a:t>
-                      </a:r>
-                    </a:p>
-                  </a:txBody>
-                  <a:tcPr/>
-                </a:tc>
-                <a:tc>
-                  <a:txBody>
-                    <a:bodyPr/>
-                    <a:lstStyle/>
-                    <a:p>
-                      <a:r>
-                        <a:rPr lang="nl-BE" dirty="0"/>
-                        <a:t>0,85</a:t>
-                      </a:r>
-                    </a:p>
-                  </a:txBody>
-                  <a:tcPr/>
-                </a:tc>
-                <a:tc>
-                  <a:txBody>
-                    <a:bodyPr/>
-                    <a:lstStyle/>
-                    <a:p>
-                      <a:r>
-                        <a:rPr lang="nl-BE" dirty="0"/>
-                        <a:t>0,89</a:t>
-                      </a:r>
-                    </a:p>
-                  </a:txBody>
-                  <a:tcPr/>
-                </a:tc>
-                <a:extLst>
-                  <a:ext uri="{0D108BD9-81ED-4DB2-BD59-A6C34878D82A}">
-                    <a16:rowId xmlns:a16="http://schemas.microsoft.com/office/drawing/2014/main" val="3868956670"/>
-                  </a:ext>
-                </a:extLst>
-              </a:tr>
-              <a:tr h="370840">
-                <a:tc>
-                  <a:txBody>
-                    <a:bodyPr/>
-                    <a:lstStyle/>
-                    <a:p>
-                      <a:r>
-                        <a:rPr lang="nl-BE" dirty="0"/>
-                        <a:t>Turbine 3</a:t>
-                      </a:r>
-                    </a:p>
-                  </a:txBody>
-                  <a:tcPr/>
-                </a:tc>
-                <a:tc>
-                  <a:txBody>
-                    <a:bodyPr/>
-                    <a:lstStyle/>
-                    <a:p>
-                      <a:r>
-                        <a:rPr lang="nl-BE" dirty="0"/>
-                        <a:t>0,73</a:t>
-                      </a:r>
-                    </a:p>
-                  </a:txBody>
-                  <a:tcPr/>
-                </a:tc>
-                <a:tc>
-                  <a:txBody>
-                    <a:bodyPr/>
-                    <a:lstStyle/>
-                    <a:p>
-                      <a:r>
-                        <a:rPr lang="nl-BE" dirty="0"/>
-                        <a:t>0,80</a:t>
-                      </a:r>
-                    </a:p>
-                  </a:txBody>
-                  <a:tcPr/>
-                </a:tc>
-                <a:extLst>
-                  <a:ext uri="{0D108BD9-81ED-4DB2-BD59-A6C34878D82A}">
-                    <a16:rowId xmlns:a16="http://schemas.microsoft.com/office/drawing/2014/main" val="265996798"/>
-                  </a:ext>
-                </a:extLst>
-              </a:tr>
-            </a:tbl>
-          </a:graphicData>
-        </a:graphic>
-      </p:graphicFrame>
+          </p:nvPr>
+        </p:nvPicPr>
+        <p:blipFill>
+          <a:blip r:embed="rId2">
+            <a:extLst>
+              <a:ext uri="{28A0092B-C50C-407E-A947-70E740481C1C}">
+                <a14:useLocalDpi xmlns:a14="http://schemas.microsoft.com/office/drawing/2010/main" val="0"/>
+              </a:ext>
+            </a:extLst>
+          </a:blip>
+          <a:stretch>
+            <a:fillRect/>
+          </a:stretch>
+        </p:blipFill>
+        <p:spPr>
+          <a:xfrm>
+            <a:off x="103961" y="1424206"/>
+            <a:ext cx="5803995" cy="4351338"/>
+          </a:xfrm>
+        </p:spPr>
+      </p:pic>
       <p:sp>
         <p:nvSpPr>
           <p:cNvPr id="4" name="Tijdelijke aanduiding voor dianummer 3">
             <a:extLst>
               <a:ext uri="{FF2B5EF4-FFF2-40B4-BE49-F238E27FC236}">
-                <a16:creationId xmlns:a16="http://schemas.microsoft.com/office/drawing/2014/main" id="{16845D4D-E7E8-42CA-A64D-500D84117184}"/>
+                <a16:creationId xmlns:a16="http://schemas.microsoft.com/office/drawing/2014/main" id="{F28A42ED-02B5-4870-A4D3-D8D91A4B4428}"/>
               </a:ext>
             </a:extLst>
           </p:cNvPr>
@@ -4265,861 +4047,97 @@
           </a:p>
         </p:txBody>
       </p:sp>
-      <mc:AlternateContent xmlns:mc="http://schemas.openxmlformats.org/markup-compatibility/2006" xmlns:a14="http://schemas.microsoft.com/office/drawing/2010/main">
-        <mc:Choice Requires="a14">
-          <p:graphicFrame>
-            <p:nvGraphicFramePr>
-              <p:cNvPr id="6" name="Tabel 5">
-                <a:extLst>
-                  <a:ext uri="{FF2B5EF4-FFF2-40B4-BE49-F238E27FC236}">
-                    <a16:creationId xmlns:a16="http://schemas.microsoft.com/office/drawing/2014/main" id="{667F2DE1-6141-433E-B4F8-4FBD31AD7477}"/>
-                  </a:ext>
-                </a:extLst>
-              </p:cNvPr>
-              <p:cNvGraphicFramePr>
-                <a:graphicFrameLocks noGrp="1"/>
-              </p:cNvGraphicFramePr>
-              <p:nvPr>
-                <p:extLst>
-                  <p:ext uri="{D42A27DB-BD31-4B8C-83A1-F6EECF244321}">
-                    <p14:modId xmlns:p14="http://schemas.microsoft.com/office/powerpoint/2010/main" val="2037633727"/>
-                  </p:ext>
-                </p:extLst>
-              </p:nvPr>
-            </p:nvGraphicFramePr>
-            <p:xfrm>
-              <a:off x="838200" y="1825625"/>
-              <a:ext cx="10515600" cy="370840"/>
-            </p:xfrm>
-            <a:graphic>
-              <a:graphicData uri="http://schemas.openxmlformats.org/drawingml/2006/table">
-                <a:tbl>
-                  <a:tblPr firstRow="1" bandRow="1">
-                    <a:tableStyleId>{5C22544A-7EE6-4342-B048-85BDC9FD1C3A}</a:tableStyleId>
-                  </a:tblPr>
-                  <a:tblGrid>
-                    <a:gridCol w="3505200">
-                      <a:extLst>
-                        <a:ext uri="{9D8B030D-6E8A-4147-A177-3AD203B41FA5}">
-                          <a16:colId xmlns:a16="http://schemas.microsoft.com/office/drawing/2014/main" val="2356453608"/>
-                        </a:ext>
-                      </a:extLst>
-                    </a:gridCol>
-                    <a:gridCol w="3505200">
-                      <a:extLst>
-                        <a:ext uri="{9D8B030D-6E8A-4147-A177-3AD203B41FA5}">
-                          <a16:colId xmlns:a16="http://schemas.microsoft.com/office/drawing/2014/main" val="3224227651"/>
-                        </a:ext>
-                      </a:extLst>
-                    </a:gridCol>
-                    <a:gridCol w="3505200">
-                      <a:extLst>
-                        <a:ext uri="{9D8B030D-6E8A-4147-A177-3AD203B41FA5}">
-                          <a16:colId xmlns:a16="http://schemas.microsoft.com/office/drawing/2014/main" val="1135365440"/>
-                        </a:ext>
-                      </a:extLst>
-                    </a:gridCol>
-                  </a:tblGrid>
-                  <a:tr h="370840">
-                    <a:tc>
-                      <a:txBody>
-                        <a:bodyPr/>
-                        <a:lstStyle/>
-                        <a:p>
-                          <a14:m>
-                            <m:oMath xmlns:m="http://schemas.openxmlformats.org/officeDocument/2006/math">
-                              <m:r>
-                                <a:rPr lang="nl-BE" i="1" dirty="0" smtClean="0">
-                                  <a:latin typeface="Cambria Math" panose="02040503050406030204" pitchFamily="18" charset="0"/>
-                                </a:rPr>
-                                <m:t>𝑈</m:t>
-                              </m:r>
-                              <m:r>
-                                <a:rPr lang="nl-BE" i="1" dirty="0" smtClean="0">
-                                  <a:latin typeface="Cambria Math" panose="02040503050406030204" pitchFamily="18" charset="0"/>
-                                </a:rPr>
-                                <m:t>/</m:t>
-                              </m:r>
-                              <m:sSub>
-                                <m:sSubPr>
-                                  <m:ctrlPr>
-                                    <a:rPr lang="nl-BE" b="1" i="1" dirty="0" smtClean="0">
-                                      <a:latin typeface="Cambria Math" panose="02040503050406030204" pitchFamily="18" charset="0"/>
-                                    </a:rPr>
-                                  </m:ctrlPr>
-                                </m:sSubPr>
-                                <m:e>
-                                  <m:r>
-                                    <a:rPr lang="nl-BE" i="1" dirty="0" smtClean="0">
-                                      <a:latin typeface="Cambria Math" panose="02040503050406030204" pitchFamily="18" charset="0"/>
-                                    </a:rPr>
-                                    <m:t>𝑈</m:t>
-                                  </m:r>
-                                </m:e>
-                                <m:sub>
-                                  <m:r>
-                                    <a:rPr lang="nl-BE" b="1" i="1" dirty="0" smtClean="0">
-                                      <a:latin typeface="Cambria Math" panose="02040503050406030204" pitchFamily="18" charset="0"/>
-                                    </a:rPr>
-                                    <m:t>𝟎</m:t>
-                                  </m:r>
-                                </m:sub>
-                              </m:sSub>
-                            </m:oMath>
-                          </a14:m>
-                          <a:r>
-                            <a:rPr lang="nl-BE" dirty="0"/>
-                            <a:t> [-]</a:t>
-                          </a:r>
-                        </a:p>
-                      </a:txBody>
-                      <a:tcPr/>
-                    </a:tc>
-                    <a:tc>
-                      <a:txBody>
-                        <a:bodyPr/>
-                        <a:lstStyle/>
-                        <a:p>
-                          <a:r>
-                            <a:rPr lang="nl-BE" dirty="0"/>
-                            <a:t>CT curve </a:t>
-                          </a:r>
-                          <a:r>
-                            <a:rPr lang="nl-BE" dirty="0" err="1"/>
-                            <a:t>from</a:t>
-                          </a:r>
-                          <a:r>
-                            <a:rPr lang="nl-BE" dirty="0"/>
-                            <a:t> LES </a:t>
-                          </a:r>
-                          <a:r>
-                            <a:rPr lang="nl-BE" dirty="0" err="1"/>
-                            <a:t>simulations</a:t>
-                          </a:r>
-                          <a:endParaRPr lang="nl-BE" dirty="0"/>
-                        </a:p>
-                      </a:txBody>
-                      <a:tcPr/>
-                    </a:tc>
-                    <a:tc>
-                      <a:txBody>
-                        <a:bodyPr/>
-                        <a:lstStyle/>
-                        <a:p>
-                          <a:r>
-                            <a:rPr lang="nl-BE" dirty="0"/>
-                            <a:t>CT curve </a:t>
-                          </a:r>
-                          <a:r>
-                            <a:rPr lang="nl-BE" dirty="0" err="1"/>
-                            <a:t>from</a:t>
-                          </a:r>
-                          <a:r>
-                            <a:rPr lang="nl-BE" dirty="0"/>
-                            <a:t> WMR turbine</a:t>
-                          </a:r>
-                        </a:p>
-                      </a:txBody>
-                      <a:tcPr/>
-                    </a:tc>
-                    <a:extLst>
-                      <a:ext uri="{0D108BD9-81ED-4DB2-BD59-A6C34878D82A}">
-                        <a16:rowId xmlns:a16="http://schemas.microsoft.com/office/drawing/2014/main" val="2332253962"/>
-                      </a:ext>
-                    </a:extLst>
-                  </a:tr>
-                </a:tbl>
-              </a:graphicData>
-            </a:graphic>
-          </p:graphicFrame>
-        </mc:Choice>
-        <mc:Fallback xmlns="">
-          <p:graphicFrame>
-            <p:nvGraphicFramePr>
-              <p:cNvPr id="6" name="Tabel 5">
-                <a:extLst>
-                  <a:ext uri="{FF2B5EF4-FFF2-40B4-BE49-F238E27FC236}">
-                    <a16:creationId xmlns:a16="http://schemas.microsoft.com/office/drawing/2014/main" id="{667F2DE1-6141-433E-B4F8-4FBD31AD7477}"/>
-                  </a:ext>
-                </a:extLst>
-              </p:cNvPr>
-              <p:cNvGraphicFramePr>
-                <a:graphicFrameLocks noGrp="1"/>
-              </p:cNvGraphicFramePr>
-              <p:nvPr>
-                <p:extLst>
-                  <p:ext uri="{D42A27DB-BD31-4B8C-83A1-F6EECF244321}">
-                    <p14:modId xmlns:p14="http://schemas.microsoft.com/office/powerpoint/2010/main" val="2037633727"/>
-                  </p:ext>
-                </p:extLst>
-              </p:nvPr>
-            </p:nvGraphicFramePr>
-            <p:xfrm>
-              <a:off x="838200" y="1825625"/>
-              <a:ext cx="10515600" cy="370840"/>
-            </p:xfrm>
-            <a:graphic>
-              <a:graphicData uri="http://schemas.openxmlformats.org/drawingml/2006/table">
-                <a:tbl>
-                  <a:tblPr firstRow="1" bandRow="1">
-                    <a:tableStyleId>{5C22544A-7EE6-4342-B048-85BDC9FD1C3A}</a:tableStyleId>
-                  </a:tblPr>
-                  <a:tblGrid>
-                    <a:gridCol w="3505200">
-                      <a:extLst>
-                        <a:ext uri="{9D8B030D-6E8A-4147-A177-3AD203B41FA5}">
-                          <a16:colId xmlns:a16="http://schemas.microsoft.com/office/drawing/2014/main" val="2356453608"/>
-                        </a:ext>
-                      </a:extLst>
-                    </a:gridCol>
-                    <a:gridCol w="3505200">
-                      <a:extLst>
-                        <a:ext uri="{9D8B030D-6E8A-4147-A177-3AD203B41FA5}">
-                          <a16:colId xmlns:a16="http://schemas.microsoft.com/office/drawing/2014/main" val="3224227651"/>
-                        </a:ext>
-                      </a:extLst>
-                    </a:gridCol>
-                    <a:gridCol w="3505200">
-                      <a:extLst>
-                        <a:ext uri="{9D8B030D-6E8A-4147-A177-3AD203B41FA5}">
-                          <a16:colId xmlns:a16="http://schemas.microsoft.com/office/drawing/2014/main" val="1135365440"/>
-                        </a:ext>
-                      </a:extLst>
-                    </a:gridCol>
-                  </a:tblGrid>
-                  <a:tr h="370840">
-                    <a:tc>
-                      <a:txBody>
-                        <a:bodyPr/>
-                        <a:lstStyle/>
-                        <a:p>
-                          <a:endParaRPr lang="nl-BE"/>
-                        </a:p>
-                      </a:txBody>
-                      <a:tcPr>
-                        <a:blipFill>
-                          <a:blip r:embed="rId2"/>
-                          <a:stretch>
-                            <a:fillRect l="-174" t="-8065" r="-200870" b="-22581"/>
-                          </a:stretch>
-                        </a:blipFill>
-                      </a:tcPr>
-                    </a:tc>
-                    <a:tc>
-                      <a:txBody>
-                        <a:bodyPr/>
-                        <a:lstStyle/>
-                        <a:p>
-                          <a:r>
-                            <a:rPr lang="nl-BE" dirty="0"/>
-                            <a:t>CT curve </a:t>
-                          </a:r>
-                          <a:r>
-                            <a:rPr lang="nl-BE" dirty="0" err="1"/>
-                            <a:t>from</a:t>
-                          </a:r>
-                          <a:r>
-                            <a:rPr lang="nl-BE" dirty="0"/>
-                            <a:t> LES </a:t>
-                          </a:r>
-                          <a:r>
-                            <a:rPr lang="nl-BE" dirty="0" err="1"/>
-                            <a:t>simulations</a:t>
-                          </a:r>
-                          <a:endParaRPr lang="nl-BE" dirty="0"/>
-                        </a:p>
-                      </a:txBody>
-                      <a:tcPr/>
-                    </a:tc>
-                    <a:tc>
-                      <a:txBody>
-                        <a:bodyPr/>
-                        <a:lstStyle/>
-                        <a:p>
-                          <a:r>
-                            <a:rPr lang="nl-BE" dirty="0"/>
-                            <a:t>CT curve </a:t>
-                          </a:r>
-                          <a:r>
-                            <a:rPr lang="nl-BE" dirty="0" err="1"/>
-                            <a:t>from</a:t>
-                          </a:r>
-                          <a:r>
-                            <a:rPr lang="nl-BE" dirty="0"/>
-                            <a:t> WMR turbine</a:t>
-                          </a:r>
-                        </a:p>
-                      </a:txBody>
-                      <a:tcPr/>
-                    </a:tc>
-                    <a:extLst>
-                      <a:ext uri="{0D108BD9-81ED-4DB2-BD59-A6C34878D82A}">
-                        <a16:rowId xmlns:a16="http://schemas.microsoft.com/office/drawing/2014/main" val="2332253962"/>
-                      </a:ext>
-                    </a:extLst>
-                  </a:tr>
-                </a:tbl>
-              </a:graphicData>
-            </a:graphic>
-          </p:graphicFrame>
-        </mc:Fallback>
-      </mc:AlternateContent>
-      <mc:AlternateContent xmlns:mc="http://schemas.openxmlformats.org/markup-compatibility/2006" xmlns:a14="http://schemas.microsoft.com/office/drawing/2010/main">
-        <mc:Choice Requires="a14">
-          <p:graphicFrame>
-            <p:nvGraphicFramePr>
-              <p:cNvPr id="7" name="Tijdelijke aanduiding voor inhoud 4">
-                <a:extLst>
-                  <a:ext uri="{FF2B5EF4-FFF2-40B4-BE49-F238E27FC236}">
-                    <a16:creationId xmlns:a16="http://schemas.microsoft.com/office/drawing/2014/main" id="{B335172B-9883-440E-A222-99FF813456E4}"/>
-                  </a:ext>
-                </a:extLst>
-              </p:cNvPr>
-              <p:cNvGraphicFramePr>
-                <a:graphicFrameLocks/>
-              </p:cNvGraphicFramePr>
-              <p:nvPr>
-                <p:extLst>
-                  <p:ext uri="{D42A27DB-BD31-4B8C-83A1-F6EECF244321}">
-                    <p14:modId xmlns:p14="http://schemas.microsoft.com/office/powerpoint/2010/main" val="2365499616"/>
-                  </p:ext>
-                </p:extLst>
-              </p:nvPr>
-            </p:nvGraphicFramePr>
-            <p:xfrm>
-              <a:off x="838200" y="4090987"/>
-              <a:ext cx="10515600" cy="1483360"/>
-            </p:xfrm>
-            <a:graphic>
-              <a:graphicData uri="http://schemas.openxmlformats.org/drawingml/2006/table">
-                <a:tbl>
-                  <a:tblPr firstRow="1" bandRow="1">
-                    <a:tableStyleId>{5C22544A-7EE6-4342-B048-85BDC9FD1C3A}</a:tableStyleId>
-                  </a:tblPr>
-                  <a:tblGrid>
-                    <a:gridCol w="3505200">
-                      <a:extLst>
-                        <a:ext uri="{9D8B030D-6E8A-4147-A177-3AD203B41FA5}">
-                          <a16:colId xmlns:a16="http://schemas.microsoft.com/office/drawing/2014/main" val="1505284924"/>
-                        </a:ext>
-                      </a:extLst>
-                    </a:gridCol>
-                    <a:gridCol w="3505200">
-                      <a:extLst>
-                        <a:ext uri="{9D8B030D-6E8A-4147-A177-3AD203B41FA5}">
-                          <a16:colId xmlns:a16="http://schemas.microsoft.com/office/drawing/2014/main" val="407542756"/>
-                        </a:ext>
-                      </a:extLst>
-                    </a:gridCol>
-                    <a:gridCol w="3505200">
-                      <a:extLst>
-                        <a:ext uri="{9D8B030D-6E8A-4147-A177-3AD203B41FA5}">
-                          <a16:colId xmlns:a16="http://schemas.microsoft.com/office/drawing/2014/main" val="1522702350"/>
-                        </a:ext>
-                      </a:extLst>
-                    </a:gridCol>
-                  </a:tblGrid>
-                  <a:tr h="370840">
-                    <a:tc>
-                      <a:txBody>
-                        <a:bodyPr/>
-                        <a:lstStyle/>
-                        <a:p>
-                          <a14:m>
-                            <m:oMath xmlns:m="http://schemas.openxmlformats.org/officeDocument/2006/math">
-                              <m:r>
-                                <a:rPr lang="nl-BE" i="1" dirty="0" smtClean="0">
-                                  <a:latin typeface="Cambria Math" panose="02040503050406030204" pitchFamily="18" charset="0"/>
-                                  <a:ea typeface="Cambria Math" panose="02040503050406030204" pitchFamily="18" charset="0"/>
-                                </a:rPr>
-                                <m:t>𝜹</m:t>
-                              </m:r>
-                              <m:r>
-                                <a:rPr lang="nl-BE" b="1" i="1" dirty="0" smtClean="0">
-                                  <a:latin typeface="Cambria Math" panose="02040503050406030204" pitchFamily="18" charset="0"/>
-                                  <a:ea typeface="Cambria Math" panose="02040503050406030204" pitchFamily="18" charset="0"/>
-                                </a:rPr>
-                                <m:t>𝑼</m:t>
-                              </m:r>
-                            </m:oMath>
-                          </a14:m>
-                          <a:r>
-                            <a:rPr lang="nl-BE" dirty="0"/>
-                            <a:t> [-]</a:t>
-                          </a:r>
-                        </a:p>
-                      </a:txBody>
-                      <a:tcPr/>
-                    </a:tc>
-                    <a:tc>
-                      <a:txBody>
-                        <a:bodyPr/>
-                        <a:lstStyle/>
-                        <a:p>
-                          <a:r>
-                            <a:rPr lang="nl-BE" dirty="0"/>
-                            <a:t>CT curve </a:t>
-                          </a:r>
-                          <a:r>
-                            <a:rPr lang="nl-BE" dirty="0" err="1"/>
-                            <a:t>from</a:t>
-                          </a:r>
-                          <a:r>
-                            <a:rPr lang="nl-BE" dirty="0"/>
-                            <a:t> LES </a:t>
-                          </a:r>
-                          <a:r>
-                            <a:rPr lang="nl-BE" dirty="0" err="1"/>
-                            <a:t>simulations</a:t>
-                          </a:r>
-                          <a:endParaRPr lang="nl-BE" dirty="0"/>
-                        </a:p>
-                      </a:txBody>
-                      <a:tcPr/>
-                    </a:tc>
-                    <a:tc>
-                      <a:txBody>
-                        <a:bodyPr/>
-                        <a:lstStyle/>
-                        <a:p>
-                          <a:r>
-                            <a:rPr lang="nl-BE" dirty="0"/>
-                            <a:t>CT curve </a:t>
-                          </a:r>
-                          <a:r>
-                            <a:rPr lang="nl-BE" dirty="0" err="1"/>
-                            <a:t>from</a:t>
-                          </a:r>
-                          <a:r>
-                            <a:rPr lang="nl-BE" dirty="0"/>
-                            <a:t> WMR turbine</a:t>
-                          </a:r>
-                        </a:p>
-                      </a:txBody>
-                      <a:tcPr/>
-                    </a:tc>
-                    <a:extLst>
-                      <a:ext uri="{0D108BD9-81ED-4DB2-BD59-A6C34878D82A}">
-                        <a16:rowId xmlns:a16="http://schemas.microsoft.com/office/drawing/2014/main" val="713421067"/>
-                      </a:ext>
-                    </a:extLst>
-                  </a:tr>
-                  <a:tr h="370840">
-                    <a:tc>
-                      <a:txBody>
-                        <a:bodyPr/>
-                        <a:lstStyle/>
-                        <a:p>
-                          <a:r>
-                            <a:rPr lang="nl-BE" dirty="0"/>
-                            <a:t>Turbine 1</a:t>
-                          </a:r>
-                        </a:p>
-                      </a:txBody>
-                      <a:tcPr/>
-                    </a:tc>
-                    <a:tc>
-                      <a:txBody>
-                        <a:bodyPr/>
-                        <a:lstStyle/>
-                        <a:p>
-                          <a:r>
-                            <a:rPr lang="nl-BE" dirty="0"/>
-                            <a:t>0</a:t>
-                          </a:r>
-                        </a:p>
-                      </a:txBody>
-                      <a:tcPr/>
-                    </a:tc>
-                    <a:tc>
-                      <a:txBody>
-                        <a:bodyPr/>
-                        <a:lstStyle/>
-                        <a:p>
-                          <a:r>
-                            <a:rPr lang="nl-BE" dirty="0"/>
-                            <a:t>0</a:t>
-                          </a:r>
-                        </a:p>
-                      </a:txBody>
-                      <a:tcPr/>
-                    </a:tc>
-                    <a:extLst>
-                      <a:ext uri="{0D108BD9-81ED-4DB2-BD59-A6C34878D82A}">
-                        <a16:rowId xmlns:a16="http://schemas.microsoft.com/office/drawing/2014/main" val="4073572789"/>
-                      </a:ext>
-                    </a:extLst>
-                  </a:tr>
-                  <a:tr h="370840">
-                    <a:tc>
-                      <a:txBody>
-                        <a:bodyPr/>
-                        <a:lstStyle/>
-                        <a:p>
-                          <a:r>
-                            <a:rPr lang="nl-BE" dirty="0"/>
-                            <a:t>Turbine 2</a:t>
-                          </a:r>
-                        </a:p>
-                      </a:txBody>
-                      <a:tcPr/>
-                    </a:tc>
-                    <a:tc>
-                      <a:txBody>
-                        <a:bodyPr/>
-                        <a:lstStyle/>
-                        <a:p>
-                          <a:r>
-                            <a:rPr lang="nl-BE" dirty="0"/>
-                            <a:t>0,15</a:t>
-                          </a:r>
-                        </a:p>
-                      </a:txBody>
-                      <a:tcPr/>
-                    </a:tc>
-                    <a:tc>
-                      <a:txBody>
-                        <a:bodyPr/>
-                        <a:lstStyle/>
-                        <a:p>
-                          <a:r>
-                            <a:rPr lang="nl-BE" dirty="0"/>
-                            <a:t>0,11</a:t>
-                          </a:r>
-                        </a:p>
-                      </a:txBody>
-                      <a:tcPr/>
-                    </a:tc>
-                    <a:extLst>
-                      <a:ext uri="{0D108BD9-81ED-4DB2-BD59-A6C34878D82A}">
-                        <a16:rowId xmlns:a16="http://schemas.microsoft.com/office/drawing/2014/main" val="3868956670"/>
-                      </a:ext>
-                    </a:extLst>
-                  </a:tr>
-                  <a:tr h="370840">
-                    <a:tc>
-                      <a:txBody>
-                        <a:bodyPr/>
-                        <a:lstStyle/>
-                        <a:p>
-                          <a:r>
-                            <a:rPr lang="nl-BE" dirty="0"/>
-                            <a:t>Turbine 3</a:t>
-                          </a:r>
-                        </a:p>
-                      </a:txBody>
-                      <a:tcPr/>
-                    </a:tc>
-                    <a:tc>
-                      <a:txBody>
-                        <a:bodyPr/>
-                        <a:lstStyle/>
-                        <a:p>
-                          <a:r>
-                            <a:rPr lang="nl-BE" dirty="0"/>
-                            <a:t>0,27</a:t>
-                          </a:r>
-                        </a:p>
-                      </a:txBody>
-                      <a:tcPr/>
-                    </a:tc>
-                    <a:tc>
-                      <a:txBody>
-                        <a:bodyPr/>
-                        <a:lstStyle/>
-                        <a:p>
-                          <a:r>
-                            <a:rPr lang="nl-BE" dirty="0"/>
-                            <a:t>0,20</a:t>
-                          </a:r>
-                        </a:p>
-                      </a:txBody>
-                      <a:tcPr/>
-                    </a:tc>
-                    <a:extLst>
-                      <a:ext uri="{0D108BD9-81ED-4DB2-BD59-A6C34878D82A}">
-                        <a16:rowId xmlns:a16="http://schemas.microsoft.com/office/drawing/2014/main" val="265996798"/>
-                      </a:ext>
-                    </a:extLst>
-                  </a:tr>
-                </a:tbl>
-              </a:graphicData>
-            </a:graphic>
-          </p:graphicFrame>
-        </mc:Choice>
-        <mc:Fallback xmlns="">
-          <p:graphicFrame>
-            <p:nvGraphicFramePr>
-              <p:cNvPr id="7" name="Tijdelijke aanduiding voor inhoud 4">
-                <a:extLst>
-                  <a:ext uri="{FF2B5EF4-FFF2-40B4-BE49-F238E27FC236}">
-                    <a16:creationId xmlns:a16="http://schemas.microsoft.com/office/drawing/2014/main" id="{B335172B-9883-440E-A222-99FF813456E4}"/>
-                  </a:ext>
-                </a:extLst>
-              </p:cNvPr>
-              <p:cNvGraphicFramePr>
-                <a:graphicFrameLocks/>
-              </p:cNvGraphicFramePr>
-              <p:nvPr>
-                <p:extLst>
-                  <p:ext uri="{D42A27DB-BD31-4B8C-83A1-F6EECF244321}">
-                    <p14:modId xmlns:p14="http://schemas.microsoft.com/office/powerpoint/2010/main" val="2365499616"/>
-                  </p:ext>
-                </p:extLst>
-              </p:nvPr>
-            </p:nvGraphicFramePr>
-            <p:xfrm>
-              <a:off x="838200" y="4090987"/>
-              <a:ext cx="10515600" cy="1483360"/>
-            </p:xfrm>
-            <a:graphic>
-              <a:graphicData uri="http://schemas.openxmlformats.org/drawingml/2006/table">
-                <a:tbl>
-                  <a:tblPr firstRow="1" bandRow="1">
-                    <a:tableStyleId>{5C22544A-7EE6-4342-B048-85BDC9FD1C3A}</a:tableStyleId>
-                  </a:tblPr>
-                  <a:tblGrid>
-                    <a:gridCol w="3505200">
-                      <a:extLst>
-                        <a:ext uri="{9D8B030D-6E8A-4147-A177-3AD203B41FA5}">
-                          <a16:colId xmlns:a16="http://schemas.microsoft.com/office/drawing/2014/main" val="1505284924"/>
-                        </a:ext>
-                      </a:extLst>
-                    </a:gridCol>
-                    <a:gridCol w="3505200">
-                      <a:extLst>
-                        <a:ext uri="{9D8B030D-6E8A-4147-A177-3AD203B41FA5}">
-                          <a16:colId xmlns:a16="http://schemas.microsoft.com/office/drawing/2014/main" val="407542756"/>
-                        </a:ext>
-                      </a:extLst>
-                    </a:gridCol>
-                    <a:gridCol w="3505200">
-                      <a:extLst>
-                        <a:ext uri="{9D8B030D-6E8A-4147-A177-3AD203B41FA5}">
-                          <a16:colId xmlns:a16="http://schemas.microsoft.com/office/drawing/2014/main" val="1522702350"/>
-                        </a:ext>
-                      </a:extLst>
-                    </a:gridCol>
-                  </a:tblGrid>
-                  <a:tr h="370840">
-                    <a:tc>
-                      <a:txBody>
-                        <a:bodyPr/>
-                        <a:lstStyle/>
-                        <a:p>
-                          <a:endParaRPr lang="nl-BE"/>
-                        </a:p>
-                      </a:txBody>
-                      <a:tcPr>
-                        <a:blipFill>
-                          <a:blip r:embed="rId3"/>
-                          <a:stretch>
-                            <a:fillRect l="-174" t="-8197" r="-200870" b="-324590"/>
-                          </a:stretch>
-                        </a:blipFill>
-                      </a:tcPr>
-                    </a:tc>
-                    <a:tc>
-                      <a:txBody>
-                        <a:bodyPr/>
-                        <a:lstStyle/>
-                        <a:p>
-                          <a:r>
-                            <a:rPr lang="nl-BE" dirty="0"/>
-                            <a:t>CT curve </a:t>
-                          </a:r>
-                          <a:r>
-                            <a:rPr lang="nl-BE" dirty="0" err="1"/>
-                            <a:t>from</a:t>
-                          </a:r>
-                          <a:r>
-                            <a:rPr lang="nl-BE" dirty="0"/>
-                            <a:t> LES </a:t>
-                          </a:r>
-                          <a:r>
-                            <a:rPr lang="nl-BE" dirty="0" err="1"/>
-                            <a:t>simulations</a:t>
-                          </a:r>
-                          <a:endParaRPr lang="nl-BE" dirty="0"/>
-                        </a:p>
-                      </a:txBody>
-                      <a:tcPr/>
-                    </a:tc>
-                    <a:tc>
-                      <a:txBody>
-                        <a:bodyPr/>
-                        <a:lstStyle/>
-                        <a:p>
-                          <a:r>
-                            <a:rPr lang="nl-BE" dirty="0"/>
-                            <a:t>CT curve </a:t>
-                          </a:r>
-                          <a:r>
-                            <a:rPr lang="nl-BE" dirty="0" err="1"/>
-                            <a:t>from</a:t>
-                          </a:r>
-                          <a:r>
-                            <a:rPr lang="nl-BE" dirty="0"/>
-                            <a:t> WMR turbine</a:t>
-                          </a:r>
-                        </a:p>
-                      </a:txBody>
-                      <a:tcPr/>
-                    </a:tc>
-                    <a:extLst>
-                      <a:ext uri="{0D108BD9-81ED-4DB2-BD59-A6C34878D82A}">
-                        <a16:rowId xmlns:a16="http://schemas.microsoft.com/office/drawing/2014/main" val="713421067"/>
-                      </a:ext>
-                    </a:extLst>
-                  </a:tr>
-                  <a:tr h="370840">
-                    <a:tc>
-                      <a:txBody>
-                        <a:bodyPr/>
-                        <a:lstStyle/>
-                        <a:p>
-                          <a:r>
-                            <a:rPr lang="nl-BE" dirty="0"/>
-                            <a:t>Turbine 1</a:t>
-                          </a:r>
-                        </a:p>
-                      </a:txBody>
-                      <a:tcPr/>
-                    </a:tc>
-                    <a:tc>
-                      <a:txBody>
-                        <a:bodyPr/>
-                        <a:lstStyle/>
-                        <a:p>
-                          <a:r>
-                            <a:rPr lang="nl-BE" dirty="0"/>
-                            <a:t>0</a:t>
-                          </a:r>
-                        </a:p>
-                      </a:txBody>
-                      <a:tcPr/>
-                    </a:tc>
-                    <a:tc>
-                      <a:txBody>
-                        <a:bodyPr/>
-                        <a:lstStyle/>
-                        <a:p>
-                          <a:r>
-                            <a:rPr lang="nl-BE" dirty="0"/>
-                            <a:t>0</a:t>
-                          </a:r>
-                        </a:p>
-                      </a:txBody>
-                      <a:tcPr/>
-                    </a:tc>
-                    <a:extLst>
-                      <a:ext uri="{0D108BD9-81ED-4DB2-BD59-A6C34878D82A}">
-                        <a16:rowId xmlns:a16="http://schemas.microsoft.com/office/drawing/2014/main" val="4073572789"/>
-                      </a:ext>
-                    </a:extLst>
-                  </a:tr>
-                  <a:tr h="370840">
-                    <a:tc>
-                      <a:txBody>
-                        <a:bodyPr/>
-                        <a:lstStyle/>
-                        <a:p>
-                          <a:r>
-                            <a:rPr lang="nl-BE" dirty="0"/>
-                            <a:t>Turbine 2</a:t>
-                          </a:r>
-                        </a:p>
-                      </a:txBody>
-                      <a:tcPr/>
-                    </a:tc>
-                    <a:tc>
-                      <a:txBody>
-                        <a:bodyPr/>
-                        <a:lstStyle/>
-                        <a:p>
-                          <a:r>
-                            <a:rPr lang="nl-BE" dirty="0"/>
-                            <a:t>0,15</a:t>
-                          </a:r>
-                        </a:p>
-                      </a:txBody>
-                      <a:tcPr/>
-                    </a:tc>
-                    <a:tc>
-                      <a:txBody>
-                        <a:bodyPr/>
-                        <a:lstStyle/>
-                        <a:p>
-                          <a:r>
-                            <a:rPr lang="nl-BE" dirty="0"/>
-                            <a:t>0,11</a:t>
-                          </a:r>
-                        </a:p>
-                      </a:txBody>
-                      <a:tcPr/>
-                    </a:tc>
-                    <a:extLst>
-                      <a:ext uri="{0D108BD9-81ED-4DB2-BD59-A6C34878D82A}">
-                        <a16:rowId xmlns:a16="http://schemas.microsoft.com/office/drawing/2014/main" val="3868956670"/>
-                      </a:ext>
-                    </a:extLst>
-                  </a:tr>
-                  <a:tr h="370840">
-                    <a:tc>
-                      <a:txBody>
-                        <a:bodyPr/>
-                        <a:lstStyle/>
-                        <a:p>
-                          <a:r>
-                            <a:rPr lang="nl-BE" dirty="0"/>
-                            <a:t>Turbine 3</a:t>
-                          </a:r>
-                        </a:p>
-                      </a:txBody>
-                      <a:tcPr/>
-                    </a:tc>
-                    <a:tc>
-                      <a:txBody>
-                        <a:bodyPr/>
-                        <a:lstStyle/>
-                        <a:p>
-                          <a:r>
-                            <a:rPr lang="nl-BE" dirty="0"/>
-                            <a:t>0,27</a:t>
-                          </a:r>
-                        </a:p>
-                      </a:txBody>
-                      <a:tcPr/>
-                    </a:tc>
-                    <a:tc>
-                      <a:txBody>
-                        <a:bodyPr/>
-                        <a:lstStyle/>
-                        <a:p>
-                          <a:r>
-                            <a:rPr lang="nl-BE" dirty="0"/>
-                            <a:t>0,20</a:t>
-                          </a:r>
-                        </a:p>
-                      </a:txBody>
-                      <a:tcPr/>
-                    </a:tc>
-                    <a:extLst>
-                      <a:ext uri="{0D108BD9-81ED-4DB2-BD59-A6C34878D82A}">
-                        <a16:rowId xmlns:a16="http://schemas.microsoft.com/office/drawing/2014/main" val="265996798"/>
-                      </a:ext>
-                    </a:extLst>
-                  </a:tr>
-                </a:tbl>
-              </a:graphicData>
-            </a:graphic>
-          </p:graphicFrame>
-        </mc:Fallback>
-      </mc:AlternateContent>
+      <p:pic>
+        <p:nvPicPr>
+          <p:cNvPr id="8" name="Afbeelding 7" descr="Afbeelding met kaart, tekst&#10;&#10;Beschrijving is gegenereerd met zeer hoge betrouwbaarheid">
+            <a:extLst>
+              <a:ext uri="{FF2B5EF4-FFF2-40B4-BE49-F238E27FC236}">
+                <a16:creationId xmlns:a16="http://schemas.microsoft.com/office/drawing/2014/main" id="{2DE0ED2A-D7CE-459A-B51E-29A7A47C91C4}"/>
+              </a:ext>
+            </a:extLst>
+          </p:cNvPr>
+          <p:cNvPicPr>
+            <a:picLocks noChangeAspect="1"/>
+          </p:cNvPicPr>
+          <p:nvPr/>
+        </p:nvPicPr>
+        <p:blipFill>
+          <a:blip r:embed="rId3">
+            <a:extLst>
+              <a:ext uri="{28A0092B-C50C-407E-A947-70E740481C1C}">
+                <a14:useLocalDpi xmlns:a14="http://schemas.microsoft.com/office/drawing/2010/main" val="0"/>
+              </a:ext>
+            </a:extLst>
+          </a:blip>
+          <a:stretch>
+            <a:fillRect/>
+          </a:stretch>
+        </p:blipFill>
+        <p:spPr>
+          <a:xfrm>
+            <a:off x="5907956" y="1424206"/>
+            <a:ext cx="5803996" cy="4351338"/>
+          </a:xfrm>
+          <a:prstGeom prst="rect">
+            <a:avLst/>
+          </a:prstGeom>
+        </p:spPr>
+      </p:pic>
+      <p:sp>
+        <p:nvSpPr>
+          <p:cNvPr id="9" name="Tekstvak 8">
+            <a:extLst>
+              <a:ext uri="{FF2B5EF4-FFF2-40B4-BE49-F238E27FC236}">
+                <a16:creationId xmlns:a16="http://schemas.microsoft.com/office/drawing/2014/main" id="{D7A1E97A-CC53-4B10-AD72-189318023291}"/>
+              </a:ext>
+            </a:extLst>
+          </p:cNvPr>
+          <p:cNvSpPr txBox="1"/>
+          <p:nvPr/>
+        </p:nvSpPr>
+        <p:spPr>
+          <a:xfrm>
+            <a:off x="283779" y="6356350"/>
+            <a:ext cx="6957849" cy="369332"/>
+          </a:xfrm>
+          <a:prstGeom prst="rect">
+            <a:avLst/>
+          </a:prstGeom>
+          <a:noFill/>
+        </p:spPr>
+        <p:txBody>
+          <a:bodyPr wrap="square" rtlCol="0">
+            <a:spAutoFit/>
+          </a:bodyPr>
+          <a:lstStyle/>
+          <a:p>
+            <a:r>
+              <a:rPr lang="nl-BE" dirty="0"/>
+              <a:t>Model </a:t>
+            </a:r>
+            <a:r>
+              <a:rPr lang="nl-BE" dirty="0" err="1"/>
+              <a:t>used</a:t>
+            </a:r>
+            <a:r>
+              <a:rPr lang="nl-BE" dirty="0"/>
+              <a:t>: Park 1, </a:t>
+            </a:r>
+            <a:r>
+              <a:rPr lang="nl-BE" dirty="0" err="1"/>
+              <a:t>quadratic</a:t>
+            </a:r>
+            <a:r>
+              <a:rPr lang="nl-BE" dirty="0"/>
+              <a:t>, k=0,04</a:t>
+            </a:r>
+          </a:p>
+        </p:txBody>
+      </p:sp>
     </p:spTree>
     <p:extLst>
       <p:ext uri="{BB962C8B-B14F-4D97-AF65-F5344CB8AC3E}">
-        <p14:creationId xmlns:p14="http://schemas.microsoft.com/office/powerpoint/2010/main" val="2570462624"/>
+        <p14:creationId xmlns:p14="http://schemas.microsoft.com/office/powerpoint/2010/main" val="1362487375"/>
       </p:ext>
     </p:extLst>
   </p:cSld>
@@ -5151,7 +4169,7 @@
           <p:cNvPr id="2" name="Titel 1">
             <a:extLst>
               <a:ext uri="{FF2B5EF4-FFF2-40B4-BE49-F238E27FC236}">
-                <a16:creationId xmlns:a16="http://schemas.microsoft.com/office/drawing/2014/main" id="{655E7EE4-272A-43DB-A1E7-D2F9C0944351}"/>
+                <a16:creationId xmlns:a16="http://schemas.microsoft.com/office/drawing/2014/main" id="{8745525E-BC81-4E57-A179-01C3049D1E79}"/>
               </a:ext>
             </a:extLst>
           </p:cNvPr>
@@ -5169,63 +4187,8 @@
           <a:p>
             <a:r>
               <a:rPr lang="nl-BE" dirty="0"/>
-              <a:t>BEACon data</a:t>
-            </a:r>
-          </a:p>
-        </p:txBody>
-      </p:sp>
-      <p:sp>
-        <p:nvSpPr>
-          <p:cNvPr id="3" name="Tijdelijke aanduiding voor inhoud 2">
-            <a:extLst>
-              <a:ext uri="{FF2B5EF4-FFF2-40B4-BE49-F238E27FC236}">
-                <a16:creationId xmlns:a16="http://schemas.microsoft.com/office/drawing/2014/main" id="{EBA7E0EB-291E-4CEE-B974-C8A1C8FC85CE}"/>
-              </a:ext>
-            </a:extLst>
-          </p:cNvPr>
-          <p:cNvSpPr>
-            <a:spLocks noGrp="1"/>
-          </p:cNvSpPr>
-          <p:nvPr>
-            <p:ph idx="1"/>
-          </p:nvPr>
-        </p:nvSpPr>
-        <p:spPr/>
-        <p:txBody>
-          <a:bodyPr/>
-          <a:lstStyle/>
-          <a:p>
-            <a:r>
-              <a:rPr lang="en-GB" dirty="0"/>
-              <a:t>10-min average</a:t>
-            </a:r>
-          </a:p>
-          <a:p>
-            <a:r>
-              <a:rPr lang="en-GB"/>
-              <a:t>How are the </a:t>
-            </a:r>
-            <a:r>
-              <a:rPr lang="en-GB" dirty="0"/>
-              <a:t>data interpolated?</a:t>
-            </a:r>
-          </a:p>
-          <a:p>
-            <a:pPr lvl="1"/>
-            <a:r>
-              <a:rPr lang="en-GB" dirty="0"/>
-              <a:t>Data is given in Cartesian X,Y,Z frame</a:t>
-            </a:r>
-          </a:p>
-          <a:p>
-            <a:pPr lvl="1"/>
-            <a:r>
-              <a:rPr lang="en-GB" dirty="0"/>
-              <a:t>Measurements are in tilted plane</a:t>
-            </a:r>
-          </a:p>
-          <a:p>
-            <a:endParaRPr lang="en-GB" dirty="0"/>
+              <a:t>1c. CT curve</a:t>
+            </a:r>
           </a:p>
         </p:txBody>
       </p:sp>
@@ -5234,7 +4197,7 @@
           <p:cNvPr id="4" name="Tijdelijke aanduiding voor dianummer 3">
             <a:extLst>
               <a:ext uri="{FF2B5EF4-FFF2-40B4-BE49-F238E27FC236}">
-                <a16:creationId xmlns:a16="http://schemas.microsoft.com/office/drawing/2014/main" id="{6F620E56-8140-44ED-88E7-CC7E30088495}"/>
+                <a16:creationId xmlns:a16="http://schemas.microsoft.com/office/drawing/2014/main" id="{AB512F59-83F3-48A5-BEB1-F0A1CCC48BCC}"/>
               </a:ext>
             </a:extLst>
           </p:cNvPr>
@@ -5258,10 +4221,92 @@
           </a:p>
         </p:txBody>
       </p:sp>
+      <p:pic>
+        <p:nvPicPr>
+          <p:cNvPr id="3" name="Afbeelding 2">
+            <a:extLst>
+              <a:ext uri="{FF2B5EF4-FFF2-40B4-BE49-F238E27FC236}">
+                <a16:creationId xmlns:a16="http://schemas.microsoft.com/office/drawing/2014/main" id="{A5487BAE-480E-4C10-B524-5B3D6357DBBA}"/>
+              </a:ext>
+            </a:extLst>
+          </p:cNvPr>
+          <p:cNvPicPr>
+            <a:picLocks noChangeAspect="1"/>
+          </p:cNvPicPr>
+          <p:nvPr/>
+        </p:nvPicPr>
+        <p:blipFill>
+          <a:blip r:embed="rId2">
+            <a:clrChange>
+              <a:clrFrom>
+                <a:srgbClr val="F0F0F0"/>
+              </a:clrFrom>
+              <a:clrTo>
+                <a:srgbClr val="F0F0F0">
+                  <a:alpha val="0"/>
+                </a:srgbClr>
+              </a:clrTo>
+            </a:clrChange>
+          </a:blip>
+          <a:stretch>
+            <a:fillRect/>
+          </a:stretch>
+        </p:blipFill>
+        <p:spPr>
+          <a:xfrm>
+            <a:off x="85725" y="1475582"/>
+            <a:ext cx="6010275" cy="4791075"/>
+          </a:xfrm>
+          <a:prstGeom prst="rect">
+            <a:avLst/>
+          </a:prstGeom>
+        </p:spPr>
+      </p:pic>
+      <p:pic>
+        <p:nvPicPr>
+          <p:cNvPr id="9" name="Afbeelding 8">
+            <a:extLst>
+              <a:ext uri="{FF2B5EF4-FFF2-40B4-BE49-F238E27FC236}">
+                <a16:creationId xmlns:a16="http://schemas.microsoft.com/office/drawing/2014/main" id="{3DA95D05-FBFC-4986-AA9D-610CDC4645A7}"/>
+              </a:ext>
+            </a:extLst>
+          </p:cNvPr>
+          <p:cNvPicPr>
+            <a:picLocks noChangeAspect="1"/>
+          </p:cNvPicPr>
+          <p:nvPr/>
+        </p:nvPicPr>
+        <p:blipFill>
+          <a:blip r:embed="rId3">
+            <a:clrChange>
+              <a:clrFrom>
+                <a:srgbClr val="F0F0F0"/>
+              </a:clrFrom>
+              <a:clrTo>
+                <a:srgbClr val="F0F0F0">
+                  <a:alpha val="0"/>
+                </a:srgbClr>
+              </a:clrTo>
+            </a:clrChange>
+          </a:blip>
+          <a:stretch>
+            <a:fillRect/>
+          </a:stretch>
+        </p:blipFill>
+        <p:spPr>
+          <a:xfrm>
+            <a:off x="5967905" y="1490720"/>
+            <a:ext cx="6057900" cy="4781550"/>
+          </a:xfrm>
+          <a:prstGeom prst="rect">
+            <a:avLst/>
+          </a:prstGeom>
+        </p:spPr>
+      </p:pic>
     </p:spTree>
     <p:extLst>
       <p:ext uri="{BB962C8B-B14F-4D97-AF65-F5344CB8AC3E}">
-        <p14:creationId xmlns:p14="http://schemas.microsoft.com/office/powerpoint/2010/main" val="2953597118"/>
+        <p14:creationId xmlns:p14="http://schemas.microsoft.com/office/powerpoint/2010/main" val="1265914833"/>
       </p:ext>
     </p:extLst>
   </p:cSld>
@@ -5293,7 +4338,7 @@
           <p:cNvPr id="2" name="Titel 1">
             <a:extLst>
               <a:ext uri="{FF2B5EF4-FFF2-40B4-BE49-F238E27FC236}">
-                <a16:creationId xmlns:a16="http://schemas.microsoft.com/office/drawing/2014/main" id="{EFC85A76-8070-4D35-951C-01650A9CE188}"/>
+                <a16:creationId xmlns:a16="http://schemas.microsoft.com/office/drawing/2014/main" id="{E9BEACBB-AD0B-4756-9BBD-7D82BD89FB18}"/>
               </a:ext>
             </a:extLst>
           </p:cNvPr>
@@ -5311,38 +4356,8 @@
           <a:p>
             <a:r>
               <a:rPr lang="nl-BE" dirty="0"/>
-              <a:t>LES </a:t>
-            </a:r>
-            <a:r>
-              <a:rPr lang="nl-BE" dirty="0" err="1"/>
-              <a:t>results</a:t>
-            </a:r>
-            <a:endParaRPr lang="nl-BE" dirty="0"/>
-          </a:p>
-        </p:txBody>
-      </p:sp>
-      <p:sp>
-        <p:nvSpPr>
-          <p:cNvPr id="3" name="Tijdelijke aanduiding voor inhoud 2">
-            <a:extLst>
-              <a:ext uri="{FF2B5EF4-FFF2-40B4-BE49-F238E27FC236}">
-                <a16:creationId xmlns:a16="http://schemas.microsoft.com/office/drawing/2014/main" id="{F0BE187A-F99F-4362-87B4-9CAF3D9528B4}"/>
-              </a:ext>
-            </a:extLst>
-          </p:cNvPr>
-          <p:cNvSpPr>
-            <a:spLocks noGrp="1"/>
-          </p:cNvSpPr>
-          <p:nvPr>
-            <p:ph idx="1"/>
-          </p:nvPr>
-        </p:nvSpPr>
-        <p:spPr/>
-        <p:txBody>
-          <a:bodyPr/>
-          <a:lstStyle/>
-          <a:p>
-            <a:endParaRPr lang="nl-BE"/>
+              <a:t>1c. CT curve</a:t>
+            </a:r>
           </a:p>
         </p:txBody>
       </p:sp>
@@ -5351,7 +4366,7 @@
           <p:cNvPr id="4" name="Tijdelijke aanduiding voor dianummer 3">
             <a:extLst>
               <a:ext uri="{FF2B5EF4-FFF2-40B4-BE49-F238E27FC236}">
-                <a16:creationId xmlns:a16="http://schemas.microsoft.com/office/drawing/2014/main" id="{9C7F8675-A481-4FB2-9543-DE67EAA027D9}"/>
+                <a16:creationId xmlns:a16="http://schemas.microsoft.com/office/drawing/2014/main" id="{16845D4D-E7E8-42CA-A64D-500D84117184}"/>
               </a:ext>
             </a:extLst>
           </p:cNvPr>
@@ -5375,10 +4390,141 @@
           </a:p>
         </p:txBody>
       </p:sp>
+      <p:pic>
+        <p:nvPicPr>
+          <p:cNvPr id="12" name="Afbeelding 11" descr="Afbeelding met tekst, kaart&#10;&#10;Beschrijving is gegenereerd met zeer hoge betrouwbaarheid">
+            <a:extLst>
+              <a:ext uri="{FF2B5EF4-FFF2-40B4-BE49-F238E27FC236}">
+                <a16:creationId xmlns:a16="http://schemas.microsoft.com/office/drawing/2014/main" id="{348522C8-5EBA-4149-811D-28474655F861}"/>
+              </a:ext>
+            </a:extLst>
+          </p:cNvPr>
+          <p:cNvPicPr>
+            <a:picLocks noChangeAspect="1"/>
+          </p:cNvPicPr>
+          <p:nvPr/>
+        </p:nvPicPr>
+        <p:blipFill>
+          <a:blip r:embed="rId2">
+            <a:extLst>
+              <a:ext uri="{28A0092B-C50C-407E-A947-70E740481C1C}">
+                <a14:useLocalDpi xmlns:a14="http://schemas.microsoft.com/office/drawing/2010/main" val="0"/>
+              </a:ext>
+            </a:extLst>
+          </a:blip>
+          <a:stretch>
+            <a:fillRect/>
+          </a:stretch>
+        </p:blipFill>
+        <p:spPr>
+          <a:xfrm>
+            <a:off x="6096000" y="1610928"/>
+            <a:ext cx="6161410" cy="4619297"/>
+          </a:xfrm>
+          <a:prstGeom prst="rect">
+            <a:avLst/>
+          </a:prstGeom>
+        </p:spPr>
+      </p:pic>
+      <p:pic>
+        <p:nvPicPr>
+          <p:cNvPr id="14" name="Afbeelding 13" descr="Afbeelding met tekst, kaart&#10;&#10;Beschrijving is gegenereerd met zeer hoge betrouwbaarheid">
+            <a:extLst>
+              <a:ext uri="{FF2B5EF4-FFF2-40B4-BE49-F238E27FC236}">
+                <a16:creationId xmlns:a16="http://schemas.microsoft.com/office/drawing/2014/main" id="{7A3763D2-5BE9-4132-BB8A-7A91969DC220}"/>
+              </a:ext>
+            </a:extLst>
+          </p:cNvPr>
+          <p:cNvPicPr>
+            <a:picLocks noChangeAspect="1"/>
+          </p:cNvPicPr>
+          <p:nvPr/>
+        </p:nvPicPr>
+        <p:blipFill>
+          <a:blip r:embed="rId3">
+            <a:extLst>
+              <a:ext uri="{28A0092B-C50C-407E-A947-70E740481C1C}">
+                <a14:useLocalDpi xmlns:a14="http://schemas.microsoft.com/office/drawing/2010/main" val="0"/>
+              </a:ext>
+            </a:extLst>
+          </a:blip>
+          <a:stretch>
+            <a:fillRect/>
+          </a:stretch>
+        </p:blipFill>
+        <p:spPr>
+          <a:xfrm>
+            <a:off x="-65410" y="1610929"/>
+            <a:ext cx="6161410" cy="4619297"/>
+          </a:xfrm>
+          <a:prstGeom prst="rect">
+            <a:avLst/>
+          </a:prstGeom>
+        </p:spPr>
+      </p:pic>
+      <p:sp>
+        <p:nvSpPr>
+          <p:cNvPr id="15" name="Tekstvak 14">
+            <a:extLst>
+              <a:ext uri="{FF2B5EF4-FFF2-40B4-BE49-F238E27FC236}">
+                <a16:creationId xmlns:a16="http://schemas.microsoft.com/office/drawing/2014/main" id="{D9C0D89E-8838-4490-A8B1-03C262667CD4}"/>
+              </a:ext>
+            </a:extLst>
+          </p:cNvPr>
+          <p:cNvSpPr txBox="1"/>
+          <p:nvPr/>
+        </p:nvSpPr>
+        <p:spPr>
+          <a:xfrm>
+            <a:off x="283779" y="6356350"/>
+            <a:ext cx="6957849" cy="369332"/>
+          </a:xfrm>
+          <a:prstGeom prst="rect">
+            <a:avLst/>
+          </a:prstGeom>
+          <a:noFill/>
+        </p:spPr>
+        <p:txBody>
+          <a:bodyPr wrap="square" rtlCol="0">
+            <a:spAutoFit/>
+          </a:bodyPr>
+          <a:lstStyle/>
+          <a:p>
+            <a:r>
+              <a:rPr lang="nl-BE" dirty="0"/>
+              <a:t>Model </a:t>
+            </a:r>
+            <a:r>
+              <a:rPr lang="nl-BE" dirty="0" err="1"/>
+              <a:t>used</a:t>
+            </a:r>
+            <a:r>
+              <a:rPr lang="nl-BE" dirty="0"/>
+              <a:t>: Park 1, </a:t>
+            </a:r>
+            <a:r>
+              <a:rPr lang="nl-BE" dirty="0" err="1"/>
+              <a:t>quadratic</a:t>
+            </a:r>
+            <a:r>
+              <a:rPr lang="nl-BE" dirty="0"/>
+              <a:t>, wake </a:t>
+            </a:r>
+            <a:r>
+              <a:rPr lang="nl-BE" dirty="0" err="1"/>
+              <a:t>reflection</a:t>
+            </a:r>
+            <a:r>
+              <a:rPr lang="nl-BE" dirty="0"/>
+              <a:t>, k=0,04</a:t>
+            </a:r>
+          </a:p>
+        </p:txBody>
+      </p:sp>
     </p:spTree>
     <p:extLst>
       <p:ext uri="{BB962C8B-B14F-4D97-AF65-F5344CB8AC3E}">
-        <p14:creationId xmlns:p14="http://schemas.microsoft.com/office/powerpoint/2010/main" val="3472034927"/>
+        <p14:creationId xmlns:p14="http://schemas.microsoft.com/office/powerpoint/2010/main" val="2570462624"/>
       </p:ext>
     </p:extLst>
   </p:cSld>
@@ -5410,7 +4556,7 @@
           <p:cNvPr id="2" name="Titel 1">
             <a:extLst>
               <a:ext uri="{FF2B5EF4-FFF2-40B4-BE49-F238E27FC236}">
-                <a16:creationId xmlns:a16="http://schemas.microsoft.com/office/drawing/2014/main" id="{9F7850BF-96A8-4E1D-9F7B-51FDA61AAFDE}"/>
+                <a16:creationId xmlns:a16="http://schemas.microsoft.com/office/drawing/2014/main" id="{655E7EE4-272A-43DB-A1E7-D2F9C0944351}"/>
               </a:ext>
             </a:extLst>
           </p:cNvPr>
@@ -5427,12 +4573,8 @@
           <a:lstStyle/>
           <a:p>
             <a:r>
-              <a:rPr lang="nl-BE" dirty="0" err="1"/>
-              <a:t>WAsP</a:t>
-            </a:r>
-            <a:r>
-              <a:rPr lang="nl-BE" dirty="0"/>
-              <a:t> &amp; Fuga</a:t>
+              <a:rPr lang="nl-BE" dirty="0"/>
+              <a:t>2. BEACon data</a:t>
             </a:r>
           </a:p>
         </p:txBody>
@@ -5442,7 +4584,7 @@
           <p:cNvPr id="3" name="Tijdelijke aanduiding voor inhoud 2">
             <a:extLst>
               <a:ext uri="{FF2B5EF4-FFF2-40B4-BE49-F238E27FC236}">
-                <a16:creationId xmlns:a16="http://schemas.microsoft.com/office/drawing/2014/main" id="{55E04DE8-C02C-4935-9A3C-52D93A42B484}"/>
+                <a16:creationId xmlns:a16="http://schemas.microsoft.com/office/drawing/2014/main" id="{EBA7E0EB-291E-4CEE-B974-C8A1C8FC85CE}"/>
               </a:ext>
             </a:extLst>
           </p:cNvPr>
@@ -5459,69 +4601,73 @@
           <a:lstStyle/>
           <a:p>
             <a:r>
-              <a:rPr lang="nl-BE" dirty="0"/>
-              <a:t>No met. data </a:t>
-            </a:r>
-            <a:r>
-              <a:rPr lang="nl-BE" dirty="0" err="1"/>
-              <a:t>available</a:t>
+              <a:rPr lang="en-GB" dirty="0"/>
+              <a:t>10-min average</a:t>
+            </a:r>
+          </a:p>
+          <a:p>
+            <a:pPr lvl="1"/>
+            <a:r>
+              <a:rPr lang="en-GB" dirty="0"/>
+              <a:t>Also 10 data available approx. every minute (</a:t>
+            </a:r>
+            <a:r>
+              <a:rPr lang="en-GB" dirty="0" err="1"/>
+              <a:t>slabWS</a:t>
+            </a:r>
+            <a:r>
+              <a:rPr lang="en-GB" dirty="0"/>
+              <a:t>)</a:t>
+            </a:r>
+          </a:p>
+          <a:p>
+            <a:pPr lvl="1"/>
+            <a:r>
+              <a:rPr lang="en-GB" dirty="0" err="1"/>
+              <a:t>slabWS_mean</a:t>
+            </a:r>
+            <a:r>
+              <a:rPr lang="en-GB" dirty="0"/>
+              <a:t> is not the mean of this data? </a:t>
             </a:r>
             <a:br>
-              <a:rPr lang="nl-BE" dirty="0"/>
+              <a:rPr lang="en-GB" dirty="0"/>
             </a:br>
             <a:r>
-              <a:rPr lang="nl-BE" dirty="0" err="1"/>
-              <a:t>Used</a:t>
-            </a:r>
-            <a:r>
-              <a:rPr lang="nl-BE" dirty="0"/>
-              <a:t> data </a:t>
-            </a:r>
-            <a:r>
-              <a:rPr lang="nl-BE" dirty="0" err="1"/>
-              <a:t>from</a:t>
-            </a:r>
-            <a:r>
-              <a:rPr lang="nl-BE" dirty="0"/>
-              <a:t> </a:t>
-            </a:r>
-            <a:r>
-              <a:rPr lang="nl-BE" dirty="0" err="1"/>
-              <a:t>another</a:t>
-            </a:r>
-            <a:r>
-              <a:rPr lang="nl-BE" dirty="0"/>
-              <a:t> project, does </a:t>
-            </a:r>
-            <a:r>
-              <a:rPr lang="nl-BE" dirty="0" err="1"/>
-              <a:t>not</a:t>
-            </a:r>
-            <a:r>
-              <a:rPr lang="nl-BE" dirty="0"/>
-              <a:t> change Fuga </a:t>
-            </a:r>
-            <a:r>
-              <a:rPr lang="nl-BE" dirty="0" err="1"/>
-              <a:t>results</a:t>
-            </a:r>
-            <a:endParaRPr lang="nl-BE" dirty="0"/>
-          </a:p>
-          <a:p>
-            <a:r>
-              <a:rPr lang="nl-BE" dirty="0"/>
-              <a:t>WT file:</a:t>
+              <a:rPr lang="en-GB" dirty="0"/>
+              <a:t>How is </a:t>
+            </a:r>
+            <a:r>
+              <a:rPr lang="en-GB" dirty="0" err="1"/>
+              <a:t>slabWS_mean</a:t>
+            </a:r>
+            <a:r>
+              <a:rPr lang="en-GB" dirty="0"/>
+              <a:t> calculated? </a:t>
+            </a:r>
+          </a:p>
+          <a:p>
+            <a:r>
+              <a:rPr lang="en-GB" dirty="0"/>
+              <a:t>How are the data interpolated?</a:t>
             </a:r>
           </a:p>
           <a:p>
             <a:pPr lvl="1"/>
             <a:r>
-              <a:rPr lang="nl-BE" dirty="0"/>
-              <a:t>CT curve of LES data</a:t>
-            </a:r>
-          </a:p>
-          <a:p>
-            <a:endParaRPr lang="nl-BE" dirty="0"/>
+              <a:rPr lang="en-GB" dirty="0"/>
+              <a:t>Data is given in Cartesian X,Y,Z frame</a:t>
+            </a:r>
+          </a:p>
+          <a:p>
+            <a:pPr lvl="1"/>
+            <a:r>
+              <a:rPr lang="en-GB" dirty="0"/>
+              <a:t>Measurements are in tilted plane</a:t>
+            </a:r>
+          </a:p>
+          <a:p>
+            <a:endParaRPr lang="en-GB" dirty="0"/>
           </a:p>
         </p:txBody>
       </p:sp>
@@ -5530,7 +4676,7 @@
           <p:cNvPr id="4" name="Tijdelijke aanduiding voor dianummer 3">
             <a:extLst>
               <a:ext uri="{FF2B5EF4-FFF2-40B4-BE49-F238E27FC236}">
-                <a16:creationId xmlns:a16="http://schemas.microsoft.com/office/drawing/2014/main" id="{08328CEA-52B3-4362-9C1D-5B09FD12CA51}"/>
+                <a16:creationId xmlns:a16="http://schemas.microsoft.com/office/drawing/2014/main" id="{6F620E56-8140-44ED-88E7-CC7E30088495}"/>
               </a:ext>
             </a:extLst>
           </p:cNvPr>
@@ -5557,7 +4703,7 @@
     </p:spTree>
     <p:extLst>
       <p:ext uri="{BB962C8B-B14F-4D97-AF65-F5344CB8AC3E}">
-        <p14:creationId xmlns:p14="http://schemas.microsoft.com/office/powerpoint/2010/main" val="4236830391"/>
+        <p14:creationId xmlns:p14="http://schemas.microsoft.com/office/powerpoint/2010/main" val="2953597118"/>
       </p:ext>
     </p:extLst>
   </p:cSld>
@@ -5586,18 +4732,18 @@
       </p:grpSpPr>
       <p:sp>
         <p:nvSpPr>
-          <p:cNvPr id="2" name="Titel 1">
-            <a:extLst>
-              <a:ext uri="{FF2B5EF4-FFF2-40B4-BE49-F238E27FC236}">
-                <a16:creationId xmlns:a16="http://schemas.microsoft.com/office/drawing/2014/main" id="{FA90A1A1-AEA5-4421-B934-57A3500C71D0}"/>
-              </a:ext>
-            </a:extLst>
-          </p:cNvPr>
-          <p:cNvSpPr>
-            <a:spLocks noGrp="1"/>
-          </p:cNvSpPr>
-          <p:nvPr>
-            <p:ph type="title"/>
+          <p:cNvPr id="3" name="Tijdelijke aanduiding voor inhoud 2">
+            <a:extLst>
+              <a:ext uri="{FF2B5EF4-FFF2-40B4-BE49-F238E27FC236}">
+                <a16:creationId xmlns:a16="http://schemas.microsoft.com/office/drawing/2014/main" id="{E60F84B8-9BF7-4913-BA0F-CD8361E718D1}"/>
+              </a:ext>
+            </a:extLst>
+          </p:cNvPr>
+          <p:cNvSpPr>
+            <a:spLocks noGrp="1"/>
+          </p:cNvSpPr>
+          <p:nvPr>
+            <p:ph idx="1"/>
           </p:nvPr>
         </p:nvSpPr>
         <p:spPr/>
@@ -5607,33 +4753,56 @@
           <a:p>
             <a:r>
               <a:rPr lang="nl-BE" dirty="0"/>
-              <a:t>Next steps</a:t>
-            </a:r>
-          </a:p>
-        </p:txBody>
-      </p:sp>
-      <p:sp>
-        <p:nvSpPr>
-          <p:cNvPr id="3" name="Tijdelijke aanduiding voor inhoud 2">
-            <a:extLst>
-              <a:ext uri="{FF2B5EF4-FFF2-40B4-BE49-F238E27FC236}">
-                <a16:creationId xmlns:a16="http://schemas.microsoft.com/office/drawing/2014/main" id="{085A2B41-3619-404F-AFF0-28F88B95EA7C}"/>
-              </a:ext>
-            </a:extLst>
-          </p:cNvPr>
-          <p:cNvSpPr>
-            <a:spLocks noGrp="1"/>
-          </p:cNvSpPr>
-          <p:nvPr>
-            <p:ph idx="1"/>
-          </p:nvPr>
-        </p:nvSpPr>
-        <p:spPr/>
-        <p:txBody>
-          <a:bodyPr/>
-          <a:lstStyle/>
-          <a:p>
-            <a:endParaRPr lang="nl-BE"/>
+              <a:t>At </a:t>
+            </a:r>
+            <a:r>
+              <a:rPr lang="nl-BE" dirty="0" err="1"/>
+              <a:t>positions</a:t>
+            </a:r>
+            <a:r>
+              <a:rPr lang="nl-BE" dirty="0"/>
+              <a:t> a*D downstream, </a:t>
+            </a:r>
+            <a:r>
+              <a:rPr lang="nl-BE" dirty="0" err="1"/>
+              <a:t>for</a:t>
+            </a:r>
+            <a:r>
+              <a:rPr lang="nl-BE" dirty="0"/>
+              <a:t> </a:t>
+            </a:r>
+            <a:r>
+              <a:rPr lang="nl-BE" dirty="0" err="1"/>
+              <a:t>other</a:t>
+            </a:r>
+            <a:r>
+              <a:rPr lang="nl-BE" dirty="0"/>
+              <a:t> </a:t>
+            </a:r>
+            <a:r>
+              <a:rPr lang="nl-BE" dirty="0" err="1"/>
+              <a:t>position</a:t>
+            </a:r>
+            <a:r>
+              <a:rPr lang="nl-BE" dirty="0"/>
+              <a:t> </a:t>
+            </a:r>
+            <a:r>
+              <a:rPr lang="nl-BE" dirty="0" err="1"/>
+              <a:t>interpolation</a:t>
+            </a:r>
+            <a:r>
+              <a:rPr lang="nl-BE" dirty="0"/>
+              <a:t> </a:t>
+            </a:r>
+            <a:r>
+              <a:rPr lang="nl-BE" dirty="0" err="1"/>
+              <a:t>needed</a:t>
+            </a:r>
+            <a:endParaRPr lang="nl-BE" dirty="0"/>
+          </a:p>
+          <a:p>
+            <a:endParaRPr lang="nl-BE" dirty="0"/>
           </a:p>
         </p:txBody>
       </p:sp>
@@ -5642,7 +4811,7 @@
           <p:cNvPr id="4" name="Tijdelijke aanduiding voor dianummer 3">
             <a:extLst>
               <a:ext uri="{FF2B5EF4-FFF2-40B4-BE49-F238E27FC236}">
-                <a16:creationId xmlns:a16="http://schemas.microsoft.com/office/drawing/2014/main" id="{BAA2770E-2571-4CBF-81DC-5FD55D59FF2B}"/>
+                <a16:creationId xmlns:a16="http://schemas.microsoft.com/office/drawing/2014/main" id="{22270BC8-BD26-41BA-91A2-215C71A6AAB1}"/>
               </a:ext>
             </a:extLst>
           </p:cNvPr>
@@ -5666,10 +4835,1205 @@
           </a:p>
         </p:txBody>
       </p:sp>
+      <p:pic>
+        <p:nvPicPr>
+          <p:cNvPr id="6" name="Afbeelding 5">
+            <a:extLst>
+              <a:ext uri="{FF2B5EF4-FFF2-40B4-BE49-F238E27FC236}">
+                <a16:creationId xmlns:a16="http://schemas.microsoft.com/office/drawing/2014/main" id="{386163D5-A15F-43B5-9ADB-13A449B99B81}"/>
+              </a:ext>
+            </a:extLst>
+          </p:cNvPr>
+          <p:cNvPicPr>
+            <a:picLocks noChangeAspect="1"/>
+          </p:cNvPicPr>
+          <p:nvPr/>
+        </p:nvPicPr>
+        <p:blipFill>
+          <a:blip r:embed="rId2">
+            <a:clrChange>
+              <a:clrFrom>
+                <a:srgbClr val="F0F0F0"/>
+              </a:clrFrom>
+              <a:clrTo>
+                <a:srgbClr val="F0F0F0">
+                  <a:alpha val="0"/>
+                </a:srgbClr>
+              </a:clrTo>
+            </a:clrChange>
+          </a:blip>
+          <a:stretch>
+            <a:fillRect/>
+          </a:stretch>
+        </p:blipFill>
+        <p:spPr>
+          <a:xfrm>
+            <a:off x="2779164" y="2356452"/>
+            <a:ext cx="6486525" cy="2733675"/>
+          </a:xfrm>
+          <a:prstGeom prst="rect">
+            <a:avLst/>
+          </a:prstGeom>
+        </p:spPr>
+      </p:pic>
+      <p:sp>
+        <p:nvSpPr>
+          <p:cNvPr id="7" name="Titel 1">
+            <a:extLst>
+              <a:ext uri="{FF2B5EF4-FFF2-40B4-BE49-F238E27FC236}">
+                <a16:creationId xmlns:a16="http://schemas.microsoft.com/office/drawing/2014/main" id="{7C3921F0-7851-466B-8AC5-FA024BB7CB5C}"/>
+              </a:ext>
+            </a:extLst>
+          </p:cNvPr>
+          <p:cNvSpPr>
+            <a:spLocks noGrp="1"/>
+          </p:cNvSpPr>
+          <p:nvPr>
+            <p:ph type="title"/>
+          </p:nvPr>
+        </p:nvSpPr>
+        <p:spPr/>
+        <p:txBody>
+          <a:bodyPr/>
+          <a:lstStyle/>
+          <a:p>
+            <a:r>
+              <a:rPr lang="nl-BE" dirty="0"/>
+              <a:t>2. BEACon data</a:t>
+            </a:r>
+          </a:p>
+        </p:txBody>
+      </p:sp>
     </p:spTree>
     <p:extLst>
       <p:ext uri="{BB962C8B-B14F-4D97-AF65-F5344CB8AC3E}">
-        <p14:creationId xmlns:p14="http://schemas.microsoft.com/office/powerpoint/2010/main" val="277435907"/>
+        <p14:creationId xmlns:p14="http://schemas.microsoft.com/office/powerpoint/2010/main" val="4053950778"/>
+      </p:ext>
+    </p:extLst>
+  </p:cSld>
+  <p:clrMapOvr>
+    <a:masterClrMapping/>
+  </p:clrMapOvr>
+</p:sld>
+</file>
+
+<file path=ppt/slides/slide15.xml><?xml version="1.0" encoding="utf-8"?>
+<p:sld xmlns:a="http://schemas.openxmlformats.org/drawingml/2006/main" xmlns:r="http://schemas.openxmlformats.org/officeDocument/2006/relationships" xmlns:p="http://schemas.openxmlformats.org/presentationml/2006/main">
+  <p:cSld>
+    <p:spTree>
+      <p:nvGrpSpPr>
+        <p:cNvPr id="1" name=""/>
+        <p:cNvGrpSpPr/>
+        <p:nvPr/>
+      </p:nvGrpSpPr>
+      <p:grpSpPr>
+        <a:xfrm>
+          <a:off x="0" y="0"/>
+          <a:ext cx="0" cy="0"/>
+          <a:chOff x="0" y="0"/>
+          <a:chExt cx="0" cy="0"/>
+        </a:xfrm>
+      </p:grpSpPr>
+      <p:sp>
+        <p:nvSpPr>
+          <p:cNvPr id="2" name="Titel 1">
+            <a:extLst>
+              <a:ext uri="{FF2B5EF4-FFF2-40B4-BE49-F238E27FC236}">
+                <a16:creationId xmlns:a16="http://schemas.microsoft.com/office/drawing/2014/main" id="{CE2A9DF0-1B27-4985-AAA1-6252CB936C37}"/>
+              </a:ext>
+            </a:extLst>
+          </p:cNvPr>
+          <p:cNvSpPr>
+            <a:spLocks noGrp="1"/>
+          </p:cNvSpPr>
+          <p:nvPr>
+            <p:ph type="title"/>
+          </p:nvPr>
+        </p:nvSpPr>
+        <p:spPr/>
+        <p:txBody>
+          <a:bodyPr/>
+          <a:lstStyle/>
+          <a:p>
+            <a:r>
+              <a:rPr lang="nl-BE" dirty="0"/>
+              <a:t>2. BEACon data</a:t>
+            </a:r>
+          </a:p>
+        </p:txBody>
+      </p:sp>
+      <p:sp>
+        <p:nvSpPr>
+          <p:cNvPr id="3" name="Tijdelijke aanduiding voor inhoud 2">
+            <a:extLst>
+              <a:ext uri="{FF2B5EF4-FFF2-40B4-BE49-F238E27FC236}">
+                <a16:creationId xmlns:a16="http://schemas.microsoft.com/office/drawing/2014/main" id="{23B15CC9-AC00-42BE-AA7E-BD510B11BEA4}"/>
+              </a:ext>
+            </a:extLst>
+          </p:cNvPr>
+          <p:cNvSpPr>
+            <a:spLocks noGrp="1"/>
+          </p:cNvSpPr>
+          <p:nvPr>
+            <p:ph idx="1"/>
+          </p:nvPr>
+        </p:nvSpPr>
+        <p:spPr/>
+        <p:txBody>
+          <a:bodyPr/>
+          <a:lstStyle/>
+          <a:p>
+            <a:r>
+              <a:rPr lang="nl-BE" dirty="0" err="1"/>
+              <a:t>Horizontal</a:t>
+            </a:r>
+            <a:r>
+              <a:rPr lang="nl-BE" dirty="0"/>
+              <a:t> </a:t>
+            </a:r>
+            <a:r>
+              <a:rPr lang="nl-BE" dirty="0" err="1"/>
+              <a:t>plane</a:t>
+            </a:r>
+            <a:endParaRPr lang="nl-BE" dirty="0"/>
+          </a:p>
+          <a:p>
+            <a:pPr lvl="1"/>
+            <a:r>
+              <a:rPr lang="nl-BE" dirty="0" err="1"/>
+              <a:t>Exactly</a:t>
+            </a:r>
+            <a:r>
+              <a:rPr lang="nl-BE" dirty="0"/>
+              <a:t> at hub </a:t>
+            </a:r>
+            <a:r>
+              <a:rPr lang="nl-BE" dirty="0" err="1"/>
+              <a:t>height</a:t>
+            </a:r>
+            <a:r>
+              <a:rPr lang="nl-BE" dirty="0"/>
+              <a:t>?</a:t>
+            </a:r>
+          </a:p>
+          <a:p>
+            <a:pPr lvl="1"/>
+            <a:endParaRPr lang="nl-BE" dirty="0"/>
+          </a:p>
+          <a:p>
+            <a:pPr marL="457200" lvl="1" indent="0">
+              <a:buNone/>
+            </a:pPr>
+            <a:endParaRPr lang="nl-BE" dirty="0"/>
+          </a:p>
+        </p:txBody>
+      </p:sp>
+      <p:sp>
+        <p:nvSpPr>
+          <p:cNvPr id="4" name="Tijdelijke aanduiding voor dianummer 3">
+            <a:extLst>
+              <a:ext uri="{FF2B5EF4-FFF2-40B4-BE49-F238E27FC236}">
+                <a16:creationId xmlns:a16="http://schemas.microsoft.com/office/drawing/2014/main" id="{87AFBC62-E809-403B-801F-85E5E1E6F88F}"/>
+              </a:ext>
+            </a:extLst>
+          </p:cNvPr>
+          <p:cNvSpPr>
+            <a:spLocks noGrp="1"/>
+          </p:cNvSpPr>
+          <p:nvPr>
+            <p:ph type="sldNum" sz="quarter" idx="12"/>
+          </p:nvPr>
+        </p:nvSpPr>
+        <p:spPr/>
+        <p:txBody>
+          <a:bodyPr/>
+          <a:lstStyle/>
+          <a:p>
+            <a:fld id="{F7D25450-5F0B-476F-931C-E2449F42945F}" type="slidenum">
+              <a:rPr lang="nl-BE" smtClean="0"/>
+              <a:t>15</a:t>
+            </a:fld>
+            <a:endParaRPr lang="nl-BE"/>
+          </a:p>
+        </p:txBody>
+      </p:sp>
+      <p:pic>
+        <p:nvPicPr>
+          <p:cNvPr id="5" name="Afbeelding 4">
+            <a:extLst>
+              <a:ext uri="{FF2B5EF4-FFF2-40B4-BE49-F238E27FC236}">
+                <a16:creationId xmlns:a16="http://schemas.microsoft.com/office/drawing/2014/main" id="{D91420B8-192E-4378-A1A5-C9247D53A06F}"/>
+              </a:ext>
+            </a:extLst>
+          </p:cNvPr>
+          <p:cNvPicPr>
+            <a:picLocks noChangeAspect="1"/>
+          </p:cNvPicPr>
+          <p:nvPr/>
+        </p:nvPicPr>
+        <p:blipFill>
+          <a:blip r:embed="rId2">
+            <a:clrChange>
+              <a:clrFrom>
+                <a:srgbClr val="F0F0F0"/>
+              </a:clrFrom>
+              <a:clrTo>
+                <a:srgbClr val="F0F0F0">
+                  <a:alpha val="0"/>
+                </a:srgbClr>
+              </a:clrTo>
+            </a:clrChange>
+          </a:blip>
+          <a:stretch>
+            <a:fillRect/>
+          </a:stretch>
+        </p:blipFill>
+        <p:spPr>
+          <a:xfrm>
+            <a:off x="0" y="2819702"/>
+            <a:ext cx="12192000" cy="2879231"/>
+          </a:xfrm>
+          <a:prstGeom prst="rect">
+            <a:avLst/>
+          </a:prstGeom>
+        </p:spPr>
+      </p:pic>
+    </p:spTree>
+    <p:extLst>
+      <p:ext uri="{BB962C8B-B14F-4D97-AF65-F5344CB8AC3E}">
+        <p14:creationId xmlns:p14="http://schemas.microsoft.com/office/powerpoint/2010/main" val="3323581039"/>
+      </p:ext>
+    </p:extLst>
+  </p:cSld>
+  <p:clrMapOvr>
+    <a:masterClrMapping/>
+  </p:clrMapOvr>
+</p:sld>
+</file>
+
+<file path=ppt/slides/slide16.xml><?xml version="1.0" encoding="utf-8"?>
+<p:sld xmlns:a="http://schemas.openxmlformats.org/drawingml/2006/main" xmlns:r="http://schemas.openxmlformats.org/officeDocument/2006/relationships" xmlns:p="http://schemas.openxmlformats.org/presentationml/2006/main">
+  <p:cSld>
+    <p:spTree>
+      <p:nvGrpSpPr>
+        <p:cNvPr id="1" name=""/>
+        <p:cNvGrpSpPr/>
+        <p:nvPr/>
+      </p:nvGrpSpPr>
+      <p:grpSpPr>
+        <a:xfrm>
+          <a:off x="0" y="0"/>
+          <a:ext cx="0" cy="0"/>
+          <a:chOff x="0" y="0"/>
+          <a:chExt cx="0" cy="0"/>
+        </a:xfrm>
+      </p:grpSpPr>
+      <p:sp>
+        <p:nvSpPr>
+          <p:cNvPr id="2" name="Titel 1">
+            <a:extLst>
+              <a:ext uri="{FF2B5EF4-FFF2-40B4-BE49-F238E27FC236}">
+                <a16:creationId xmlns:a16="http://schemas.microsoft.com/office/drawing/2014/main" id="{EFC85A76-8070-4D35-951C-01650A9CE188}"/>
+              </a:ext>
+            </a:extLst>
+          </p:cNvPr>
+          <p:cNvSpPr>
+            <a:spLocks noGrp="1"/>
+          </p:cNvSpPr>
+          <p:nvPr>
+            <p:ph type="title"/>
+          </p:nvPr>
+        </p:nvSpPr>
+        <p:spPr/>
+        <p:txBody>
+          <a:bodyPr/>
+          <a:lstStyle/>
+          <a:p>
+            <a:r>
+              <a:rPr lang="nl-BE" dirty="0"/>
+              <a:t>3. LES </a:t>
+            </a:r>
+            <a:r>
+              <a:rPr lang="nl-BE" dirty="0" err="1"/>
+              <a:t>results</a:t>
+            </a:r>
+            <a:endParaRPr lang="nl-BE" dirty="0"/>
+          </a:p>
+        </p:txBody>
+      </p:sp>
+      <p:sp>
+        <p:nvSpPr>
+          <p:cNvPr id="3" name="Tijdelijke aanduiding voor inhoud 2">
+            <a:extLst>
+              <a:ext uri="{FF2B5EF4-FFF2-40B4-BE49-F238E27FC236}">
+                <a16:creationId xmlns:a16="http://schemas.microsoft.com/office/drawing/2014/main" id="{F0BE187A-F99F-4362-87B4-9CAF3D9528B4}"/>
+              </a:ext>
+            </a:extLst>
+          </p:cNvPr>
+          <p:cNvSpPr>
+            <a:spLocks noGrp="1"/>
+          </p:cNvSpPr>
+          <p:nvPr>
+            <p:ph idx="1"/>
+          </p:nvPr>
+        </p:nvSpPr>
+        <p:spPr/>
+        <p:txBody>
+          <a:bodyPr/>
+          <a:lstStyle/>
+          <a:p>
+            <a:r>
+              <a:rPr lang="en-GB" dirty="0"/>
+              <a:t>Section in 3 directions</a:t>
+            </a:r>
+          </a:p>
+          <a:p>
+            <a:pPr lvl="1"/>
+            <a:r>
+              <a:rPr lang="en-GB" dirty="0"/>
+              <a:t>Horizontal at hub height</a:t>
+            </a:r>
+          </a:p>
+          <a:p>
+            <a:pPr lvl="1"/>
+            <a:r>
+              <a:rPr lang="en-GB" dirty="0"/>
+              <a:t>Vertical at downstream position</a:t>
+            </a:r>
+          </a:p>
+          <a:p>
+            <a:pPr lvl="1"/>
+            <a:r>
+              <a:rPr lang="en-GB" dirty="0"/>
+              <a:t>Vertical through first wind turbine hub</a:t>
+            </a:r>
+            <a:endParaRPr lang="nl-BE" dirty="0"/>
+          </a:p>
+          <a:p>
+            <a:r>
+              <a:rPr lang="nl-BE" dirty="0" err="1"/>
+              <a:t>Interpolation</a:t>
+            </a:r>
+            <a:r>
+              <a:rPr lang="nl-BE" dirty="0"/>
+              <a:t> </a:t>
+            </a:r>
+            <a:r>
+              <a:rPr lang="nl-BE" dirty="0" err="1"/>
+              <a:t>possible</a:t>
+            </a:r>
+            <a:r>
+              <a:rPr lang="nl-BE" dirty="0"/>
+              <a:t> </a:t>
+            </a:r>
+            <a:r>
+              <a:rPr lang="nl-BE" dirty="0" err="1"/>
+              <a:t>for</a:t>
+            </a:r>
+            <a:r>
+              <a:rPr lang="nl-BE" dirty="0"/>
+              <a:t> </a:t>
+            </a:r>
+            <a:r>
+              <a:rPr lang="nl-BE" dirty="0" err="1"/>
+              <a:t>tilted</a:t>
+            </a:r>
+            <a:r>
+              <a:rPr lang="nl-BE" dirty="0"/>
+              <a:t> </a:t>
+            </a:r>
+            <a:r>
+              <a:rPr lang="nl-BE" dirty="0" err="1"/>
+              <a:t>planes</a:t>
+            </a:r>
+            <a:r>
+              <a:rPr lang="nl-BE" dirty="0"/>
+              <a:t> </a:t>
+            </a:r>
+          </a:p>
+        </p:txBody>
+      </p:sp>
+      <p:sp>
+        <p:nvSpPr>
+          <p:cNvPr id="4" name="Tijdelijke aanduiding voor dianummer 3">
+            <a:extLst>
+              <a:ext uri="{FF2B5EF4-FFF2-40B4-BE49-F238E27FC236}">
+                <a16:creationId xmlns:a16="http://schemas.microsoft.com/office/drawing/2014/main" id="{9C7F8675-A481-4FB2-9543-DE67EAA027D9}"/>
+              </a:ext>
+            </a:extLst>
+          </p:cNvPr>
+          <p:cNvSpPr>
+            <a:spLocks noGrp="1"/>
+          </p:cNvSpPr>
+          <p:nvPr>
+            <p:ph type="sldNum" sz="quarter" idx="12"/>
+          </p:nvPr>
+        </p:nvSpPr>
+        <p:spPr/>
+        <p:txBody>
+          <a:bodyPr/>
+          <a:lstStyle/>
+          <a:p>
+            <a:fld id="{F7D25450-5F0B-476F-931C-E2449F42945F}" type="slidenum">
+              <a:rPr lang="nl-BE" smtClean="0"/>
+              <a:t>16</a:t>
+            </a:fld>
+            <a:endParaRPr lang="nl-BE"/>
+          </a:p>
+        </p:txBody>
+      </p:sp>
+    </p:spTree>
+    <p:extLst>
+      <p:ext uri="{BB962C8B-B14F-4D97-AF65-F5344CB8AC3E}">
+        <p14:creationId xmlns:p14="http://schemas.microsoft.com/office/powerpoint/2010/main" val="3472034927"/>
+      </p:ext>
+    </p:extLst>
+  </p:cSld>
+  <p:clrMapOvr>
+    <a:masterClrMapping/>
+  </p:clrMapOvr>
+</p:sld>
+</file>
+
+<file path=ppt/slides/slide17.xml><?xml version="1.0" encoding="utf-8"?>
+<p:sld xmlns:a="http://schemas.openxmlformats.org/drawingml/2006/main" xmlns:r="http://schemas.openxmlformats.org/officeDocument/2006/relationships" xmlns:p="http://schemas.openxmlformats.org/presentationml/2006/main">
+  <p:cSld>
+    <p:spTree>
+      <p:nvGrpSpPr>
+        <p:cNvPr id="1" name=""/>
+        <p:cNvGrpSpPr/>
+        <p:nvPr/>
+      </p:nvGrpSpPr>
+      <p:grpSpPr>
+        <a:xfrm>
+          <a:off x="0" y="0"/>
+          <a:ext cx="0" cy="0"/>
+          <a:chOff x="0" y="0"/>
+          <a:chExt cx="0" cy="0"/>
+        </a:xfrm>
+      </p:grpSpPr>
+      <p:sp>
+        <p:nvSpPr>
+          <p:cNvPr id="2" name="Titel 1">
+            <a:extLst>
+              <a:ext uri="{FF2B5EF4-FFF2-40B4-BE49-F238E27FC236}">
+                <a16:creationId xmlns:a16="http://schemas.microsoft.com/office/drawing/2014/main" id="{9F7850BF-96A8-4E1D-9F7B-51FDA61AAFDE}"/>
+              </a:ext>
+            </a:extLst>
+          </p:cNvPr>
+          <p:cNvSpPr>
+            <a:spLocks noGrp="1"/>
+          </p:cNvSpPr>
+          <p:nvPr>
+            <p:ph type="title"/>
+          </p:nvPr>
+        </p:nvSpPr>
+        <p:spPr/>
+        <p:txBody>
+          <a:bodyPr/>
+          <a:lstStyle/>
+          <a:p>
+            <a:r>
+              <a:rPr lang="nl-BE" dirty="0"/>
+              <a:t>4. </a:t>
+            </a:r>
+            <a:r>
+              <a:rPr lang="nl-BE" dirty="0" err="1"/>
+              <a:t>WAsP</a:t>
+            </a:r>
+            <a:r>
+              <a:rPr lang="nl-BE" dirty="0"/>
+              <a:t> &amp; Fuga</a:t>
+            </a:r>
+          </a:p>
+        </p:txBody>
+      </p:sp>
+      <p:sp>
+        <p:nvSpPr>
+          <p:cNvPr id="3" name="Tijdelijke aanduiding voor inhoud 2">
+            <a:extLst>
+              <a:ext uri="{FF2B5EF4-FFF2-40B4-BE49-F238E27FC236}">
+                <a16:creationId xmlns:a16="http://schemas.microsoft.com/office/drawing/2014/main" id="{55E04DE8-C02C-4935-9A3C-52D93A42B484}"/>
+              </a:ext>
+            </a:extLst>
+          </p:cNvPr>
+          <p:cNvSpPr>
+            <a:spLocks noGrp="1"/>
+          </p:cNvSpPr>
+          <p:nvPr>
+            <p:ph idx="1"/>
+          </p:nvPr>
+        </p:nvSpPr>
+        <p:spPr>
+          <a:xfrm>
+            <a:off x="838200" y="1825624"/>
+            <a:ext cx="10515600" cy="4743342"/>
+          </a:xfrm>
+        </p:spPr>
+        <p:txBody>
+          <a:bodyPr>
+            <a:normAutofit fontScale="92500" lnSpcReduction="10000"/>
+          </a:bodyPr>
+          <a:lstStyle/>
+          <a:p>
+            <a:r>
+              <a:rPr lang="nl-BE" dirty="0"/>
+              <a:t>No met. data </a:t>
+            </a:r>
+            <a:r>
+              <a:rPr lang="nl-BE" dirty="0" err="1"/>
+              <a:t>available</a:t>
+            </a:r>
+            <a:br>
+              <a:rPr lang="nl-BE" dirty="0"/>
+            </a:br>
+            <a:r>
+              <a:rPr lang="nl-BE" dirty="0" err="1"/>
+              <a:t>Used</a:t>
+            </a:r>
+            <a:r>
+              <a:rPr lang="nl-BE" dirty="0"/>
+              <a:t> data </a:t>
+            </a:r>
+            <a:r>
+              <a:rPr lang="nl-BE" dirty="0" err="1"/>
+              <a:t>from</a:t>
+            </a:r>
+            <a:r>
+              <a:rPr lang="nl-BE" dirty="0"/>
+              <a:t> </a:t>
+            </a:r>
+            <a:r>
+              <a:rPr lang="nl-BE" dirty="0" err="1"/>
+              <a:t>another</a:t>
+            </a:r>
+            <a:r>
+              <a:rPr lang="nl-BE" dirty="0"/>
+              <a:t> project, does </a:t>
+            </a:r>
+            <a:r>
+              <a:rPr lang="nl-BE" dirty="0" err="1"/>
+              <a:t>not</a:t>
+            </a:r>
+            <a:r>
+              <a:rPr lang="nl-BE" dirty="0"/>
+              <a:t> change Fuga </a:t>
+            </a:r>
+            <a:r>
+              <a:rPr lang="nl-BE" dirty="0" err="1"/>
+              <a:t>results</a:t>
+            </a:r>
+            <a:endParaRPr lang="nl-BE" dirty="0"/>
+          </a:p>
+          <a:p>
+            <a:r>
+              <a:rPr lang="nl-BE" dirty="0"/>
+              <a:t>WT file:</a:t>
+            </a:r>
+          </a:p>
+          <a:p>
+            <a:pPr lvl="1"/>
+            <a:r>
+              <a:rPr lang="nl-BE" dirty="0"/>
+              <a:t>CT curve of LES data</a:t>
+            </a:r>
+          </a:p>
+          <a:p>
+            <a:pPr lvl="1"/>
+            <a:r>
+              <a:rPr lang="nl-BE" dirty="0"/>
+              <a:t>CT curve of WMR turbine</a:t>
+            </a:r>
+          </a:p>
+          <a:p>
+            <a:r>
+              <a:rPr lang="nl-BE" dirty="0"/>
+              <a:t>Information </a:t>
+            </a:r>
+            <a:r>
+              <a:rPr lang="nl-BE" dirty="0" err="1"/>
+              <a:t>about</a:t>
+            </a:r>
+            <a:r>
+              <a:rPr lang="nl-BE" dirty="0"/>
+              <a:t> </a:t>
+            </a:r>
+            <a:r>
+              <a:rPr lang="nl-BE" dirty="0" err="1"/>
+              <a:t>stability</a:t>
+            </a:r>
+            <a:r>
+              <a:rPr lang="nl-BE" dirty="0"/>
+              <a:t>?</a:t>
+            </a:r>
+            <a:br>
+              <a:rPr lang="nl-BE" dirty="0"/>
+            </a:br>
+            <a:r>
+              <a:rPr lang="nl-BE" dirty="0"/>
+              <a:t> </a:t>
+            </a:r>
+          </a:p>
+          <a:p>
+            <a:endParaRPr lang="nl-BE" dirty="0"/>
+          </a:p>
+          <a:p>
+            <a:r>
+              <a:rPr lang="nl-BE" dirty="0" err="1"/>
+              <a:t>Results</a:t>
+            </a:r>
+            <a:r>
+              <a:rPr lang="nl-BE" dirty="0"/>
+              <a:t>:</a:t>
+            </a:r>
+          </a:p>
+          <a:p>
+            <a:pPr lvl="1"/>
+            <a:r>
+              <a:rPr lang="nl-BE" dirty="0"/>
+              <a:t>Wind deficit at </a:t>
+            </a:r>
+            <a:r>
+              <a:rPr lang="nl-BE" dirty="0" err="1"/>
+              <a:t>each</a:t>
+            </a:r>
+            <a:r>
+              <a:rPr lang="nl-BE" dirty="0"/>
+              <a:t> turbine (at rotor center or rotor </a:t>
+            </a:r>
+            <a:r>
+              <a:rPr lang="nl-BE" dirty="0" err="1"/>
+              <a:t>averaged</a:t>
+            </a:r>
+            <a:r>
+              <a:rPr lang="nl-BE" dirty="0"/>
+              <a:t>)</a:t>
+            </a:r>
+          </a:p>
+          <a:p>
+            <a:pPr lvl="1"/>
+            <a:r>
+              <a:rPr lang="nl-BE" dirty="0"/>
+              <a:t>Single wake </a:t>
+            </a:r>
+            <a:r>
+              <a:rPr lang="nl-BE" dirty="0" err="1"/>
+              <a:t>results</a:t>
+            </a:r>
+            <a:endParaRPr lang="nl-BE" dirty="0"/>
+          </a:p>
+          <a:p>
+            <a:pPr lvl="1"/>
+            <a:r>
+              <a:rPr lang="nl-BE" dirty="0"/>
+              <a:t>Wind farm </a:t>
+            </a:r>
+            <a:r>
+              <a:rPr lang="nl-BE" dirty="0" err="1"/>
+              <a:t>results</a:t>
+            </a:r>
+            <a:endParaRPr lang="nl-BE" dirty="0"/>
+          </a:p>
+          <a:p>
+            <a:endParaRPr lang="nl-BE" dirty="0"/>
+          </a:p>
+        </p:txBody>
+      </p:sp>
+      <p:sp>
+        <p:nvSpPr>
+          <p:cNvPr id="4" name="Tijdelijke aanduiding voor dianummer 3">
+            <a:extLst>
+              <a:ext uri="{FF2B5EF4-FFF2-40B4-BE49-F238E27FC236}">
+                <a16:creationId xmlns:a16="http://schemas.microsoft.com/office/drawing/2014/main" id="{08328CEA-52B3-4362-9C1D-5B09FD12CA51}"/>
+              </a:ext>
+            </a:extLst>
+          </p:cNvPr>
+          <p:cNvSpPr>
+            <a:spLocks noGrp="1"/>
+          </p:cNvSpPr>
+          <p:nvPr>
+            <p:ph type="sldNum" sz="quarter" idx="12"/>
+          </p:nvPr>
+        </p:nvSpPr>
+        <p:spPr/>
+        <p:txBody>
+          <a:bodyPr/>
+          <a:lstStyle/>
+          <a:p>
+            <a:fld id="{F7D25450-5F0B-476F-931C-E2449F42945F}" type="slidenum">
+              <a:rPr lang="nl-BE" smtClean="0"/>
+              <a:t>17</a:t>
+            </a:fld>
+            <a:endParaRPr lang="nl-BE"/>
+          </a:p>
+        </p:txBody>
+      </p:sp>
+      <p:pic>
+        <p:nvPicPr>
+          <p:cNvPr id="5" name="Afbeelding 4">
+            <a:extLst>
+              <a:ext uri="{FF2B5EF4-FFF2-40B4-BE49-F238E27FC236}">
+                <a16:creationId xmlns:a16="http://schemas.microsoft.com/office/drawing/2014/main" id="{CE6F1932-394C-4BDC-A6F3-DFBC9C1BA9E3}"/>
+              </a:ext>
+            </a:extLst>
+          </p:cNvPr>
+          <p:cNvPicPr>
+            <a:picLocks noChangeAspect="1"/>
+          </p:cNvPicPr>
+          <p:nvPr/>
+        </p:nvPicPr>
+        <p:blipFill>
+          <a:blip r:embed="rId2"/>
+          <a:stretch>
+            <a:fillRect/>
+          </a:stretch>
+        </p:blipFill>
+        <p:spPr>
+          <a:xfrm>
+            <a:off x="9251731" y="2704853"/>
+            <a:ext cx="2524618" cy="3352362"/>
+          </a:xfrm>
+          <a:prstGeom prst="rect">
+            <a:avLst/>
+          </a:prstGeom>
+        </p:spPr>
+      </p:pic>
+    </p:spTree>
+    <p:extLst>
+      <p:ext uri="{BB962C8B-B14F-4D97-AF65-F5344CB8AC3E}">
+        <p14:creationId xmlns:p14="http://schemas.microsoft.com/office/powerpoint/2010/main" val="4236830391"/>
+      </p:ext>
+    </p:extLst>
+  </p:cSld>
+  <p:clrMapOvr>
+    <a:masterClrMapping/>
+  </p:clrMapOvr>
+</p:sld>
+</file>
+
+<file path=ppt/slides/slide18.xml><?xml version="1.0" encoding="utf-8"?>
+<p:sld xmlns:a="http://schemas.openxmlformats.org/drawingml/2006/main" xmlns:r="http://schemas.openxmlformats.org/officeDocument/2006/relationships" xmlns:p="http://schemas.openxmlformats.org/presentationml/2006/main">
+  <p:cSld>
+    <p:spTree>
+      <p:nvGrpSpPr>
+        <p:cNvPr id="1" name=""/>
+        <p:cNvGrpSpPr/>
+        <p:nvPr/>
+      </p:nvGrpSpPr>
+      <p:grpSpPr>
+        <a:xfrm>
+          <a:off x="0" y="0"/>
+          <a:ext cx="0" cy="0"/>
+          <a:chOff x="0" y="0"/>
+          <a:chExt cx="0" cy="0"/>
+        </a:xfrm>
+      </p:grpSpPr>
+      <p:sp>
+        <p:nvSpPr>
+          <p:cNvPr id="2" name="Titel 1">
+            <a:extLst>
+              <a:ext uri="{FF2B5EF4-FFF2-40B4-BE49-F238E27FC236}">
+                <a16:creationId xmlns:a16="http://schemas.microsoft.com/office/drawing/2014/main" id="{FF6E6E58-D069-48E9-89CF-A63033820E31}"/>
+              </a:ext>
+            </a:extLst>
+          </p:cNvPr>
+          <p:cNvSpPr>
+            <a:spLocks noGrp="1"/>
+          </p:cNvSpPr>
+          <p:nvPr>
+            <p:ph type="title"/>
+          </p:nvPr>
+        </p:nvSpPr>
+        <p:spPr>
+          <a:xfrm>
+            <a:off x="838200" y="-99005"/>
+            <a:ext cx="10515600" cy="1325563"/>
+          </a:xfrm>
+        </p:spPr>
+        <p:txBody>
+          <a:bodyPr/>
+          <a:lstStyle/>
+          <a:p>
+            <a:r>
+              <a:rPr lang="nl-BE" dirty="0"/>
+              <a:t>4. Fuga: Single wake </a:t>
+            </a:r>
+            <a:r>
+              <a:rPr lang="nl-BE" dirty="0" err="1"/>
+              <a:t>results</a:t>
+            </a:r>
+            <a:endParaRPr lang="nl-BE" dirty="0"/>
+          </a:p>
+        </p:txBody>
+      </p:sp>
+      <p:pic>
+        <p:nvPicPr>
+          <p:cNvPr id="6" name="Tijdelijke aanduiding voor inhoud 5">
+            <a:extLst>
+              <a:ext uri="{FF2B5EF4-FFF2-40B4-BE49-F238E27FC236}">
+                <a16:creationId xmlns:a16="http://schemas.microsoft.com/office/drawing/2014/main" id="{011F4590-EB84-49D7-B8E6-8D709F6C492E}"/>
+              </a:ext>
+            </a:extLst>
+          </p:cNvPr>
+          <p:cNvPicPr>
+            <a:picLocks noGrp="1" noChangeAspect="1"/>
+          </p:cNvPicPr>
+          <p:nvPr>
+            <p:ph idx="1"/>
+          </p:nvPr>
+        </p:nvPicPr>
+        <p:blipFill rotWithShape="1">
+          <a:blip r:embed="rId2"/>
+          <a:srcRect l="22961" t="6836" r="19023" b="9832"/>
+          <a:stretch/>
+        </p:blipFill>
+        <p:spPr>
+          <a:xfrm>
+            <a:off x="6403528" y="933001"/>
+            <a:ext cx="5636051" cy="4553716"/>
+          </a:xfrm>
+          <a:prstGeom prst="rect">
+            <a:avLst/>
+          </a:prstGeom>
+        </p:spPr>
+      </p:pic>
+      <p:sp>
+        <p:nvSpPr>
+          <p:cNvPr id="4" name="Tijdelijke aanduiding voor dianummer 3">
+            <a:extLst>
+              <a:ext uri="{FF2B5EF4-FFF2-40B4-BE49-F238E27FC236}">
+                <a16:creationId xmlns:a16="http://schemas.microsoft.com/office/drawing/2014/main" id="{B652A796-1726-4239-BF69-4C28F7DFE0D0}"/>
+              </a:ext>
+            </a:extLst>
+          </p:cNvPr>
+          <p:cNvSpPr>
+            <a:spLocks noGrp="1"/>
+          </p:cNvSpPr>
+          <p:nvPr>
+            <p:ph type="sldNum" sz="quarter" idx="12"/>
+          </p:nvPr>
+        </p:nvSpPr>
+        <p:spPr/>
+        <p:txBody>
+          <a:bodyPr/>
+          <a:lstStyle/>
+          <a:p>
+            <a:fld id="{F7D25450-5F0B-476F-931C-E2449F42945F}" type="slidenum">
+              <a:rPr lang="nl-BE" smtClean="0"/>
+              <a:t>18</a:t>
+            </a:fld>
+            <a:endParaRPr lang="nl-BE"/>
+          </a:p>
+        </p:txBody>
+      </p:sp>
+      <p:pic>
+        <p:nvPicPr>
+          <p:cNvPr id="5" name="Afbeelding 4">
+            <a:extLst>
+              <a:ext uri="{FF2B5EF4-FFF2-40B4-BE49-F238E27FC236}">
+                <a16:creationId xmlns:a16="http://schemas.microsoft.com/office/drawing/2014/main" id="{D4F07C56-B851-4807-81BE-C24A9D47640E}"/>
+              </a:ext>
+            </a:extLst>
+          </p:cNvPr>
+          <p:cNvPicPr>
+            <a:picLocks noChangeAspect="1"/>
+          </p:cNvPicPr>
+          <p:nvPr/>
+        </p:nvPicPr>
+        <p:blipFill rotWithShape="1">
+          <a:blip r:embed="rId3"/>
+          <a:srcRect l="22845" t="6742" r="18621" b="9932"/>
+          <a:stretch/>
+        </p:blipFill>
+        <p:spPr>
+          <a:xfrm>
+            <a:off x="338759" y="933001"/>
+            <a:ext cx="5565328" cy="4456386"/>
+          </a:xfrm>
+          <a:prstGeom prst="rect">
+            <a:avLst/>
+          </a:prstGeom>
+        </p:spPr>
+      </p:pic>
+      <p:sp>
+        <p:nvSpPr>
+          <p:cNvPr id="7" name="Rechthoek 6">
+            <a:extLst>
+              <a:ext uri="{FF2B5EF4-FFF2-40B4-BE49-F238E27FC236}">
+                <a16:creationId xmlns:a16="http://schemas.microsoft.com/office/drawing/2014/main" id="{70103136-854B-4F3F-9A21-BF940D2351D7}"/>
+              </a:ext>
+            </a:extLst>
+          </p:cNvPr>
+          <p:cNvSpPr/>
+          <p:nvPr/>
+        </p:nvSpPr>
+        <p:spPr>
+          <a:xfrm>
+            <a:off x="566391" y="5577631"/>
+            <a:ext cx="7062959" cy="830997"/>
+          </a:xfrm>
+          <a:prstGeom prst="rect">
+            <a:avLst/>
+          </a:prstGeom>
+        </p:spPr>
+        <p:txBody>
+          <a:bodyPr wrap="none">
+            <a:spAutoFit/>
+          </a:bodyPr>
+          <a:lstStyle/>
+          <a:p>
+            <a:r>
+              <a:rPr lang="nl-BE" sz="2400" dirty="0"/>
+              <a:t>Crosswind </a:t>
+            </a:r>
+            <a:r>
+              <a:rPr lang="nl-BE" sz="2400" dirty="0" err="1"/>
+              <a:t>and</a:t>
+            </a:r>
+            <a:r>
+              <a:rPr lang="nl-BE" sz="2400" dirty="0"/>
+              <a:t> downwind wind profile </a:t>
+            </a:r>
+            <a:r>
+              <a:rPr lang="nl-BE" sz="2400" dirty="0" err="1"/>
+              <a:t>can</a:t>
+            </a:r>
+            <a:r>
+              <a:rPr lang="nl-BE" sz="2400" dirty="0"/>
+              <a:t> </a:t>
+            </a:r>
+            <a:r>
+              <a:rPr lang="nl-BE" sz="2400" dirty="0" err="1"/>
+              <a:t>be</a:t>
+            </a:r>
+            <a:r>
+              <a:rPr lang="nl-BE" sz="2400" dirty="0"/>
+              <a:t> </a:t>
+            </a:r>
+            <a:r>
+              <a:rPr lang="nl-BE" sz="2400" dirty="0" err="1"/>
+              <a:t>extracted</a:t>
+            </a:r>
+            <a:endParaRPr lang="nl-BE" sz="2400" dirty="0"/>
+          </a:p>
+          <a:p>
+            <a:r>
+              <a:rPr lang="nl-BE" sz="2400" dirty="0"/>
+              <a:t>Extract complete wind speed/deficit field?</a:t>
+            </a:r>
+          </a:p>
+        </p:txBody>
+      </p:sp>
+    </p:spTree>
+    <p:extLst>
+      <p:ext uri="{BB962C8B-B14F-4D97-AF65-F5344CB8AC3E}">
+        <p14:creationId xmlns:p14="http://schemas.microsoft.com/office/powerpoint/2010/main" val="697508149"/>
+      </p:ext>
+    </p:extLst>
+  </p:cSld>
+  <p:clrMapOvr>
+    <a:masterClrMapping/>
+  </p:clrMapOvr>
+</p:sld>
+</file>
+
+<file path=ppt/slides/slide19.xml><?xml version="1.0" encoding="utf-8"?>
+<p:sld xmlns:a="http://schemas.openxmlformats.org/drawingml/2006/main" xmlns:r="http://schemas.openxmlformats.org/officeDocument/2006/relationships" xmlns:p="http://schemas.openxmlformats.org/presentationml/2006/main">
+  <p:cSld>
+    <p:spTree>
+      <p:nvGrpSpPr>
+        <p:cNvPr id="1" name=""/>
+        <p:cNvGrpSpPr/>
+        <p:nvPr/>
+      </p:nvGrpSpPr>
+      <p:grpSpPr>
+        <a:xfrm>
+          <a:off x="0" y="0"/>
+          <a:ext cx="0" cy="0"/>
+          <a:chOff x="0" y="0"/>
+          <a:chExt cx="0" cy="0"/>
+        </a:xfrm>
+      </p:grpSpPr>
+      <p:sp>
+        <p:nvSpPr>
+          <p:cNvPr id="2" name="Titel 1">
+            <a:extLst>
+              <a:ext uri="{FF2B5EF4-FFF2-40B4-BE49-F238E27FC236}">
+                <a16:creationId xmlns:a16="http://schemas.microsoft.com/office/drawing/2014/main" id="{28A061E5-901A-4C27-9BB7-0BDC76A048ED}"/>
+              </a:ext>
+            </a:extLst>
+          </p:cNvPr>
+          <p:cNvSpPr>
+            <a:spLocks noGrp="1"/>
+          </p:cNvSpPr>
+          <p:nvPr>
+            <p:ph type="title"/>
+          </p:nvPr>
+        </p:nvSpPr>
+        <p:spPr/>
+        <p:txBody>
+          <a:bodyPr/>
+          <a:lstStyle/>
+          <a:p>
+            <a:r>
+              <a:rPr lang="nl-BE" dirty="0"/>
+              <a:t>4. Fuga: Wind farm </a:t>
+            </a:r>
+            <a:r>
+              <a:rPr lang="nl-BE" dirty="0" err="1"/>
+              <a:t>results</a:t>
+            </a:r>
+            <a:endParaRPr lang="nl-BE" dirty="0"/>
+          </a:p>
+        </p:txBody>
+      </p:sp>
+      <p:sp>
+        <p:nvSpPr>
+          <p:cNvPr id="3" name="Tijdelijke aanduiding voor inhoud 2">
+            <a:extLst>
+              <a:ext uri="{FF2B5EF4-FFF2-40B4-BE49-F238E27FC236}">
+                <a16:creationId xmlns:a16="http://schemas.microsoft.com/office/drawing/2014/main" id="{0341EAEE-8A44-428F-B6F6-D0330A95FB18}"/>
+              </a:ext>
+            </a:extLst>
+          </p:cNvPr>
+          <p:cNvSpPr>
+            <a:spLocks noGrp="1"/>
+          </p:cNvSpPr>
+          <p:nvPr>
+            <p:ph idx="1"/>
+          </p:nvPr>
+        </p:nvSpPr>
+        <p:spPr>
+          <a:xfrm>
+            <a:off x="491358" y="6079385"/>
+            <a:ext cx="10515600" cy="553929"/>
+          </a:xfrm>
+        </p:spPr>
+        <p:txBody>
+          <a:bodyPr/>
+          <a:lstStyle/>
+          <a:p>
+            <a:pPr marL="0" indent="0">
+              <a:buNone/>
+            </a:pPr>
+            <a:r>
+              <a:rPr lang="nl-BE" dirty="0" err="1"/>
+              <a:t>Vertical</a:t>
+            </a:r>
+            <a:r>
+              <a:rPr lang="nl-BE" dirty="0"/>
+              <a:t> wind profile </a:t>
+            </a:r>
+            <a:r>
+              <a:rPr lang="nl-BE" dirty="0" err="1"/>
+              <a:t>can</a:t>
+            </a:r>
+            <a:r>
+              <a:rPr lang="nl-BE" dirty="0"/>
+              <a:t> </a:t>
+            </a:r>
+            <a:r>
+              <a:rPr lang="nl-BE" dirty="0" err="1"/>
+              <a:t>be</a:t>
+            </a:r>
+            <a:r>
+              <a:rPr lang="nl-BE" dirty="0"/>
+              <a:t> </a:t>
+            </a:r>
+            <a:r>
+              <a:rPr lang="nl-BE" dirty="0" err="1"/>
+              <a:t>extracted</a:t>
+            </a:r>
+            <a:r>
+              <a:rPr lang="nl-BE" dirty="0"/>
+              <a:t> </a:t>
+            </a:r>
+            <a:r>
+              <a:rPr lang="nl-BE" dirty="0" err="1"/>
+              <a:t>for</a:t>
+            </a:r>
+            <a:r>
+              <a:rPr lang="nl-BE" dirty="0"/>
+              <a:t> </a:t>
+            </a:r>
+            <a:r>
+              <a:rPr lang="nl-BE" dirty="0" err="1"/>
+              <a:t>every</a:t>
+            </a:r>
+            <a:r>
+              <a:rPr lang="nl-BE" dirty="0"/>
+              <a:t> </a:t>
+            </a:r>
+            <a:r>
+              <a:rPr lang="nl-BE" dirty="0" err="1"/>
+              <a:t>location</a:t>
+            </a:r>
+            <a:endParaRPr lang="nl-BE" dirty="0"/>
+          </a:p>
+        </p:txBody>
+      </p:sp>
+      <p:sp>
+        <p:nvSpPr>
+          <p:cNvPr id="4" name="Tijdelijke aanduiding voor dianummer 3">
+            <a:extLst>
+              <a:ext uri="{FF2B5EF4-FFF2-40B4-BE49-F238E27FC236}">
+                <a16:creationId xmlns:a16="http://schemas.microsoft.com/office/drawing/2014/main" id="{A01A5F26-DF03-4D50-9D9A-4A27E1F01D0D}"/>
+              </a:ext>
+            </a:extLst>
+          </p:cNvPr>
+          <p:cNvSpPr>
+            <a:spLocks noGrp="1"/>
+          </p:cNvSpPr>
+          <p:nvPr>
+            <p:ph type="sldNum" sz="quarter" idx="12"/>
+          </p:nvPr>
+        </p:nvSpPr>
+        <p:spPr/>
+        <p:txBody>
+          <a:bodyPr/>
+          <a:lstStyle/>
+          <a:p>
+            <a:fld id="{F7D25450-5F0B-476F-931C-E2449F42945F}" type="slidenum">
+              <a:rPr lang="nl-BE" smtClean="0"/>
+              <a:t>19</a:t>
+            </a:fld>
+            <a:endParaRPr lang="nl-BE"/>
+          </a:p>
+        </p:txBody>
+      </p:sp>
+      <p:pic>
+        <p:nvPicPr>
+          <p:cNvPr id="5" name="Afbeelding 4">
+            <a:extLst>
+              <a:ext uri="{FF2B5EF4-FFF2-40B4-BE49-F238E27FC236}">
+                <a16:creationId xmlns:a16="http://schemas.microsoft.com/office/drawing/2014/main" id="{2BFFCF2F-25CA-4D43-844D-A49A3130DE44}"/>
+              </a:ext>
+            </a:extLst>
+          </p:cNvPr>
+          <p:cNvPicPr>
+            <a:picLocks noChangeAspect="1"/>
+          </p:cNvPicPr>
+          <p:nvPr/>
+        </p:nvPicPr>
+        <p:blipFill rotWithShape="1">
+          <a:blip r:embed="rId2"/>
+          <a:srcRect b="5970"/>
+          <a:stretch/>
+        </p:blipFill>
+        <p:spPr>
+          <a:xfrm>
+            <a:off x="838200" y="1269855"/>
+            <a:ext cx="8831317" cy="4671047"/>
+          </a:xfrm>
+          <a:prstGeom prst="rect">
+            <a:avLst/>
+          </a:prstGeom>
+        </p:spPr>
+      </p:pic>
+    </p:spTree>
+    <p:extLst>
+      <p:ext uri="{BB962C8B-B14F-4D97-AF65-F5344CB8AC3E}">
+        <p14:creationId xmlns:p14="http://schemas.microsoft.com/office/powerpoint/2010/main" val="183172494"/>
       </p:ext>
     </p:extLst>
   </p:cSld>
@@ -5760,6 +6124,20 @@
               <a:buAutoNum type="alphaLcParenR"/>
             </a:pPr>
             <a:r>
+              <a:rPr lang="nl-BE" dirty="0" err="1"/>
+              <a:t>Yaw</a:t>
+            </a:r>
+            <a:r>
+              <a:rPr lang="nl-BE" dirty="0"/>
+              <a:t> error</a:t>
+            </a:r>
+          </a:p>
+          <a:p>
+            <a:pPr marL="914400" lvl="1" indent="-457200">
+              <a:buFont typeface="+mj-lt"/>
+              <a:buAutoNum type="alphaLcParenR"/>
+            </a:pPr>
+            <a:r>
               <a:rPr lang="nl-BE" dirty="0"/>
               <a:t>Test case</a:t>
             </a:r>
@@ -5865,6 +6243,356 @@
     <p:extLst>
       <p:ext uri="{BB962C8B-B14F-4D97-AF65-F5344CB8AC3E}">
         <p14:creationId xmlns:p14="http://schemas.microsoft.com/office/powerpoint/2010/main" val="2126741783"/>
+      </p:ext>
+    </p:extLst>
+  </p:cSld>
+  <p:clrMapOvr>
+    <a:masterClrMapping/>
+  </p:clrMapOvr>
+</p:sld>
+</file>
+
+<file path=ppt/slides/slide20.xml><?xml version="1.0" encoding="utf-8"?>
+<p:sld xmlns:a="http://schemas.openxmlformats.org/drawingml/2006/main" xmlns:r="http://schemas.openxmlformats.org/officeDocument/2006/relationships" xmlns:p="http://schemas.openxmlformats.org/presentationml/2006/main">
+  <p:cSld>
+    <p:spTree>
+      <p:nvGrpSpPr>
+        <p:cNvPr id="1" name=""/>
+        <p:cNvGrpSpPr/>
+        <p:nvPr/>
+      </p:nvGrpSpPr>
+      <p:grpSpPr>
+        <a:xfrm>
+          <a:off x="0" y="0"/>
+          <a:ext cx="0" cy="0"/>
+          <a:chOff x="0" y="0"/>
+          <a:chExt cx="0" cy="0"/>
+        </a:xfrm>
+      </p:grpSpPr>
+      <p:sp>
+        <p:nvSpPr>
+          <p:cNvPr id="2" name="Titel 1">
+            <a:extLst>
+              <a:ext uri="{FF2B5EF4-FFF2-40B4-BE49-F238E27FC236}">
+                <a16:creationId xmlns:a16="http://schemas.microsoft.com/office/drawing/2014/main" id="{3FFD40AB-914A-44A7-B9EF-796F613E4097}"/>
+              </a:ext>
+            </a:extLst>
+          </p:cNvPr>
+          <p:cNvSpPr>
+            <a:spLocks noGrp="1"/>
+          </p:cNvSpPr>
+          <p:nvPr>
+            <p:ph type="title"/>
+          </p:nvPr>
+        </p:nvSpPr>
+        <p:spPr/>
+        <p:txBody>
+          <a:bodyPr/>
+          <a:lstStyle/>
+          <a:p>
+            <a:r>
+              <a:rPr lang="nl-BE" dirty="0"/>
+              <a:t>4. Fuga: Wind farm </a:t>
+            </a:r>
+            <a:r>
+              <a:rPr lang="nl-BE" dirty="0" err="1"/>
+              <a:t>results</a:t>
+            </a:r>
+            <a:endParaRPr lang="nl-BE" dirty="0"/>
+          </a:p>
+        </p:txBody>
+      </p:sp>
+      <p:sp>
+        <p:nvSpPr>
+          <p:cNvPr id="3" name="Tijdelijke aanduiding voor inhoud 2">
+            <a:extLst>
+              <a:ext uri="{FF2B5EF4-FFF2-40B4-BE49-F238E27FC236}">
+                <a16:creationId xmlns:a16="http://schemas.microsoft.com/office/drawing/2014/main" id="{2F793F0E-D999-434E-BC02-08C2CA9F992B}"/>
+              </a:ext>
+            </a:extLst>
+          </p:cNvPr>
+          <p:cNvSpPr>
+            <a:spLocks noGrp="1"/>
+          </p:cNvSpPr>
+          <p:nvPr>
+            <p:ph idx="1"/>
+          </p:nvPr>
+        </p:nvSpPr>
+        <p:spPr/>
+        <p:txBody>
+          <a:bodyPr/>
+          <a:lstStyle/>
+          <a:p>
+            <a:endParaRPr lang="nl-BE"/>
+          </a:p>
+        </p:txBody>
+      </p:sp>
+      <p:sp>
+        <p:nvSpPr>
+          <p:cNvPr id="4" name="Tijdelijke aanduiding voor dianummer 3">
+            <a:extLst>
+              <a:ext uri="{FF2B5EF4-FFF2-40B4-BE49-F238E27FC236}">
+                <a16:creationId xmlns:a16="http://schemas.microsoft.com/office/drawing/2014/main" id="{07AC2BE4-CB59-4706-A331-B295DA15A8A6}"/>
+              </a:ext>
+            </a:extLst>
+          </p:cNvPr>
+          <p:cNvSpPr>
+            <a:spLocks noGrp="1"/>
+          </p:cNvSpPr>
+          <p:nvPr>
+            <p:ph type="sldNum" sz="quarter" idx="12"/>
+          </p:nvPr>
+        </p:nvSpPr>
+        <p:spPr/>
+        <p:txBody>
+          <a:bodyPr/>
+          <a:lstStyle/>
+          <a:p>
+            <a:fld id="{F7D25450-5F0B-476F-931C-E2449F42945F}" type="slidenum">
+              <a:rPr lang="nl-BE" smtClean="0"/>
+              <a:t>20</a:t>
+            </a:fld>
+            <a:endParaRPr lang="nl-BE"/>
+          </a:p>
+        </p:txBody>
+      </p:sp>
+      <p:pic>
+        <p:nvPicPr>
+          <p:cNvPr id="5" name="Afbeelding 4">
+            <a:extLst>
+              <a:ext uri="{FF2B5EF4-FFF2-40B4-BE49-F238E27FC236}">
+                <a16:creationId xmlns:a16="http://schemas.microsoft.com/office/drawing/2014/main" id="{13CF2D60-74CE-47EB-93F9-C8677D6F9168}"/>
+              </a:ext>
+            </a:extLst>
+          </p:cNvPr>
+          <p:cNvPicPr>
+            <a:picLocks noChangeAspect="1"/>
+          </p:cNvPicPr>
+          <p:nvPr/>
+        </p:nvPicPr>
+        <p:blipFill rotWithShape="1">
+          <a:blip r:embed="rId2"/>
+          <a:srcRect b="5324"/>
+          <a:stretch/>
+        </p:blipFill>
+        <p:spPr>
+          <a:xfrm>
+            <a:off x="838200" y="1260638"/>
+            <a:ext cx="9049408" cy="4819281"/>
+          </a:xfrm>
+          <a:prstGeom prst="rect">
+            <a:avLst/>
+          </a:prstGeom>
+        </p:spPr>
+      </p:pic>
+      <p:sp>
+        <p:nvSpPr>
+          <p:cNvPr id="6" name="Rechthoek 5">
+            <a:extLst>
+              <a:ext uri="{FF2B5EF4-FFF2-40B4-BE49-F238E27FC236}">
+                <a16:creationId xmlns:a16="http://schemas.microsoft.com/office/drawing/2014/main" id="{482A621F-6F40-43E9-8E19-FCE6DE378C96}"/>
+              </a:ext>
+            </a:extLst>
+          </p:cNvPr>
+          <p:cNvSpPr/>
+          <p:nvPr/>
+        </p:nvSpPr>
+        <p:spPr>
+          <a:xfrm>
+            <a:off x="838200" y="6298981"/>
+            <a:ext cx="4673186" cy="523220"/>
+          </a:xfrm>
+          <a:prstGeom prst="rect">
+            <a:avLst/>
+          </a:prstGeom>
+        </p:spPr>
+        <p:txBody>
+          <a:bodyPr wrap="square">
+            <a:spAutoFit/>
+          </a:bodyPr>
+          <a:lstStyle/>
+          <a:p>
+            <a:r>
+              <a:rPr lang="nl-BE" sz="2800" dirty="0"/>
+              <a:t>How </a:t>
+            </a:r>
+            <a:r>
+              <a:rPr lang="nl-BE" sz="2800" dirty="0" err="1"/>
+              <a:t>to</a:t>
+            </a:r>
+            <a:r>
+              <a:rPr lang="nl-BE" sz="2800" dirty="0"/>
+              <a:t> extract full field data?</a:t>
+            </a:r>
+          </a:p>
+        </p:txBody>
+      </p:sp>
+    </p:spTree>
+    <p:extLst>
+      <p:ext uri="{BB962C8B-B14F-4D97-AF65-F5344CB8AC3E}">
+        <p14:creationId xmlns:p14="http://schemas.microsoft.com/office/powerpoint/2010/main" val="3532464585"/>
+      </p:ext>
+    </p:extLst>
+  </p:cSld>
+  <p:clrMapOvr>
+    <a:masterClrMapping/>
+  </p:clrMapOvr>
+</p:sld>
+</file>
+
+<file path=ppt/slides/slide21.xml><?xml version="1.0" encoding="utf-8"?>
+<p:sld xmlns:a="http://schemas.openxmlformats.org/drawingml/2006/main" xmlns:r="http://schemas.openxmlformats.org/officeDocument/2006/relationships" xmlns:p="http://schemas.openxmlformats.org/presentationml/2006/main">
+  <p:cSld>
+    <p:spTree>
+      <p:nvGrpSpPr>
+        <p:cNvPr id="1" name=""/>
+        <p:cNvGrpSpPr/>
+        <p:nvPr/>
+      </p:nvGrpSpPr>
+      <p:grpSpPr>
+        <a:xfrm>
+          <a:off x="0" y="0"/>
+          <a:ext cx="0" cy="0"/>
+          <a:chOff x="0" y="0"/>
+          <a:chExt cx="0" cy="0"/>
+        </a:xfrm>
+      </p:grpSpPr>
+      <p:sp>
+        <p:nvSpPr>
+          <p:cNvPr id="2" name="Titel 1">
+            <a:extLst>
+              <a:ext uri="{FF2B5EF4-FFF2-40B4-BE49-F238E27FC236}">
+                <a16:creationId xmlns:a16="http://schemas.microsoft.com/office/drawing/2014/main" id="{FA90A1A1-AEA5-4421-B934-57A3500C71D0}"/>
+              </a:ext>
+            </a:extLst>
+          </p:cNvPr>
+          <p:cNvSpPr>
+            <a:spLocks noGrp="1"/>
+          </p:cNvSpPr>
+          <p:nvPr>
+            <p:ph type="title"/>
+          </p:nvPr>
+        </p:nvSpPr>
+        <p:spPr/>
+        <p:txBody>
+          <a:bodyPr/>
+          <a:lstStyle/>
+          <a:p>
+            <a:r>
+              <a:rPr lang="nl-BE" dirty="0"/>
+              <a:t>5. Next steps</a:t>
+            </a:r>
+          </a:p>
+        </p:txBody>
+      </p:sp>
+      <p:sp>
+        <p:nvSpPr>
+          <p:cNvPr id="3" name="Tijdelijke aanduiding voor inhoud 2">
+            <a:extLst>
+              <a:ext uri="{FF2B5EF4-FFF2-40B4-BE49-F238E27FC236}">
+                <a16:creationId xmlns:a16="http://schemas.microsoft.com/office/drawing/2014/main" id="{085A2B41-3619-404F-AFF0-28F88B95EA7C}"/>
+              </a:ext>
+            </a:extLst>
+          </p:cNvPr>
+          <p:cNvSpPr>
+            <a:spLocks noGrp="1"/>
+          </p:cNvSpPr>
+          <p:nvPr>
+            <p:ph idx="1"/>
+          </p:nvPr>
+        </p:nvSpPr>
+        <p:spPr/>
+        <p:txBody>
+          <a:bodyPr/>
+          <a:lstStyle/>
+          <a:p>
+            <a:r>
+              <a:rPr lang="nl-BE" dirty="0"/>
+              <a:t>LES post-processing</a:t>
+            </a:r>
+          </a:p>
+          <a:p>
+            <a:r>
+              <a:rPr lang="nl-BE" dirty="0"/>
+              <a:t>Start </a:t>
+            </a:r>
+            <a:r>
+              <a:rPr lang="nl-BE" dirty="0" err="1"/>
+              <a:t>validation</a:t>
+            </a:r>
+            <a:endParaRPr lang="nl-BE" dirty="0"/>
+          </a:p>
+          <a:p>
+            <a:r>
+              <a:rPr lang="nl-BE" dirty="0" err="1"/>
+              <a:t>Comparing</a:t>
+            </a:r>
+            <a:r>
+              <a:rPr lang="nl-BE" dirty="0"/>
+              <a:t> wind speed at hub </a:t>
+            </a:r>
+            <a:r>
+              <a:rPr lang="nl-BE" dirty="0" err="1"/>
+              <a:t>height</a:t>
+            </a:r>
+            <a:r>
+              <a:rPr lang="nl-BE" dirty="0"/>
+              <a:t> (</a:t>
+            </a:r>
+            <a:r>
+              <a:rPr lang="nl-BE" dirty="0" err="1"/>
+              <a:t>averaged</a:t>
+            </a:r>
+            <a:r>
+              <a:rPr lang="nl-BE" dirty="0"/>
+              <a:t> + at hub)</a:t>
+            </a:r>
+          </a:p>
+          <a:p>
+            <a:r>
+              <a:rPr lang="nl-BE" dirty="0" err="1"/>
+              <a:t>Comparing</a:t>
+            </a:r>
+            <a:r>
+              <a:rPr lang="nl-BE" dirty="0"/>
+              <a:t> full wind profile</a:t>
+            </a:r>
+          </a:p>
+        </p:txBody>
+      </p:sp>
+      <p:sp>
+        <p:nvSpPr>
+          <p:cNvPr id="4" name="Tijdelijke aanduiding voor dianummer 3">
+            <a:extLst>
+              <a:ext uri="{FF2B5EF4-FFF2-40B4-BE49-F238E27FC236}">
+                <a16:creationId xmlns:a16="http://schemas.microsoft.com/office/drawing/2014/main" id="{BAA2770E-2571-4CBF-81DC-5FD55D59FF2B}"/>
+              </a:ext>
+            </a:extLst>
+          </p:cNvPr>
+          <p:cNvSpPr>
+            <a:spLocks noGrp="1"/>
+          </p:cNvSpPr>
+          <p:nvPr>
+            <p:ph type="sldNum" sz="quarter" idx="12"/>
+          </p:nvPr>
+        </p:nvSpPr>
+        <p:spPr/>
+        <p:txBody>
+          <a:bodyPr/>
+          <a:lstStyle/>
+          <a:p>
+            <a:fld id="{F7D25450-5F0B-476F-931C-E2449F42945F}" type="slidenum">
+              <a:rPr lang="nl-BE" smtClean="0"/>
+              <a:t>21</a:t>
+            </a:fld>
+            <a:endParaRPr lang="nl-BE"/>
+          </a:p>
+        </p:txBody>
+      </p:sp>
+    </p:spTree>
+    <p:extLst>
+      <p:ext uri="{BB962C8B-B14F-4D97-AF65-F5344CB8AC3E}">
+        <p14:creationId xmlns:p14="http://schemas.microsoft.com/office/powerpoint/2010/main" val="277435907"/>
       </p:ext>
     </p:extLst>
   </p:cSld>
@@ -5914,7 +6642,7 @@
           <a:p>
             <a:r>
               <a:rPr lang="nl-BE" dirty="0"/>
-              <a:t>Park model</a:t>
+              <a:t>1. Park model</a:t>
             </a:r>
           </a:p>
         </p:txBody>
@@ -5942,7 +6670,7 @@
           <a:p>
             <a:r>
               <a:rPr lang="en-GB" dirty="0"/>
-              <a:t>Implemented methods</a:t>
+              <a:t>Implemented methods/options</a:t>
             </a:r>
           </a:p>
           <a:p>
@@ -6079,56 +6807,10 @@
       </p:grpSpPr>
       <p:sp>
         <p:nvSpPr>
-          <p:cNvPr id="2" name="Titel 1">
-            <a:extLst>
-              <a:ext uri="{FF2B5EF4-FFF2-40B4-BE49-F238E27FC236}">
-                <a16:creationId xmlns:a16="http://schemas.microsoft.com/office/drawing/2014/main" id="{16D783C3-1CE3-47DD-B902-EB16EDC645C5}"/>
-              </a:ext>
-            </a:extLst>
-          </p:cNvPr>
-          <p:cNvSpPr>
-            <a:spLocks noGrp="1"/>
-          </p:cNvSpPr>
-          <p:nvPr>
-            <p:ph type="title"/>
-          </p:nvPr>
-        </p:nvSpPr>
-        <p:spPr>
-          <a:xfrm>
-            <a:off x="838200" y="-339725"/>
-            <a:ext cx="10515600" cy="1325563"/>
-          </a:xfrm>
-        </p:spPr>
-        <p:txBody>
-          <a:bodyPr/>
-          <a:lstStyle/>
-          <a:p>
-            <a:r>
-              <a:rPr lang="nl-BE" dirty="0"/>
-              <a:t>Park model: </a:t>
-            </a:r>
-            <a:r>
-              <a:rPr lang="nl-BE" dirty="0" err="1"/>
-              <a:t>horizontal</a:t>
-            </a:r>
-            <a:r>
-              <a:rPr lang="nl-BE" dirty="0"/>
-              <a:t> </a:t>
-            </a:r>
-            <a:r>
-              <a:rPr lang="nl-BE" dirty="0" err="1"/>
-              <a:t>section</a:t>
-            </a:r>
-            <a:endParaRPr lang="nl-BE" dirty="0"/>
-          </a:p>
-        </p:txBody>
-      </p:sp>
-      <p:sp>
-        <p:nvSpPr>
           <p:cNvPr id="4" name="Tijdelijke aanduiding voor dianummer 3">
             <a:extLst>
               <a:ext uri="{FF2B5EF4-FFF2-40B4-BE49-F238E27FC236}">
-                <a16:creationId xmlns:a16="http://schemas.microsoft.com/office/drawing/2014/main" id="{E511320B-DD26-4753-870C-090CF3810B12}"/>
+                <a16:creationId xmlns:a16="http://schemas.microsoft.com/office/drawing/2014/main" id="{657FF481-C0DF-4258-B8A0-4154000339B4}"/>
               </a:ext>
             </a:extLst>
           </p:cNvPr>
@@ -6154,10 +6836,10 @@
       </p:sp>
       <p:pic>
         <p:nvPicPr>
-          <p:cNvPr id="8" name="Afbeelding 7">
-            <a:extLst>
-              <a:ext uri="{FF2B5EF4-FFF2-40B4-BE49-F238E27FC236}">
-                <a16:creationId xmlns:a16="http://schemas.microsoft.com/office/drawing/2014/main" id="{793B7621-58F2-4C7A-B725-3666A126D868}"/>
+          <p:cNvPr id="5" name="Afbeelding 4">
+            <a:extLst>
+              <a:ext uri="{FF2B5EF4-FFF2-40B4-BE49-F238E27FC236}">
+                <a16:creationId xmlns:a16="http://schemas.microsoft.com/office/drawing/2014/main" id="{E01CA391-00BE-428A-A503-CA869C7E62A2}"/>
               </a:ext>
             </a:extLst>
           </p:cNvPr>
@@ -6167,15 +6849,26 @@
           <p:nvPr/>
         </p:nvPicPr>
         <p:blipFill>
-          <a:blip r:embed="rId3"/>
+          <a:blip r:embed="rId2">
+            <a:clrChange>
+              <a:clrFrom>
+                <a:srgbClr val="F0F0F0"/>
+              </a:clrFrom>
+              <a:clrTo>
+                <a:srgbClr val="F0F0F0">
+                  <a:alpha val="0"/>
+                </a:srgbClr>
+              </a:clrTo>
+            </a:clrChange>
+          </a:blip>
           <a:stretch>
             <a:fillRect/>
           </a:stretch>
         </p:blipFill>
         <p:spPr>
           <a:xfrm>
-            <a:off x="123825" y="652744"/>
-            <a:ext cx="7305675" cy="2449141"/>
+            <a:off x="6096000" y="1336012"/>
+            <a:ext cx="6028618" cy="4794854"/>
           </a:xfrm>
           <a:prstGeom prst="rect">
             <a:avLst/>
@@ -6184,10 +6877,10 @@
       </p:pic>
       <p:pic>
         <p:nvPicPr>
-          <p:cNvPr id="5" name="Afbeelding 4">
-            <a:extLst>
-              <a:ext uri="{FF2B5EF4-FFF2-40B4-BE49-F238E27FC236}">
-                <a16:creationId xmlns:a16="http://schemas.microsoft.com/office/drawing/2014/main" id="{72048C81-DD26-42C5-85B1-29F4A65C9FE5}"/>
+          <p:cNvPr id="7" name="Afbeelding 6">
+            <a:extLst>
+              <a:ext uri="{FF2B5EF4-FFF2-40B4-BE49-F238E27FC236}">
+                <a16:creationId xmlns:a16="http://schemas.microsoft.com/office/drawing/2014/main" id="{6A96EBCF-A813-4902-9876-F063A4A58731}"/>
               </a:ext>
             </a:extLst>
           </p:cNvPr>
@@ -6196,56 +6889,120 @@
           </p:cNvPicPr>
           <p:nvPr/>
         </p:nvPicPr>
-        <p:blipFill>
-          <a:blip r:embed="rId4"/>
-          <a:stretch>
-            <a:fillRect/>
-          </a:stretch>
+        <p:blipFill rotWithShape="1">
+          <a:blip r:embed="rId3">
+            <a:clrChange>
+              <a:clrFrom>
+                <a:srgbClr val="F0F0F0"/>
+              </a:clrFrom>
+              <a:clrTo>
+                <a:srgbClr val="F0F0F0">
+                  <a:alpha val="0"/>
+                </a:srgbClr>
+              </a:clrTo>
+            </a:clrChange>
+          </a:blip>
+          <a:srcRect l="-1" r="36370" b="24639"/>
+          <a:stretch/>
         </p:blipFill>
         <p:spPr>
           <a:xfrm>
-            <a:off x="3980156" y="2603656"/>
-            <a:ext cx="8211844" cy="2687325"/>
+            <a:off x="0" y="1336012"/>
+            <a:ext cx="6007319" cy="4794854"/>
           </a:xfrm>
           <a:prstGeom prst="rect">
             <a:avLst/>
           </a:prstGeom>
         </p:spPr>
       </p:pic>
-      <p:pic>
-        <p:nvPicPr>
-          <p:cNvPr id="9" name="Afbeelding 8">
-            <a:extLst>
-              <a:ext uri="{FF2B5EF4-FFF2-40B4-BE49-F238E27FC236}">
-                <a16:creationId xmlns:a16="http://schemas.microsoft.com/office/drawing/2014/main" id="{3FC2B0E1-2D00-454E-A18D-BF7ABC76E6DE}"/>
-              </a:ext>
-            </a:extLst>
-          </p:cNvPr>
-          <p:cNvPicPr>
-            <a:picLocks noChangeAspect="1"/>
-          </p:cNvPicPr>
+      <p:sp>
+        <p:nvSpPr>
+          <p:cNvPr id="8" name="Tekstvak 7">
+            <a:extLst>
+              <a:ext uri="{FF2B5EF4-FFF2-40B4-BE49-F238E27FC236}">
+                <a16:creationId xmlns:a16="http://schemas.microsoft.com/office/drawing/2014/main" id="{F6325B5C-4FFB-4D9E-9CAE-0115C12BFEFA}"/>
+              </a:ext>
+            </a:extLst>
+          </p:cNvPr>
+          <p:cNvSpPr txBox="1"/>
           <p:nvPr/>
-        </p:nvPicPr>
-        <p:blipFill>
-          <a:blip r:embed="rId5"/>
-          <a:stretch>
-            <a:fillRect/>
-          </a:stretch>
-        </p:blipFill>
+        </p:nvSpPr>
         <p:spPr>
           <a:xfrm>
-            <a:off x="-133350" y="4387247"/>
-            <a:ext cx="7562850" cy="2583255"/>
+            <a:off x="7196960" y="6130866"/>
+            <a:ext cx="4459012" cy="369332"/>
           </a:xfrm>
           <a:prstGeom prst="rect">
             <a:avLst/>
           </a:prstGeom>
+          <a:noFill/>
         </p:spPr>
-      </p:pic>
+        <p:txBody>
+          <a:bodyPr wrap="square" rtlCol="0">
+            <a:spAutoFit/>
+          </a:bodyPr>
+          <a:lstStyle/>
+          <a:p>
+            <a:r>
+              <a:rPr lang="nl-BE" dirty="0"/>
+              <a:t>Model </a:t>
+            </a:r>
+            <a:r>
+              <a:rPr lang="nl-BE" dirty="0" err="1"/>
+              <a:t>used</a:t>
+            </a:r>
+            <a:r>
+              <a:rPr lang="nl-BE" dirty="0"/>
+              <a:t>: Park 1, wake </a:t>
+            </a:r>
+            <a:r>
+              <a:rPr lang="nl-BE" dirty="0" err="1"/>
+              <a:t>reflection</a:t>
+            </a:r>
+            <a:r>
+              <a:rPr lang="nl-BE" dirty="0"/>
+              <a:t>, k=0,04</a:t>
+            </a:r>
+          </a:p>
+        </p:txBody>
+      </p:sp>
+      <p:sp>
+        <p:nvSpPr>
+          <p:cNvPr id="6" name="Titel 1">
+            <a:extLst>
+              <a:ext uri="{FF2B5EF4-FFF2-40B4-BE49-F238E27FC236}">
+                <a16:creationId xmlns:a16="http://schemas.microsoft.com/office/drawing/2014/main" id="{664DA47B-8DBE-4941-A81A-BE8E29429216}"/>
+              </a:ext>
+            </a:extLst>
+          </p:cNvPr>
+          <p:cNvSpPr>
+            <a:spLocks noGrp="1"/>
+          </p:cNvSpPr>
+          <p:nvPr>
+            <p:ph type="title"/>
+          </p:nvPr>
+        </p:nvSpPr>
+        <p:spPr>
+          <a:xfrm>
+            <a:off x="838200" y="136525"/>
+            <a:ext cx="10515600" cy="1325563"/>
+          </a:xfrm>
+        </p:spPr>
+        <p:txBody>
+          <a:bodyPr/>
+          <a:lstStyle/>
+          <a:p>
+            <a:r>
+              <a:rPr lang="nl-BE" dirty="0"/>
+              <a:t>1. Park model</a:t>
+            </a:r>
+          </a:p>
+        </p:txBody>
+      </p:sp>
     </p:spTree>
     <p:extLst>
       <p:ext uri="{BB962C8B-B14F-4D97-AF65-F5344CB8AC3E}">
-        <p14:creationId xmlns:p14="http://schemas.microsoft.com/office/powerpoint/2010/main" val="4276709020"/>
+        <p14:creationId xmlns:p14="http://schemas.microsoft.com/office/powerpoint/2010/main" val="3888498158"/>
       </p:ext>
     </p:extLst>
   </p:cSld>
@@ -6274,10 +7031,56 @@
       </p:grpSpPr>
       <p:sp>
         <p:nvSpPr>
+          <p:cNvPr id="2" name="Titel 1">
+            <a:extLst>
+              <a:ext uri="{FF2B5EF4-FFF2-40B4-BE49-F238E27FC236}">
+                <a16:creationId xmlns:a16="http://schemas.microsoft.com/office/drawing/2014/main" id="{16D783C3-1CE3-47DD-B902-EB16EDC645C5}"/>
+              </a:ext>
+            </a:extLst>
+          </p:cNvPr>
+          <p:cNvSpPr>
+            <a:spLocks noGrp="1"/>
+          </p:cNvSpPr>
+          <p:nvPr>
+            <p:ph type="title"/>
+          </p:nvPr>
+        </p:nvSpPr>
+        <p:spPr>
+          <a:xfrm>
+            <a:off x="838200" y="-171559"/>
+            <a:ext cx="10515600" cy="1325563"/>
+          </a:xfrm>
+        </p:spPr>
+        <p:txBody>
+          <a:bodyPr/>
+          <a:lstStyle/>
+          <a:p>
+            <a:r>
+              <a:rPr lang="nl-BE" dirty="0"/>
+              <a:t>1. Park model: </a:t>
+            </a:r>
+            <a:r>
+              <a:rPr lang="nl-BE" dirty="0" err="1"/>
+              <a:t>horizontal</a:t>
+            </a:r>
+            <a:r>
+              <a:rPr lang="nl-BE" dirty="0"/>
+              <a:t> </a:t>
+            </a:r>
+            <a:r>
+              <a:rPr lang="nl-BE" dirty="0" err="1"/>
+              <a:t>section</a:t>
+            </a:r>
+            <a:endParaRPr lang="nl-BE" dirty="0"/>
+          </a:p>
+        </p:txBody>
+      </p:sp>
+      <p:sp>
+        <p:nvSpPr>
           <p:cNvPr id="4" name="Tijdelijke aanduiding voor dianummer 3">
             <a:extLst>
               <a:ext uri="{FF2B5EF4-FFF2-40B4-BE49-F238E27FC236}">
-                <a16:creationId xmlns:a16="http://schemas.microsoft.com/office/drawing/2014/main" id="{DEFA6793-41DA-4F43-AAF5-E6682D96AD6B}"/>
+                <a16:creationId xmlns:a16="http://schemas.microsoft.com/office/drawing/2014/main" id="{E511320B-DD26-4753-870C-090CF3810B12}"/>
               </a:ext>
             </a:extLst>
           </p:cNvPr>
@@ -6303,10 +7106,10 @@
       </p:sp>
       <p:pic>
         <p:nvPicPr>
-          <p:cNvPr id="5" name="Afbeelding 4">
-            <a:extLst>
-              <a:ext uri="{FF2B5EF4-FFF2-40B4-BE49-F238E27FC236}">
-                <a16:creationId xmlns:a16="http://schemas.microsoft.com/office/drawing/2014/main" id="{CA494235-56D6-47C7-B152-DE4CEC63868B}"/>
+          <p:cNvPr id="3" name="Afbeelding 2">
+            <a:extLst>
+              <a:ext uri="{FF2B5EF4-FFF2-40B4-BE49-F238E27FC236}">
+                <a16:creationId xmlns:a16="http://schemas.microsoft.com/office/drawing/2014/main" id="{EF25051D-9E9D-4031-A134-1326D417B63C}"/>
               </a:ext>
             </a:extLst>
           </p:cNvPr>
@@ -6316,100 +7119,26 @@
           <p:nvPr/>
         </p:nvPicPr>
         <p:blipFill>
-          <a:blip r:embed="rId2"/>
+          <a:blip r:embed="rId3">
+            <a:clrChange>
+              <a:clrFrom>
+                <a:srgbClr val="F0F0F0"/>
+              </a:clrFrom>
+              <a:clrTo>
+                <a:srgbClr val="F0F0F0">
+                  <a:alpha val="0"/>
+                </a:srgbClr>
+              </a:clrTo>
+            </a:clrChange>
+          </a:blip>
           <a:stretch>
             <a:fillRect/>
           </a:stretch>
         </p:blipFill>
         <p:spPr>
           <a:xfrm>
-            <a:off x="-123825" y="4525337"/>
-            <a:ext cx="7105650" cy="2332663"/>
-          </a:xfrm>
-          <a:prstGeom prst="rect">
-            <a:avLst/>
-          </a:prstGeom>
-        </p:spPr>
-      </p:pic>
-      <p:sp>
-        <p:nvSpPr>
-          <p:cNvPr id="6" name="Titel 1">
-            <a:extLst>
-              <a:ext uri="{FF2B5EF4-FFF2-40B4-BE49-F238E27FC236}">
-                <a16:creationId xmlns:a16="http://schemas.microsoft.com/office/drawing/2014/main" id="{590F68F9-CEFC-4762-9E2C-7BBF9D98973F}"/>
-              </a:ext>
-            </a:extLst>
-          </p:cNvPr>
-          <p:cNvSpPr txBox="1">
-            <a:spLocks/>
-          </p:cNvSpPr>
-          <p:nvPr/>
-        </p:nvSpPr>
-        <p:spPr>
-          <a:xfrm>
-            <a:off x="838200" y="-339725"/>
-            <a:ext cx="10515600" cy="1325563"/>
-          </a:xfrm>
-          <a:prstGeom prst="rect">
-            <a:avLst/>
-          </a:prstGeom>
-        </p:spPr>
-        <p:txBody>
-          <a:bodyPr vert="horz" lIns="91440" tIns="45720" rIns="91440" bIns="45720" rtlCol="0" anchor="ctr">
-            <a:normAutofit/>
-          </a:bodyPr>
-          <a:lstStyle>
-            <a:lvl1pPr algn="l" defTabSz="914400" rtl="0" eaLnBrk="1" latinLnBrk="0" hangingPunct="1">
-              <a:lnSpc>
-                <a:spcPct val="90000"/>
-              </a:lnSpc>
-              <a:spcBef>
-                <a:spcPct val="0"/>
-              </a:spcBef>
-              <a:buNone/>
-              <a:defRPr sz="4400" kern="1200">
-                <a:solidFill>
-                  <a:schemeClr val="tx1"/>
-                </a:solidFill>
-                <a:latin typeface="+mj-lt"/>
-                <a:ea typeface="+mj-ea"/>
-                <a:cs typeface="+mj-cs"/>
-              </a:defRPr>
-            </a:lvl1pPr>
-          </a:lstStyle>
-          <a:p>
-            <a:r>
-              <a:rPr lang="nl-BE"/>
-              <a:t>Park model: horizontal section</a:t>
-            </a:r>
-            <a:endParaRPr lang="nl-BE" dirty="0"/>
-          </a:p>
-        </p:txBody>
-      </p:sp>
-      <p:pic>
-        <p:nvPicPr>
-          <p:cNvPr id="7" name="Afbeelding 6">
-            <a:extLst>
-              <a:ext uri="{FF2B5EF4-FFF2-40B4-BE49-F238E27FC236}">
-                <a16:creationId xmlns:a16="http://schemas.microsoft.com/office/drawing/2014/main" id="{49B81D13-6545-4D3B-BA14-0E669CC2C93D}"/>
-              </a:ext>
-            </a:extLst>
-          </p:cNvPr>
-          <p:cNvPicPr>
-            <a:picLocks noChangeAspect="1"/>
-          </p:cNvPicPr>
-          <p:nvPr/>
-        </p:nvPicPr>
-        <p:blipFill>
-          <a:blip r:embed="rId3"/>
-          <a:stretch>
-            <a:fillRect/>
-          </a:stretch>
-        </p:blipFill>
-        <p:spPr>
-          <a:xfrm>
-            <a:off x="-2807" y="554324"/>
-            <a:ext cx="7038054" cy="2332663"/>
+            <a:off x="47625" y="558317"/>
+            <a:ext cx="7200900" cy="2647950"/>
           </a:xfrm>
           <a:prstGeom prst="rect">
             <a:avLst/>
@@ -6418,10 +7147,10 @@
       </p:pic>
       <p:pic>
         <p:nvPicPr>
-          <p:cNvPr id="8" name="Afbeelding 7">
-            <a:extLst>
-              <a:ext uri="{FF2B5EF4-FFF2-40B4-BE49-F238E27FC236}">
-                <a16:creationId xmlns:a16="http://schemas.microsoft.com/office/drawing/2014/main" id="{E9122CDB-C2DF-40A3-8981-1800780AD3F2}"/>
+          <p:cNvPr id="6" name="Afbeelding 5">
+            <a:extLst>
+              <a:ext uri="{FF2B5EF4-FFF2-40B4-BE49-F238E27FC236}">
+                <a16:creationId xmlns:a16="http://schemas.microsoft.com/office/drawing/2014/main" id="{93A57DCA-BA2D-4C81-AC27-548F583DC775}"/>
               </a:ext>
             </a:extLst>
           </p:cNvPr>
@@ -6431,25 +7160,136 @@
           <p:nvPr/>
         </p:nvPicPr>
         <p:blipFill>
-          <a:blip r:embed="rId4"/>
+          <a:blip r:embed="rId4">
+            <a:clrChange>
+              <a:clrFrom>
+                <a:srgbClr val="F0F0F0"/>
+              </a:clrFrom>
+              <a:clrTo>
+                <a:srgbClr val="F0F0F0">
+                  <a:alpha val="0"/>
+                </a:srgbClr>
+              </a:clrTo>
+            </a:clrChange>
+          </a:blip>
           <a:stretch>
             <a:fillRect/>
           </a:stretch>
         </p:blipFill>
         <p:spPr>
           <a:xfrm>
-            <a:off x="4199904" y="2307766"/>
-            <a:ext cx="7992096" cy="2726655"/>
+            <a:off x="5238750" y="2504567"/>
+            <a:ext cx="6953250" cy="2543175"/>
           </a:xfrm>
           <a:prstGeom prst="rect">
             <a:avLst/>
           </a:prstGeom>
         </p:spPr>
       </p:pic>
+      <p:pic>
+        <p:nvPicPr>
+          <p:cNvPr id="7" name="Afbeelding 6">
+            <a:extLst>
+              <a:ext uri="{FF2B5EF4-FFF2-40B4-BE49-F238E27FC236}">
+                <a16:creationId xmlns:a16="http://schemas.microsoft.com/office/drawing/2014/main" id="{8273B108-177B-43B6-B4BF-886DC55B17B4}"/>
+              </a:ext>
+            </a:extLst>
+          </p:cNvPr>
+          <p:cNvPicPr>
+            <a:picLocks noChangeAspect="1"/>
+          </p:cNvPicPr>
+          <p:nvPr/>
+        </p:nvPicPr>
+        <p:blipFill>
+          <a:blip r:embed="rId5">
+            <a:clrChange>
+              <a:clrFrom>
+                <a:srgbClr val="F0F0F0"/>
+              </a:clrFrom>
+              <a:clrTo>
+                <a:srgbClr val="F0F0F0">
+                  <a:alpha val="0"/>
+                </a:srgbClr>
+              </a:clrTo>
+            </a:clrChange>
+          </a:blip>
+          <a:stretch>
+            <a:fillRect/>
+          </a:stretch>
+        </p:blipFill>
+        <p:spPr>
+          <a:xfrm>
+            <a:off x="-1" y="4335530"/>
+            <a:ext cx="7242821" cy="2727422"/>
+          </a:xfrm>
+          <a:prstGeom prst="rect">
+            <a:avLst/>
+          </a:prstGeom>
+        </p:spPr>
+      </p:pic>
+      <p:sp>
+        <p:nvSpPr>
+          <p:cNvPr id="10" name="Tekstvak 9">
+            <a:extLst>
+              <a:ext uri="{FF2B5EF4-FFF2-40B4-BE49-F238E27FC236}">
+                <a16:creationId xmlns:a16="http://schemas.microsoft.com/office/drawing/2014/main" id="{659910E7-68D2-422F-B737-30756CED6B68}"/>
+              </a:ext>
+            </a:extLst>
+          </p:cNvPr>
+          <p:cNvSpPr txBox="1"/>
+          <p:nvPr/>
+        </p:nvSpPr>
+        <p:spPr>
+          <a:xfrm>
+            <a:off x="7617375" y="6033184"/>
+            <a:ext cx="3478923" cy="646331"/>
+          </a:xfrm>
+          <a:prstGeom prst="rect">
+            <a:avLst/>
+          </a:prstGeom>
+          <a:noFill/>
+        </p:spPr>
+        <p:txBody>
+          <a:bodyPr wrap="square" rtlCol="0">
+            <a:spAutoFit/>
+          </a:bodyPr>
+          <a:lstStyle/>
+          <a:p>
+            <a:r>
+              <a:rPr lang="nl-BE" dirty="0"/>
+              <a:t>Model </a:t>
+            </a:r>
+            <a:r>
+              <a:rPr lang="nl-BE" dirty="0" err="1"/>
+              <a:t>used</a:t>
+            </a:r>
+            <a:r>
+              <a:rPr lang="nl-BE" dirty="0"/>
+              <a:t>: Park 1, </a:t>
+            </a:r>
+            <a:r>
+              <a:rPr lang="nl-BE" dirty="0" err="1"/>
+              <a:t>quadratic</a:t>
+            </a:r>
+            <a:r>
+              <a:rPr lang="nl-BE" dirty="0"/>
+              <a:t>, wake </a:t>
+            </a:r>
+            <a:r>
+              <a:rPr lang="nl-BE" dirty="0" err="1"/>
+              <a:t>reflection</a:t>
+            </a:r>
+            <a:r>
+              <a:rPr lang="nl-BE" dirty="0"/>
+              <a:t>, k=0,04</a:t>
+            </a:r>
+          </a:p>
+        </p:txBody>
+      </p:sp>
     </p:spTree>
     <p:extLst>
       <p:ext uri="{BB962C8B-B14F-4D97-AF65-F5344CB8AC3E}">
-        <p14:creationId xmlns:p14="http://schemas.microsoft.com/office/powerpoint/2010/main" val="2734306132"/>
+        <p14:creationId xmlns:p14="http://schemas.microsoft.com/office/powerpoint/2010/main" val="4276709020"/>
       </p:ext>
     </p:extLst>
   </p:cSld>
@@ -6478,60 +7318,10 @@
       </p:grpSpPr>
       <p:sp>
         <p:nvSpPr>
-          <p:cNvPr id="2" name="Titel 1">
-            <a:extLst>
-              <a:ext uri="{FF2B5EF4-FFF2-40B4-BE49-F238E27FC236}">
-                <a16:creationId xmlns:a16="http://schemas.microsoft.com/office/drawing/2014/main" id="{AD0BE57A-AB6F-4A6E-8421-89D382F2AC60}"/>
-              </a:ext>
-            </a:extLst>
-          </p:cNvPr>
-          <p:cNvSpPr>
-            <a:spLocks noGrp="1"/>
-          </p:cNvSpPr>
-          <p:nvPr>
-            <p:ph type="title"/>
-          </p:nvPr>
-        </p:nvSpPr>
-        <p:spPr/>
-        <p:txBody>
-          <a:bodyPr/>
-          <a:lstStyle/>
-          <a:p>
-            <a:endParaRPr lang="nl-BE"/>
-          </a:p>
-        </p:txBody>
-      </p:sp>
-      <p:sp>
-        <p:nvSpPr>
-          <p:cNvPr id="3" name="Tijdelijke aanduiding voor inhoud 2">
-            <a:extLst>
-              <a:ext uri="{FF2B5EF4-FFF2-40B4-BE49-F238E27FC236}">
-                <a16:creationId xmlns:a16="http://schemas.microsoft.com/office/drawing/2014/main" id="{2FAD1A69-0BDB-4CE5-B4BD-844C585E0948}"/>
-              </a:ext>
-            </a:extLst>
-          </p:cNvPr>
-          <p:cNvSpPr>
-            <a:spLocks noGrp="1"/>
-          </p:cNvSpPr>
-          <p:nvPr>
-            <p:ph idx="1"/>
-          </p:nvPr>
-        </p:nvSpPr>
-        <p:spPr/>
-        <p:txBody>
-          <a:bodyPr/>
-          <a:lstStyle/>
-          <a:p>
-            <a:endParaRPr lang="nl-BE" dirty="0"/>
-          </a:p>
-        </p:txBody>
-      </p:sp>
-      <p:sp>
-        <p:nvSpPr>
           <p:cNvPr id="4" name="Tijdelijke aanduiding voor dianummer 3">
             <a:extLst>
               <a:ext uri="{FF2B5EF4-FFF2-40B4-BE49-F238E27FC236}">
-                <a16:creationId xmlns:a16="http://schemas.microsoft.com/office/drawing/2014/main" id="{3C76F1E0-4DE7-4499-8258-08858106C61C}"/>
+                <a16:creationId xmlns:a16="http://schemas.microsoft.com/office/drawing/2014/main" id="{DEFA6793-41DA-4F43-AAF5-E6682D96AD6B}"/>
               </a:ext>
             </a:extLst>
           </p:cNvPr>
@@ -6555,12 +7345,79 @@
           </a:p>
         </p:txBody>
       </p:sp>
+      <p:sp>
+        <p:nvSpPr>
+          <p:cNvPr id="6" name="Titel 1">
+            <a:extLst>
+              <a:ext uri="{FF2B5EF4-FFF2-40B4-BE49-F238E27FC236}">
+                <a16:creationId xmlns:a16="http://schemas.microsoft.com/office/drawing/2014/main" id="{590F68F9-CEFC-4762-9E2C-7BBF9D98973F}"/>
+              </a:ext>
+            </a:extLst>
+          </p:cNvPr>
+          <p:cNvSpPr txBox="1">
+            <a:spLocks/>
+          </p:cNvSpPr>
+          <p:nvPr/>
+        </p:nvSpPr>
+        <p:spPr>
+          <a:xfrm>
+            <a:off x="838200" y="0"/>
+            <a:ext cx="10515600" cy="1325563"/>
+          </a:xfrm>
+          <a:prstGeom prst="rect">
+            <a:avLst/>
+          </a:prstGeom>
+        </p:spPr>
+        <p:txBody>
+          <a:bodyPr vert="horz" lIns="91440" tIns="45720" rIns="91440" bIns="45720" rtlCol="0" anchor="ctr">
+            <a:normAutofit/>
+          </a:bodyPr>
+          <a:lstStyle>
+            <a:lvl1pPr algn="l" defTabSz="914400" rtl="0" eaLnBrk="1" latinLnBrk="0" hangingPunct="1">
+              <a:lnSpc>
+                <a:spcPct val="90000"/>
+              </a:lnSpc>
+              <a:spcBef>
+                <a:spcPct val="0"/>
+              </a:spcBef>
+              <a:buNone/>
+              <a:defRPr sz="4400" kern="1200">
+                <a:solidFill>
+                  <a:schemeClr val="tx1"/>
+                </a:solidFill>
+                <a:latin typeface="+mj-lt"/>
+                <a:ea typeface="+mj-ea"/>
+                <a:cs typeface="+mj-cs"/>
+              </a:defRPr>
+            </a:lvl1pPr>
+          </a:lstStyle>
+          <a:p>
+            <a:r>
+              <a:rPr lang="nl-BE" dirty="0"/>
+              <a:t>1. Park model: </a:t>
+            </a:r>
+            <a:r>
+              <a:rPr lang="nl-BE" dirty="0" err="1"/>
+              <a:t>vertical</a:t>
+            </a:r>
+            <a:r>
+              <a:rPr lang="nl-BE" dirty="0"/>
+              <a:t> </a:t>
+            </a:r>
+            <a:r>
+              <a:rPr lang="nl-BE" dirty="0" err="1"/>
+              <a:t>section</a:t>
+            </a:r>
+            <a:endParaRPr lang="nl-BE" dirty="0"/>
+          </a:p>
+        </p:txBody>
+      </p:sp>
       <p:pic>
         <p:nvPicPr>
-          <p:cNvPr id="5" name="Afbeelding 4">
-            <a:extLst>
-              <a:ext uri="{FF2B5EF4-FFF2-40B4-BE49-F238E27FC236}">
-                <a16:creationId xmlns:a16="http://schemas.microsoft.com/office/drawing/2014/main" id="{81ACF8B4-CEDD-4687-A0CF-63802FEAD64D}"/>
+          <p:cNvPr id="2" name="Afbeelding 1">
+            <a:extLst>
+              <a:ext uri="{FF2B5EF4-FFF2-40B4-BE49-F238E27FC236}">
+                <a16:creationId xmlns:a16="http://schemas.microsoft.com/office/drawing/2014/main" id="{4A4C20DA-BDAA-48FD-97F6-6741A193DC99}"/>
               </a:ext>
             </a:extLst>
           </p:cNvPr>
@@ -6577,78 +7434,77 @@
         </p:blipFill>
         <p:spPr>
           <a:xfrm>
-            <a:off x="-22698" y="0"/>
-            <a:ext cx="8116111" cy="2561663"/>
+            <a:off x="0" y="2545022"/>
+            <a:ext cx="12192000" cy="1767955"/>
           </a:xfrm>
           <a:prstGeom prst="rect">
             <a:avLst/>
           </a:prstGeom>
         </p:spPr>
       </p:pic>
-      <p:pic>
-        <p:nvPicPr>
-          <p:cNvPr id="6" name="Afbeelding 5">
-            <a:extLst>
-              <a:ext uri="{FF2B5EF4-FFF2-40B4-BE49-F238E27FC236}">
-                <a16:creationId xmlns:a16="http://schemas.microsoft.com/office/drawing/2014/main" id="{B23F451C-2137-422C-8849-42F53AA0DE36}"/>
-              </a:ext>
-            </a:extLst>
-          </p:cNvPr>
-          <p:cNvPicPr>
-            <a:picLocks noChangeAspect="1"/>
-          </p:cNvPicPr>
+      <p:sp>
+        <p:nvSpPr>
+          <p:cNvPr id="9" name="Tekstvak 8">
+            <a:extLst>
+              <a:ext uri="{FF2B5EF4-FFF2-40B4-BE49-F238E27FC236}">
+                <a16:creationId xmlns:a16="http://schemas.microsoft.com/office/drawing/2014/main" id="{37FCAE75-F79F-4EE9-907E-8E3BEC6FD1F4}"/>
+              </a:ext>
+            </a:extLst>
+          </p:cNvPr>
+          <p:cNvSpPr txBox="1"/>
           <p:nvPr/>
-        </p:nvPicPr>
-        <p:blipFill>
-          <a:blip r:embed="rId3"/>
-          <a:stretch>
-            <a:fillRect/>
-          </a:stretch>
-        </p:blipFill>
+        </p:nvSpPr>
         <p:spPr>
           <a:xfrm>
-            <a:off x="5437761" y="2305641"/>
-            <a:ext cx="7055795" cy="2275637"/>
+            <a:off x="102478" y="5947567"/>
+            <a:ext cx="3478923" cy="646331"/>
           </a:xfrm>
           <a:prstGeom prst="rect">
             <a:avLst/>
           </a:prstGeom>
+          <a:noFill/>
         </p:spPr>
-      </p:pic>
-      <p:pic>
-        <p:nvPicPr>
-          <p:cNvPr id="7" name="Afbeelding 6">
-            <a:extLst>
-              <a:ext uri="{FF2B5EF4-FFF2-40B4-BE49-F238E27FC236}">
-                <a16:creationId xmlns:a16="http://schemas.microsoft.com/office/drawing/2014/main" id="{16A45DB2-CDE4-4DCE-A645-156F0538EAF8}"/>
-              </a:ext>
-            </a:extLst>
-          </p:cNvPr>
-          <p:cNvPicPr>
-            <a:picLocks noChangeAspect="1"/>
-          </p:cNvPicPr>
-          <p:nvPr/>
-        </p:nvPicPr>
-        <p:blipFill>
-          <a:blip r:embed="rId4"/>
-          <a:stretch>
-            <a:fillRect/>
-          </a:stretch>
-        </p:blipFill>
-        <p:spPr>
-          <a:xfrm>
-            <a:off x="175705" y="3974848"/>
-            <a:ext cx="8116111" cy="2793989"/>
-          </a:xfrm>
-          <a:prstGeom prst="rect">
-            <a:avLst/>
-          </a:prstGeom>
-        </p:spPr>
-      </p:pic>
+        <p:txBody>
+          <a:bodyPr wrap="square" rtlCol="0">
+            <a:spAutoFit/>
+          </a:bodyPr>
+          <a:lstStyle/>
+          <a:p>
+            <a:r>
+              <a:rPr lang="nl-BE" dirty="0"/>
+              <a:t>Model </a:t>
+            </a:r>
+            <a:r>
+              <a:rPr lang="nl-BE" dirty="0" err="1"/>
+              <a:t>used</a:t>
+            </a:r>
+            <a:r>
+              <a:rPr lang="nl-BE" dirty="0"/>
+              <a:t>: Park 1, </a:t>
+            </a:r>
+            <a:r>
+              <a:rPr lang="nl-BE" dirty="0" err="1"/>
+              <a:t>quadratic</a:t>
+            </a:r>
+            <a:r>
+              <a:rPr lang="nl-BE" dirty="0"/>
+              <a:t>, wake </a:t>
+            </a:r>
+            <a:r>
+              <a:rPr lang="nl-BE" dirty="0" err="1"/>
+              <a:t>reflection</a:t>
+            </a:r>
+            <a:r>
+              <a:rPr lang="nl-BE" dirty="0"/>
+              <a:t>, k=0,04</a:t>
+            </a:r>
+          </a:p>
+        </p:txBody>
+      </p:sp>
     </p:spTree>
     <p:extLst>
       <p:ext uri="{BB962C8B-B14F-4D97-AF65-F5344CB8AC3E}">
-        <p14:creationId xmlns:p14="http://schemas.microsoft.com/office/powerpoint/2010/main" val="1559935544"/>
+        <p14:creationId xmlns:p14="http://schemas.microsoft.com/office/powerpoint/2010/main" val="2734306132"/>
       </p:ext>
     </p:extLst>
   </p:cSld>
@@ -6677,38 +7533,10 @@
       </p:grpSpPr>
       <p:sp>
         <p:nvSpPr>
-          <p:cNvPr id="2" name="Titel 1">
-            <a:extLst>
-              <a:ext uri="{FF2B5EF4-FFF2-40B4-BE49-F238E27FC236}">
-                <a16:creationId xmlns:a16="http://schemas.microsoft.com/office/drawing/2014/main" id="{87F5DF60-7162-44A2-8B8A-389BC0FC86E7}"/>
-              </a:ext>
-            </a:extLst>
-          </p:cNvPr>
-          <p:cNvSpPr>
-            <a:spLocks noGrp="1"/>
-          </p:cNvSpPr>
-          <p:nvPr>
-            <p:ph type="title"/>
-          </p:nvPr>
-        </p:nvSpPr>
-        <p:spPr/>
-        <p:txBody>
-          <a:bodyPr/>
-          <a:lstStyle/>
-          <a:p>
-            <a:r>
-              <a:rPr lang="nl-BE" dirty="0"/>
-              <a:t>Test case </a:t>
-            </a:r>
-          </a:p>
-        </p:txBody>
-      </p:sp>
-      <p:sp>
-        <p:nvSpPr>
           <p:cNvPr id="4" name="Tijdelijke aanduiding voor dianummer 3">
             <a:extLst>
               <a:ext uri="{FF2B5EF4-FFF2-40B4-BE49-F238E27FC236}">
-                <a16:creationId xmlns:a16="http://schemas.microsoft.com/office/drawing/2014/main" id="{95AEDC23-E5D8-4218-96D3-13C622814598}"/>
+                <a16:creationId xmlns:a16="http://schemas.microsoft.com/office/drawing/2014/main" id="{DEFA6793-41DA-4F43-AAF5-E6682D96AD6B}"/>
               </a:ext>
             </a:extLst>
           </p:cNvPr>
@@ -6732,12 +7560,79 @@
           </a:p>
         </p:txBody>
       </p:sp>
+      <p:sp>
+        <p:nvSpPr>
+          <p:cNvPr id="6" name="Titel 1">
+            <a:extLst>
+              <a:ext uri="{FF2B5EF4-FFF2-40B4-BE49-F238E27FC236}">
+                <a16:creationId xmlns:a16="http://schemas.microsoft.com/office/drawing/2014/main" id="{590F68F9-CEFC-4762-9E2C-7BBF9D98973F}"/>
+              </a:ext>
+            </a:extLst>
+          </p:cNvPr>
+          <p:cNvSpPr txBox="1">
+            <a:spLocks/>
+          </p:cNvSpPr>
+          <p:nvPr/>
+        </p:nvSpPr>
+        <p:spPr>
+          <a:xfrm>
+            <a:off x="838200" y="-339725"/>
+            <a:ext cx="10515600" cy="1325563"/>
+          </a:xfrm>
+          <a:prstGeom prst="rect">
+            <a:avLst/>
+          </a:prstGeom>
+        </p:spPr>
+        <p:txBody>
+          <a:bodyPr vert="horz" lIns="91440" tIns="45720" rIns="91440" bIns="45720" rtlCol="0" anchor="ctr">
+            <a:normAutofit/>
+          </a:bodyPr>
+          <a:lstStyle>
+            <a:lvl1pPr algn="l" defTabSz="914400" rtl="0" eaLnBrk="1" latinLnBrk="0" hangingPunct="1">
+              <a:lnSpc>
+                <a:spcPct val="90000"/>
+              </a:lnSpc>
+              <a:spcBef>
+                <a:spcPct val="0"/>
+              </a:spcBef>
+              <a:buNone/>
+              <a:defRPr sz="4400" kern="1200">
+                <a:solidFill>
+                  <a:schemeClr val="tx1"/>
+                </a:solidFill>
+                <a:latin typeface="+mj-lt"/>
+                <a:ea typeface="+mj-ea"/>
+                <a:cs typeface="+mj-cs"/>
+              </a:defRPr>
+            </a:lvl1pPr>
+          </a:lstStyle>
+          <a:p>
+            <a:r>
+              <a:rPr lang="nl-BE" dirty="0"/>
+              <a:t>1. Park model: </a:t>
+            </a:r>
+            <a:r>
+              <a:rPr lang="nl-BE" dirty="0" err="1"/>
+              <a:t>vertical</a:t>
+            </a:r>
+            <a:r>
+              <a:rPr lang="nl-BE" dirty="0"/>
+              <a:t> </a:t>
+            </a:r>
+            <a:r>
+              <a:rPr lang="nl-BE" dirty="0" err="1"/>
+              <a:t>section</a:t>
+            </a:r>
+            <a:endParaRPr lang="nl-BE" dirty="0"/>
+          </a:p>
+        </p:txBody>
+      </p:sp>
       <p:pic>
         <p:nvPicPr>
-          <p:cNvPr id="6" name="Afbeelding 5" descr="Afbeelding met tekst, kaart&#10;&#10;Beschrijving is gegenereerd met zeer hoge betrouwbaarheid">
-            <a:extLst>
-              <a:ext uri="{FF2B5EF4-FFF2-40B4-BE49-F238E27FC236}">
-                <a16:creationId xmlns:a16="http://schemas.microsoft.com/office/drawing/2014/main" id="{D813413F-207E-4A7D-921C-467C19810829}"/>
+          <p:cNvPr id="9" name="Afbeelding 8">
+            <a:extLst>
+              <a:ext uri="{FF2B5EF4-FFF2-40B4-BE49-F238E27FC236}">
+                <a16:creationId xmlns:a16="http://schemas.microsoft.com/office/drawing/2014/main" id="{B732AB41-63FC-4768-9E3C-B597BB8C7473}"/>
               </a:ext>
             </a:extLst>
           </p:cNvPr>
@@ -6748,11 +7643,16 @@
         </p:nvPicPr>
         <p:blipFill>
           <a:blip r:embed="rId2">
-            <a:extLst>
-              <a:ext uri="{28A0092B-C50C-407E-A947-70E740481C1C}">
-                <a14:useLocalDpi xmlns:a14="http://schemas.microsoft.com/office/drawing/2010/main" val="0"/>
-              </a:ext>
-            </a:extLst>
+            <a:clrChange>
+              <a:clrFrom>
+                <a:srgbClr val="F0F0F0"/>
+              </a:clrFrom>
+              <a:clrTo>
+                <a:srgbClr val="F0F0F0">
+                  <a:alpha val="0"/>
+                </a:srgbClr>
+              </a:clrTo>
+            </a:clrChange>
           </a:blip>
           <a:stretch>
             <a:fillRect/>
@@ -6760,8 +7660,8 @@
         </p:blipFill>
         <p:spPr>
           <a:xfrm>
-            <a:off x="6123322" y="1690687"/>
-            <a:ext cx="5956526" cy="4465693"/>
+            <a:off x="0" y="587267"/>
+            <a:ext cx="5707117" cy="3236615"/>
           </a:xfrm>
           <a:prstGeom prst="rect">
             <a:avLst/>
@@ -6770,10 +7670,10 @@
       </p:pic>
       <p:pic>
         <p:nvPicPr>
-          <p:cNvPr id="8" name="Afbeelding 7" descr="Afbeelding met tekst, kaart&#10;&#10;Beschrijving is gegenereerd met zeer hoge betrouwbaarheid">
-            <a:extLst>
-              <a:ext uri="{FF2B5EF4-FFF2-40B4-BE49-F238E27FC236}">
-                <a16:creationId xmlns:a16="http://schemas.microsoft.com/office/drawing/2014/main" id="{BA506B6E-1CB5-4A1D-9866-ED8B050FDCB3}"/>
+          <p:cNvPr id="10" name="Afbeelding 9">
+            <a:extLst>
+              <a:ext uri="{FF2B5EF4-FFF2-40B4-BE49-F238E27FC236}">
+                <a16:creationId xmlns:a16="http://schemas.microsoft.com/office/drawing/2014/main" id="{980D04A0-0973-44F8-855A-B6B190A42BB0}"/>
               </a:ext>
             </a:extLst>
           </p:cNvPr>
@@ -6784,11 +7684,16 @@
         </p:nvPicPr>
         <p:blipFill>
           <a:blip r:embed="rId3">
-            <a:extLst>
-              <a:ext uri="{28A0092B-C50C-407E-A947-70E740481C1C}">
-                <a14:useLocalDpi xmlns:a14="http://schemas.microsoft.com/office/drawing/2010/main" val="0"/>
-              </a:ext>
-            </a:extLst>
+            <a:clrChange>
+              <a:clrFrom>
+                <a:srgbClr val="F0F0F0"/>
+              </a:clrFrom>
+              <a:clrTo>
+                <a:srgbClr val="F0F0F0">
+                  <a:alpha val="0"/>
+                </a:srgbClr>
+              </a:clrTo>
+            </a:clrChange>
           </a:blip>
           <a:stretch>
             <a:fillRect/>
@@ -6796,18 +7701,118 @@
         </p:blipFill>
         <p:spPr>
           <a:xfrm>
-            <a:off x="273020" y="1690688"/>
-            <a:ext cx="5822980" cy="4365571"/>
+            <a:off x="6191250" y="587267"/>
+            <a:ext cx="5540774" cy="3232825"/>
           </a:xfrm>
           <a:prstGeom prst="rect">
             <a:avLst/>
           </a:prstGeom>
         </p:spPr>
       </p:pic>
+      <p:pic>
+        <p:nvPicPr>
+          <p:cNvPr id="11" name="Afbeelding 10">
+            <a:extLst>
+              <a:ext uri="{FF2B5EF4-FFF2-40B4-BE49-F238E27FC236}">
+                <a16:creationId xmlns:a16="http://schemas.microsoft.com/office/drawing/2014/main" id="{30448401-0B91-4A65-8AA4-9C508A851066}"/>
+              </a:ext>
+            </a:extLst>
+          </p:cNvPr>
+          <p:cNvPicPr>
+            <a:picLocks noChangeAspect="1"/>
+          </p:cNvPicPr>
+          <p:nvPr/>
+        </p:nvPicPr>
+        <p:blipFill>
+          <a:blip r:embed="rId4">
+            <a:clrChange>
+              <a:clrFrom>
+                <a:srgbClr val="F0F0F0"/>
+              </a:clrFrom>
+              <a:clrTo>
+                <a:srgbClr val="F0F0F0">
+                  <a:alpha val="0"/>
+                </a:srgbClr>
+              </a:clrTo>
+            </a:clrChange>
+          </a:blip>
+          <a:stretch>
+            <a:fillRect/>
+          </a:stretch>
+        </p:blipFill>
+        <p:spPr>
+          <a:xfrm>
+            <a:off x="3246383" y="3608002"/>
+            <a:ext cx="5876596" cy="3448706"/>
+          </a:xfrm>
+          <a:prstGeom prst="rect">
+            <a:avLst/>
+          </a:prstGeom>
+        </p:spPr>
+      </p:pic>
+      <p:sp>
+        <p:nvSpPr>
+          <p:cNvPr id="12" name="Tekstvak 11">
+            <a:extLst>
+              <a:ext uri="{FF2B5EF4-FFF2-40B4-BE49-F238E27FC236}">
+                <a16:creationId xmlns:a16="http://schemas.microsoft.com/office/drawing/2014/main" id="{924AB1DB-59CF-45AF-8EF7-7C194909B871}"/>
+              </a:ext>
+            </a:extLst>
+          </p:cNvPr>
+          <p:cNvSpPr txBox="1"/>
+          <p:nvPr/>
+        </p:nvSpPr>
+        <p:spPr>
+          <a:xfrm>
+            <a:off x="102478" y="5947567"/>
+            <a:ext cx="3478923" cy="646331"/>
+          </a:xfrm>
+          <a:prstGeom prst="rect">
+            <a:avLst/>
+          </a:prstGeom>
+          <a:noFill/>
+        </p:spPr>
+        <p:txBody>
+          <a:bodyPr wrap="square" rtlCol="0">
+            <a:spAutoFit/>
+          </a:bodyPr>
+          <a:lstStyle/>
+          <a:p>
+            <a:r>
+              <a:rPr lang="nl-BE" dirty="0"/>
+              <a:t>Model </a:t>
+            </a:r>
+            <a:r>
+              <a:rPr lang="nl-BE" dirty="0" err="1"/>
+              <a:t>used</a:t>
+            </a:r>
+            <a:r>
+              <a:rPr lang="nl-BE" dirty="0"/>
+              <a:t>: Park 1, </a:t>
+            </a:r>
+            <a:r>
+              <a:rPr lang="nl-BE" dirty="0" err="1"/>
+              <a:t>quadratic</a:t>
+            </a:r>
+            <a:r>
+              <a:rPr lang="nl-BE" dirty="0"/>
+              <a:t>, wake </a:t>
+            </a:r>
+            <a:r>
+              <a:rPr lang="nl-BE" dirty="0" err="1"/>
+              <a:t>reflection</a:t>
+            </a:r>
+            <a:r>
+              <a:rPr lang="nl-BE" dirty="0"/>
+              <a:t>, k=0,04</a:t>
+            </a:r>
+          </a:p>
+        </p:txBody>
+      </p:sp>
     </p:spTree>
     <p:extLst>
       <p:ext uri="{BB962C8B-B14F-4D97-AF65-F5344CB8AC3E}">
-        <p14:creationId xmlns:p14="http://schemas.microsoft.com/office/powerpoint/2010/main" val="281693513"/>
+        <p14:creationId xmlns:p14="http://schemas.microsoft.com/office/powerpoint/2010/main" val="1520942685"/>
       </p:ext>
     </p:extLst>
   </p:cSld>
@@ -6839,7 +7844,7 @@
           <p:cNvPr id="2" name="Titel 1">
             <a:extLst>
               <a:ext uri="{FF2B5EF4-FFF2-40B4-BE49-F238E27FC236}">
-                <a16:creationId xmlns:a16="http://schemas.microsoft.com/office/drawing/2014/main" id="{8626FDD3-14AE-4AA4-A813-983F56B5C40C}"/>
+                <a16:creationId xmlns:a16="http://schemas.microsoft.com/office/drawing/2014/main" id="{8275F7C0-C446-430A-92FA-0DA1CFC6AFC2}"/>
               </a:ext>
             </a:extLst>
           </p:cNvPr>
@@ -6850,41 +7855,86 @@
             <p:ph type="title"/>
           </p:nvPr>
         </p:nvSpPr>
+        <p:spPr>
+          <a:xfrm>
+            <a:off x="838200" y="-280534"/>
+            <a:ext cx="10515600" cy="1325563"/>
+          </a:xfrm>
+        </p:spPr>
+        <p:txBody>
+          <a:bodyPr/>
+          <a:lstStyle/>
+          <a:p>
+            <a:r>
+              <a:rPr lang="nl-BE" dirty="0"/>
+              <a:t>1a. Park model: </a:t>
+            </a:r>
+            <a:r>
+              <a:rPr lang="nl-BE" dirty="0" err="1"/>
+              <a:t>yaw</a:t>
+            </a:r>
+            <a:r>
+              <a:rPr lang="nl-BE" dirty="0"/>
+              <a:t> error</a:t>
+            </a:r>
+          </a:p>
+        </p:txBody>
+      </p:sp>
+      <p:sp>
+        <p:nvSpPr>
+          <p:cNvPr id="4" name="Tijdelijke aanduiding voor dianummer 3">
+            <a:extLst>
+              <a:ext uri="{FF2B5EF4-FFF2-40B4-BE49-F238E27FC236}">
+                <a16:creationId xmlns:a16="http://schemas.microsoft.com/office/drawing/2014/main" id="{D1D551D5-345E-4247-8E2D-301C1F4E9C72}"/>
+              </a:ext>
+            </a:extLst>
+          </p:cNvPr>
+          <p:cNvSpPr>
+            <a:spLocks noGrp="1"/>
+          </p:cNvSpPr>
+          <p:nvPr>
+            <p:ph type="sldNum" sz="quarter" idx="12"/>
+          </p:nvPr>
+        </p:nvSpPr>
         <p:spPr/>
         <p:txBody>
           <a:bodyPr/>
           <a:lstStyle/>
           <a:p>
-            <a:r>
-              <a:rPr lang="nl-BE" dirty="0"/>
-              <a:t>Test Case</a:t>
-            </a:r>
+            <a:fld id="{F7D25450-5F0B-476F-931C-E2449F42945F}" type="slidenum">
+              <a:rPr lang="nl-BE" smtClean="0"/>
+              <a:t>8</a:t>
+            </a:fld>
+            <a:endParaRPr lang="nl-BE"/>
           </a:p>
         </p:txBody>
       </p:sp>
       <p:pic>
         <p:nvPicPr>
-          <p:cNvPr id="6" name="Tijdelijke aanduiding voor inhoud 5">
-            <a:extLst>
-              <a:ext uri="{FF2B5EF4-FFF2-40B4-BE49-F238E27FC236}">
-                <a16:creationId xmlns:a16="http://schemas.microsoft.com/office/drawing/2014/main" id="{767C7D18-D432-47A8-B88D-63703E9563DA}"/>
+          <p:cNvPr id="6" name="Afbeelding 5">
+            <a:extLst>
+              <a:ext uri="{FF2B5EF4-FFF2-40B4-BE49-F238E27FC236}">
+                <a16:creationId xmlns:a16="http://schemas.microsoft.com/office/drawing/2014/main" id="{DA8ACFB4-2EFF-4681-B9D7-C961D5A62D22}"/>
               </a:ext>
             </a:extLst>
           </p:cNvPr>
           <p:cNvPicPr>
-            <a:picLocks noGrp="1" noChangeAspect="1"/>
+            <a:picLocks noChangeAspect="1"/>
           </p:cNvPicPr>
-          <p:nvPr>
-            <p:ph idx="1"/>
-          </p:nvPr>
+          <p:nvPr/>
         </p:nvPicPr>
         <p:blipFill>
           <a:blip r:embed="rId2">
-            <a:extLst>
-              <a:ext uri="{28A0092B-C50C-407E-A947-70E740481C1C}">
-                <a14:useLocalDpi xmlns:a14="http://schemas.microsoft.com/office/drawing/2010/main" val="0"/>
-              </a:ext>
-            </a:extLst>
+            <a:clrChange>
+              <a:clrFrom>
+                <a:srgbClr val="F0F0F0"/>
+              </a:clrFrom>
+              <a:clrTo>
+                <a:srgbClr val="F0F0F0">
+                  <a:alpha val="0"/>
+                </a:srgbClr>
+              </a:clrTo>
+            </a:clrChange>
           </a:blip>
           <a:stretch>
             <a:fillRect/>
@@ -6892,46 +7942,20 @@
         </p:blipFill>
         <p:spPr>
           <a:xfrm>
-            <a:off x="103961" y="1424206"/>
-            <a:ext cx="5803995" cy="4351338"/>
+            <a:off x="2496206" y="3657600"/>
+            <a:ext cx="9767695" cy="3200400"/>
           </a:xfrm>
+          <a:prstGeom prst="rect">
+            <a:avLst/>
+          </a:prstGeom>
         </p:spPr>
       </p:pic>
-      <p:sp>
-        <p:nvSpPr>
-          <p:cNvPr id="4" name="Tijdelijke aanduiding voor dianummer 3">
-            <a:extLst>
-              <a:ext uri="{FF2B5EF4-FFF2-40B4-BE49-F238E27FC236}">
-                <a16:creationId xmlns:a16="http://schemas.microsoft.com/office/drawing/2014/main" id="{F28A42ED-02B5-4870-A4D3-D8D91A4B4428}"/>
-              </a:ext>
-            </a:extLst>
-          </p:cNvPr>
-          <p:cNvSpPr>
-            <a:spLocks noGrp="1"/>
-          </p:cNvSpPr>
-          <p:nvPr>
-            <p:ph type="sldNum" sz="quarter" idx="12"/>
-          </p:nvPr>
-        </p:nvSpPr>
-        <p:spPr/>
-        <p:txBody>
-          <a:bodyPr/>
-          <a:lstStyle/>
-          <a:p>
-            <a:fld id="{F7D25450-5F0B-476F-931C-E2449F42945F}" type="slidenum">
-              <a:rPr lang="nl-BE" smtClean="0"/>
-              <a:t>8</a:t>
-            </a:fld>
-            <a:endParaRPr lang="nl-BE"/>
-          </a:p>
-        </p:txBody>
-      </p:sp>
       <p:pic>
         <p:nvPicPr>
-          <p:cNvPr id="8" name="Afbeelding 7" descr="Afbeelding met kaart, tekst&#10;&#10;Beschrijving is gegenereerd met zeer hoge betrouwbaarheid">
-            <a:extLst>
-              <a:ext uri="{FF2B5EF4-FFF2-40B4-BE49-F238E27FC236}">
-                <a16:creationId xmlns:a16="http://schemas.microsoft.com/office/drawing/2014/main" id="{2DE0ED2A-D7CE-459A-B51E-29A7A47C91C4}"/>
+          <p:cNvPr id="9" name="Afbeelding 8">
+            <a:extLst>
+              <a:ext uri="{FF2B5EF4-FFF2-40B4-BE49-F238E27FC236}">
+                <a16:creationId xmlns:a16="http://schemas.microsoft.com/office/drawing/2014/main" id="{830E44B2-F61E-413A-B472-59FF98AB9486}"/>
               </a:ext>
             </a:extLst>
           </p:cNvPr>
@@ -6942,11 +7966,16 @@
         </p:nvPicPr>
         <p:blipFill>
           <a:blip r:embed="rId3">
-            <a:extLst>
-              <a:ext uri="{28A0092B-C50C-407E-A947-70E740481C1C}">
-                <a14:useLocalDpi xmlns:a14="http://schemas.microsoft.com/office/drawing/2010/main" val="0"/>
-              </a:ext>
-            </a:extLst>
+            <a:clrChange>
+              <a:clrFrom>
+                <a:srgbClr val="F0F0F0"/>
+              </a:clrFrom>
+              <a:clrTo>
+                <a:srgbClr val="F0F0F0">
+                  <a:alpha val="0"/>
+                </a:srgbClr>
+              </a:clrTo>
+            </a:clrChange>
           </a:blip>
           <a:stretch>
             <a:fillRect/>
@@ -6954,18 +7983,151 @@
         </p:blipFill>
         <p:spPr>
           <a:xfrm>
-            <a:off x="5907956" y="1424206"/>
-            <a:ext cx="5803996" cy="4351338"/>
+            <a:off x="2496205" y="518773"/>
+            <a:ext cx="9742643" cy="3349034"/>
           </a:xfrm>
           <a:prstGeom prst="rect">
             <a:avLst/>
           </a:prstGeom>
         </p:spPr>
       </p:pic>
+      <p:sp>
+        <p:nvSpPr>
+          <p:cNvPr id="10" name="Tekstvak 9">
+            <a:extLst>
+              <a:ext uri="{FF2B5EF4-FFF2-40B4-BE49-F238E27FC236}">
+                <a16:creationId xmlns:a16="http://schemas.microsoft.com/office/drawing/2014/main" id="{1AE0C69C-7A4B-40CB-BC45-590A146A2978}"/>
+              </a:ext>
+            </a:extLst>
+          </p:cNvPr>
+          <p:cNvSpPr txBox="1"/>
+          <p:nvPr/>
+        </p:nvSpPr>
+        <p:spPr>
+          <a:xfrm>
+            <a:off x="283779" y="1124607"/>
+            <a:ext cx="2081049" cy="1323439"/>
+          </a:xfrm>
+          <a:prstGeom prst="rect">
+            <a:avLst/>
+          </a:prstGeom>
+          <a:noFill/>
+        </p:spPr>
+        <p:txBody>
+          <a:bodyPr wrap="square" rtlCol="0">
+            <a:spAutoFit/>
+          </a:bodyPr>
+          <a:lstStyle/>
+          <a:p>
+            <a:r>
+              <a:rPr lang="nl-BE" sz="2000" dirty="0"/>
+              <a:t>Wake </a:t>
+            </a:r>
+            <a:r>
+              <a:rPr lang="nl-BE" sz="2000" dirty="0" err="1"/>
+              <a:t>direction</a:t>
+            </a:r>
+            <a:r>
+              <a:rPr lang="nl-BE" sz="2000" dirty="0"/>
+              <a:t> does </a:t>
+            </a:r>
+            <a:r>
+              <a:rPr lang="nl-BE" sz="2000" dirty="0" err="1"/>
+              <a:t>not</a:t>
+            </a:r>
+            <a:r>
+              <a:rPr lang="nl-BE" sz="2000" dirty="0"/>
+              <a:t> change,</a:t>
+            </a:r>
+          </a:p>
+          <a:p>
+            <a:r>
+              <a:rPr lang="nl-BE" sz="2000" dirty="0" err="1"/>
+              <a:t>Only</a:t>
+            </a:r>
+            <a:r>
+              <a:rPr lang="nl-BE" sz="2000" dirty="0"/>
+              <a:t> rotor is </a:t>
+            </a:r>
+            <a:r>
+              <a:rPr lang="nl-BE" sz="2000" dirty="0" err="1"/>
+              <a:t>yawed</a:t>
+            </a:r>
+            <a:endParaRPr lang="nl-BE" sz="2000" dirty="0"/>
+          </a:p>
+        </p:txBody>
+      </p:sp>
+      <p:sp>
+        <p:nvSpPr>
+          <p:cNvPr id="11" name="Tekstvak 10">
+            <a:extLst>
+              <a:ext uri="{FF2B5EF4-FFF2-40B4-BE49-F238E27FC236}">
+                <a16:creationId xmlns:a16="http://schemas.microsoft.com/office/drawing/2014/main" id="{71E6E9A7-D4B9-47C4-8E7C-A3887AA8CA7D}"/>
+              </a:ext>
+            </a:extLst>
+          </p:cNvPr>
+          <p:cNvSpPr txBox="1"/>
+          <p:nvPr/>
+        </p:nvSpPr>
+        <p:spPr>
+          <a:xfrm>
+            <a:off x="278524" y="4348399"/>
+            <a:ext cx="2081049" cy="1323439"/>
+          </a:xfrm>
+          <a:prstGeom prst="rect">
+            <a:avLst/>
+          </a:prstGeom>
+          <a:noFill/>
+        </p:spPr>
+        <p:txBody>
+          <a:bodyPr wrap="square" rtlCol="0">
+            <a:spAutoFit/>
+          </a:bodyPr>
+          <a:lstStyle/>
+          <a:p>
+            <a:r>
+              <a:rPr lang="nl-BE" sz="2000" dirty="0"/>
+              <a:t>Wake </a:t>
+            </a:r>
+            <a:r>
+              <a:rPr lang="nl-BE" sz="2000" dirty="0" err="1"/>
+              <a:t>direction</a:t>
+            </a:r>
+            <a:r>
+              <a:rPr lang="nl-BE" sz="2000" dirty="0"/>
+              <a:t> changes </a:t>
+            </a:r>
+            <a:r>
+              <a:rPr lang="nl-BE" sz="2000" dirty="0" err="1"/>
+              <a:t>to</a:t>
+            </a:r>
+            <a:r>
+              <a:rPr lang="nl-BE" sz="2000" dirty="0"/>
+              <a:t> “</a:t>
+            </a:r>
+            <a:r>
+              <a:rPr lang="nl-BE" sz="2000" dirty="0" err="1"/>
+              <a:t>opposite</a:t>
+            </a:r>
+            <a:r>
+              <a:rPr lang="nl-BE" sz="2000" dirty="0"/>
+              <a:t> </a:t>
+            </a:r>
+            <a:r>
+              <a:rPr lang="nl-BE" sz="2000" dirty="0" err="1"/>
+              <a:t>direction</a:t>
+            </a:r>
+            <a:r>
+              <a:rPr lang="nl-BE" sz="2000" dirty="0"/>
+              <a:t>”</a:t>
+            </a:r>
+          </a:p>
+        </p:txBody>
+      </p:sp>
     </p:spTree>
     <p:extLst>
       <p:ext uri="{BB962C8B-B14F-4D97-AF65-F5344CB8AC3E}">
-        <p14:creationId xmlns:p14="http://schemas.microsoft.com/office/powerpoint/2010/main" val="1362487375"/>
+        <p14:creationId xmlns:p14="http://schemas.microsoft.com/office/powerpoint/2010/main" val="1819846566"/>
       </p:ext>
     </p:extLst>
   </p:cSld>
@@ -6997,7 +8159,7 @@
           <p:cNvPr id="2" name="Titel 1">
             <a:extLst>
               <a:ext uri="{FF2B5EF4-FFF2-40B4-BE49-F238E27FC236}">
-                <a16:creationId xmlns:a16="http://schemas.microsoft.com/office/drawing/2014/main" id="{8745525E-BC81-4E57-A179-01C3049D1E79}"/>
+                <a16:creationId xmlns:a16="http://schemas.microsoft.com/office/drawing/2014/main" id="{87F5DF60-7162-44A2-8B8A-389BC0FC86E7}"/>
               </a:ext>
             </a:extLst>
           </p:cNvPr>
@@ -7015,7 +8177,7 @@
           <a:p>
             <a:r>
               <a:rPr lang="nl-BE" dirty="0"/>
-              <a:t>CT curve</a:t>
+              <a:t>1b. Test Case </a:t>
             </a:r>
           </a:p>
         </p:txBody>
@@ -7025,7 +8187,7 @@
           <p:cNvPr id="4" name="Tijdelijke aanduiding voor dianummer 3">
             <a:extLst>
               <a:ext uri="{FF2B5EF4-FFF2-40B4-BE49-F238E27FC236}">
-                <a16:creationId xmlns:a16="http://schemas.microsoft.com/office/drawing/2014/main" id="{AB512F59-83F3-48A5-BEB1-F0A1CCC48BCC}"/>
+                <a16:creationId xmlns:a16="http://schemas.microsoft.com/office/drawing/2014/main" id="{95AEDC23-E5D8-4218-96D3-13C622814598}"/>
               </a:ext>
             </a:extLst>
           </p:cNvPr>
@@ -7051,10 +8213,10 @@
       </p:sp>
       <p:pic>
         <p:nvPicPr>
-          <p:cNvPr id="8" name="Afbeelding 7" descr="Afbeelding met tekst, kaart&#10;&#10;Beschrijving is gegenereerd met hoge betrouwbaarheid">
-            <a:extLst>
-              <a:ext uri="{FF2B5EF4-FFF2-40B4-BE49-F238E27FC236}">
-                <a16:creationId xmlns:a16="http://schemas.microsoft.com/office/drawing/2014/main" id="{FDD7A290-E267-4633-A9CA-FD32CFF72641}"/>
+          <p:cNvPr id="6" name="Afbeelding 5" descr="Afbeelding met tekst, kaart&#10;&#10;Beschrijving is gegenereerd met zeer hoge betrouwbaarheid">
+            <a:extLst>
+              <a:ext uri="{FF2B5EF4-FFF2-40B4-BE49-F238E27FC236}">
+                <a16:creationId xmlns:a16="http://schemas.microsoft.com/office/drawing/2014/main" id="{D813413F-207E-4A7D-921C-467C19810829}"/>
               </a:ext>
             </a:extLst>
           </p:cNvPr>
@@ -7077,8 +8239,8 @@
         </p:blipFill>
         <p:spPr>
           <a:xfrm>
-            <a:off x="167354" y="1536701"/>
-            <a:ext cx="6074833" cy="4556125"/>
+            <a:off x="6123322" y="1690687"/>
+            <a:ext cx="5956526" cy="4465693"/>
           </a:xfrm>
           <a:prstGeom prst="rect">
             <a:avLst/>
@@ -7087,19 +8249,17 @@
       </p:pic>
       <p:pic>
         <p:nvPicPr>
-          <p:cNvPr id="12" name="Tijdelijke aanduiding voor inhoud 11" descr="Afbeelding met tekst, kaart&#10;&#10;Beschrijving is gegenereerd met hoge betrouwbaarheid">
-            <a:extLst>
-              <a:ext uri="{FF2B5EF4-FFF2-40B4-BE49-F238E27FC236}">
-                <a16:creationId xmlns:a16="http://schemas.microsoft.com/office/drawing/2014/main" id="{0DC1E3D4-F32C-4870-97FD-6051A4BA4E6A}"/>
+          <p:cNvPr id="8" name="Afbeelding 7" descr="Afbeelding met tekst, kaart&#10;&#10;Beschrijving is gegenereerd met zeer hoge betrouwbaarheid">
+            <a:extLst>
+              <a:ext uri="{FF2B5EF4-FFF2-40B4-BE49-F238E27FC236}">
+                <a16:creationId xmlns:a16="http://schemas.microsoft.com/office/drawing/2014/main" id="{BA506B6E-1CB5-4A1D-9866-ED8B050FDCB3}"/>
               </a:ext>
             </a:extLst>
           </p:cNvPr>
           <p:cNvPicPr>
-            <a:picLocks noGrp="1" noChangeAspect="1"/>
+            <a:picLocks noChangeAspect="1"/>
           </p:cNvPicPr>
-          <p:nvPr>
-            <p:ph idx="1"/>
-          </p:nvPr>
+          <p:nvPr/>
         </p:nvPicPr>
         <p:blipFill>
           <a:blip r:embed="rId3">
@@ -7115,15 +8275,69 @@
         </p:blipFill>
         <p:spPr>
           <a:xfrm>
-            <a:off x="6096000" y="1536701"/>
-            <a:ext cx="6007100" cy="4505325"/>
+            <a:off x="273020" y="1690688"/>
+            <a:ext cx="5822980" cy="4365571"/>
           </a:xfrm>
+          <a:prstGeom prst="rect">
+            <a:avLst/>
+          </a:prstGeom>
         </p:spPr>
       </p:pic>
+      <p:sp>
+        <p:nvSpPr>
+          <p:cNvPr id="9" name="Tekstvak 8">
+            <a:extLst>
+              <a:ext uri="{FF2B5EF4-FFF2-40B4-BE49-F238E27FC236}">
+                <a16:creationId xmlns:a16="http://schemas.microsoft.com/office/drawing/2014/main" id="{16D4A042-BA4F-4ABB-9DC6-B9673A3828D2}"/>
+              </a:ext>
+            </a:extLst>
+          </p:cNvPr>
+          <p:cNvSpPr txBox="1"/>
+          <p:nvPr/>
+        </p:nvSpPr>
+        <p:spPr>
+          <a:xfrm>
+            <a:off x="283779" y="6356350"/>
+            <a:ext cx="6957849" cy="369332"/>
+          </a:xfrm>
+          <a:prstGeom prst="rect">
+            <a:avLst/>
+          </a:prstGeom>
+          <a:noFill/>
+        </p:spPr>
+        <p:txBody>
+          <a:bodyPr wrap="square" rtlCol="0">
+            <a:spAutoFit/>
+          </a:bodyPr>
+          <a:lstStyle/>
+          <a:p>
+            <a:r>
+              <a:rPr lang="nl-BE" dirty="0"/>
+              <a:t>Model </a:t>
+            </a:r>
+            <a:r>
+              <a:rPr lang="nl-BE" dirty="0" err="1"/>
+              <a:t>used</a:t>
+            </a:r>
+            <a:r>
+              <a:rPr lang="nl-BE" dirty="0"/>
+              <a:t>: Park 1, </a:t>
+            </a:r>
+            <a:r>
+              <a:rPr lang="nl-BE" dirty="0" err="1"/>
+              <a:t>quadratic</a:t>
+            </a:r>
+            <a:r>
+              <a:rPr lang="nl-BE" dirty="0"/>
+              <a:t>, k=0,04</a:t>
+            </a:r>
+          </a:p>
+        </p:txBody>
+      </p:sp>
     </p:spTree>
     <p:extLst>
       <p:ext uri="{BB962C8B-B14F-4D97-AF65-F5344CB8AC3E}">
-        <p14:creationId xmlns:p14="http://schemas.microsoft.com/office/powerpoint/2010/main" val="1265914833"/>
+        <p14:creationId xmlns:p14="http://schemas.microsoft.com/office/powerpoint/2010/main" val="281693513"/>
       </p:ext>
     </p:extLst>
   </p:cSld>
